--- a/Solution_Fonctionnelle_Technique_Projet_4.pptx
+++ b/Solution_Fonctionnelle_Technique_Projet_4.pptx
@@ -5,21 +5,23 @@
     <p:sldMasterId id="2147483660" r:id="rId1"/>
   </p:sldMasterIdLst>
   <p:notesMasterIdLst>
-    <p:notesMasterId r:id="rId14"/>
+    <p:notesMasterId r:id="rId16"/>
   </p:notesMasterIdLst>
   <p:sldIdLst>
     <p:sldId id="257" r:id="rId2"/>
     <p:sldId id="258" r:id="rId3"/>
     <p:sldId id="259" r:id="rId4"/>
-    <p:sldId id="260" r:id="rId5"/>
-    <p:sldId id="264" r:id="rId6"/>
-    <p:sldId id="263" r:id="rId7"/>
-    <p:sldId id="265" r:id="rId8"/>
-    <p:sldId id="267" r:id="rId9"/>
-    <p:sldId id="266" r:id="rId10"/>
-    <p:sldId id="268" r:id="rId11"/>
-    <p:sldId id="269" r:id="rId12"/>
-    <p:sldId id="270" r:id="rId13"/>
+    <p:sldId id="264" r:id="rId5"/>
+    <p:sldId id="267" r:id="rId6"/>
+    <p:sldId id="271" r:id="rId7"/>
+    <p:sldId id="266" r:id="rId8"/>
+    <p:sldId id="268" r:id="rId9"/>
+    <p:sldId id="269" r:id="rId10"/>
+    <p:sldId id="270" r:id="rId11"/>
+    <p:sldId id="272" r:id="rId12"/>
+    <p:sldId id="260" r:id="rId13"/>
+    <p:sldId id="263" r:id="rId14"/>
+    <p:sldId id="265" r:id="rId15"/>
   </p:sldIdLst>
   <p:sldSz cx="9906000" cy="6858000" type="A4"/>
   <p:notesSz cx="6858000" cy="9144000"/>
@@ -118,6 +120,11 @@
       </a:defRPr>
     </a:lvl9pPr>
   </p:defaultTextStyle>
+  <p:extLst>
+    <p:ext uri="{EFAFB233-063F-42B5-8137-9DF3F51BA10A}">
+      <p15:sldGuideLst xmlns:p15="http://schemas.microsoft.com/office/powerpoint/2012/main"/>
+    </p:ext>
+  </p:extLst>
 </p:presentation>
 </file>
 
@@ -1041,6 +1048,753 @@
 </file>
 
 <file path=ppt/diagrams/colors2.xml><?xml version="1.0" encoding="utf-8"?>
+<dgm:colorsDef xmlns:dgm="http://schemas.openxmlformats.org/drawingml/2006/diagram" xmlns:a="http://schemas.openxmlformats.org/drawingml/2006/main" uniqueId="urn:microsoft.com/office/officeart/2005/8/colors/accent1_2">
+  <dgm:title val=""/>
+  <dgm:desc val=""/>
+  <dgm:catLst>
+    <dgm:cat type="accent1" pri="11200"/>
+  </dgm:catLst>
+  <dgm:styleLbl name="node0">
+    <dgm:fillClrLst meth="repeat">
+      <a:schemeClr val="accent1"/>
+    </dgm:fillClrLst>
+    <dgm:linClrLst meth="repeat">
+      <a:schemeClr val="lt1"/>
+    </dgm:linClrLst>
+    <dgm:effectClrLst/>
+    <dgm:txLinClrLst/>
+    <dgm:txFillClrLst/>
+    <dgm:txEffectClrLst/>
+  </dgm:styleLbl>
+  <dgm:styleLbl name="alignNode1">
+    <dgm:fillClrLst meth="repeat">
+      <a:schemeClr val="accent1"/>
+    </dgm:fillClrLst>
+    <dgm:linClrLst meth="repeat">
+      <a:schemeClr val="accent1"/>
+    </dgm:linClrLst>
+    <dgm:effectClrLst/>
+    <dgm:txLinClrLst/>
+    <dgm:txFillClrLst/>
+    <dgm:txEffectClrLst/>
+  </dgm:styleLbl>
+  <dgm:styleLbl name="node1">
+    <dgm:fillClrLst meth="repeat">
+      <a:schemeClr val="accent1"/>
+    </dgm:fillClrLst>
+    <dgm:linClrLst meth="repeat">
+      <a:schemeClr val="lt1"/>
+    </dgm:linClrLst>
+    <dgm:effectClrLst/>
+    <dgm:txLinClrLst/>
+    <dgm:txFillClrLst/>
+    <dgm:txEffectClrLst/>
+  </dgm:styleLbl>
+  <dgm:styleLbl name="lnNode1">
+    <dgm:fillClrLst meth="repeat">
+      <a:schemeClr val="accent1"/>
+    </dgm:fillClrLst>
+    <dgm:linClrLst meth="repeat">
+      <a:schemeClr val="lt1"/>
+    </dgm:linClrLst>
+    <dgm:effectClrLst/>
+    <dgm:txLinClrLst/>
+    <dgm:txFillClrLst/>
+    <dgm:txEffectClrLst/>
+  </dgm:styleLbl>
+  <dgm:styleLbl name="vennNode1">
+    <dgm:fillClrLst meth="repeat">
+      <a:schemeClr val="accent1">
+        <a:alpha val="50000"/>
+      </a:schemeClr>
+    </dgm:fillClrLst>
+    <dgm:linClrLst meth="repeat">
+      <a:schemeClr val="lt1"/>
+    </dgm:linClrLst>
+    <dgm:effectClrLst/>
+    <dgm:txLinClrLst/>
+    <dgm:txFillClrLst/>
+    <dgm:txEffectClrLst/>
+  </dgm:styleLbl>
+  <dgm:styleLbl name="node2">
+    <dgm:fillClrLst meth="repeat">
+      <a:schemeClr val="accent1"/>
+    </dgm:fillClrLst>
+    <dgm:linClrLst meth="repeat">
+      <a:schemeClr val="lt1"/>
+    </dgm:linClrLst>
+    <dgm:effectClrLst/>
+    <dgm:txLinClrLst/>
+    <dgm:txFillClrLst/>
+    <dgm:txEffectClrLst/>
+  </dgm:styleLbl>
+  <dgm:styleLbl name="node3">
+    <dgm:fillClrLst meth="repeat">
+      <a:schemeClr val="accent1"/>
+    </dgm:fillClrLst>
+    <dgm:linClrLst meth="repeat">
+      <a:schemeClr val="lt1"/>
+    </dgm:linClrLst>
+    <dgm:effectClrLst/>
+    <dgm:txLinClrLst/>
+    <dgm:txFillClrLst/>
+    <dgm:txEffectClrLst/>
+  </dgm:styleLbl>
+  <dgm:styleLbl name="node4">
+    <dgm:fillClrLst meth="repeat">
+      <a:schemeClr val="accent1"/>
+    </dgm:fillClrLst>
+    <dgm:linClrLst meth="repeat">
+      <a:schemeClr val="lt1"/>
+    </dgm:linClrLst>
+    <dgm:effectClrLst/>
+    <dgm:txLinClrLst/>
+    <dgm:txFillClrLst/>
+    <dgm:txEffectClrLst/>
+  </dgm:styleLbl>
+  <dgm:styleLbl name="fgImgPlace1">
+    <dgm:fillClrLst meth="repeat">
+      <a:schemeClr val="accent1">
+        <a:tint val="50000"/>
+      </a:schemeClr>
+    </dgm:fillClrLst>
+    <dgm:linClrLst meth="repeat">
+      <a:schemeClr val="lt1"/>
+    </dgm:linClrLst>
+    <dgm:effectClrLst/>
+    <dgm:txLinClrLst/>
+    <dgm:txFillClrLst meth="repeat">
+      <a:schemeClr val="lt1"/>
+    </dgm:txFillClrLst>
+    <dgm:txEffectClrLst/>
+  </dgm:styleLbl>
+  <dgm:styleLbl name="alignImgPlace1">
+    <dgm:fillClrLst meth="repeat">
+      <a:schemeClr val="accent1">
+        <a:tint val="50000"/>
+      </a:schemeClr>
+    </dgm:fillClrLst>
+    <dgm:linClrLst meth="repeat">
+      <a:schemeClr val="lt1"/>
+    </dgm:linClrLst>
+    <dgm:effectClrLst/>
+    <dgm:txLinClrLst/>
+    <dgm:txFillClrLst meth="repeat">
+      <a:schemeClr val="lt1"/>
+    </dgm:txFillClrLst>
+    <dgm:txEffectClrLst/>
+  </dgm:styleLbl>
+  <dgm:styleLbl name="bgImgPlace1">
+    <dgm:fillClrLst meth="repeat">
+      <a:schemeClr val="accent1">
+        <a:tint val="50000"/>
+      </a:schemeClr>
+    </dgm:fillClrLst>
+    <dgm:linClrLst meth="repeat">
+      <a:schemeClr val="lt1"/>
+    </dgm:linClrLst>
+    <dgm:effectClrLst/>
+    <dgm:txLinClrLst/>
+    <dgm:txFillClrLst meth="repeat">
+      <a:schemeClr val="lt1"/>
+    </dgm:txFillClrLst>
+    <dgm:txEffectClrLst/>
+  </dgm:styleLbl>
+  <dgm:styleLbl name="sibTrans2D1">
+    <dgm:fillClrLst meth="repeat">
+      <a:schemeClr val="accent1">
+        <a:tint val="60000"/>
+      </a:schemeClr>
+    </dgm:fillClrLst>
+    <dgm:linClrLst meth="repeat">
+      <a:schemeClr val="accent1">
+        <a:tint val="60000"/>
+      </a:schemeClr>
+    </dgm:linClrLst>
+    <dgm:effectClrLst/>
+    <dgm:txLinClrLst/>
+    <dgm:txFillClrLst/>
+    <dgm:txEffectClrLst/>
+  </dgm:styleLbl>
+  <dgm:styleLbl name="fgSibTrans2D1">
+    <dgm:fillClrLst meth="repeat">
+      <a:schemeClr val="accent1">
+        <a:tint val="60000"/>
+      </a:schemeClr>
+    </dgm:fillClrLst>
+    <dgm:linClrLst meth="repeat">
+      <a:schemeClr val="accent1">
+        <a:tint val="60000"/>
+      </a:schemeClr>
+    </dgm:linClrLst>
+    <dgm:effectClrLst/>
+    <dgm:txLinClrLst/>
+    <dgm:txFillClrLst/>
+    <dgm:txEffectClrLst/>
+  </dgm:styleLbl>
+  <dgm:styleLbl name="bgSibTrans2D1">
+    <dgm:fillClrLst meth="repeat">
+      <a:schemeClr val="accent1">
+        <a:tint val="60000"/>
+      </a:schemeClr>
+    </dgm:fillClrLst>
+    <dgm:linClrLst meth="repeat">
+      <a:schemeClr val="accent1">
+        <a:tint val="60000"/>
+      </a:schemeClr>
+    </dgm:linClrLst>
+    <dgm:effectClrLst/>
+    <dgm:txLinClrLst/>
+    <dgm:txFillClrLst/>
+    <dgm:txEffectClrLst/>
+  </dgm:styleLbl>
+  <dgm:styleLbl name="sibTrans1D1">
+    <dgm:fillClrLst meth="repeat">
+      <a:schemeClr val="accent1"/>
+    </dgm:fillClrLst>
+    <dgm:linClrLst meth="repeat">
+      <a:schemeClr val="accent1"/>
+    </dgm:linClrLst>
+    <dgm:effectClrLst/>
+    <dgm:txLinClrLst/>
+    <dgm:txFillClrLst meth="repeat">
+      <a:schemeClr val="tx1"/>
+    </dgm:txFillClrLst>
+    <dgm:txEffectClrLst/>
+  </dgm:styleLbl>
+  <dgm:styleLbl name="callout">
+    <dgm:fillClrLst meth="repeat">
+      <a:schemeClr val="accent1"/>
+    </dgm:fillClrLst>
+    <dgm:linClrLst meth="repeat">
+      <a:schemeClr val="accent1">
+        <a:tint val="50000"/>
+      </a:schemeClr>
+    </dgm:linClrLst>
+    <dgm:effectClrLst/>
+    <dgm:txLinClrLst/>
+    <dgm:txFillClrLst meth="repeat">
+      <a:schemeClr val="tx1"/>
+    </dgm:txFillClrLst>
+    <dgm:txEffectClrLst/>
+  </dgm:styleLbl>
+  <dgm:styleLbl name="asst0">
+    <dgm:fillClrLst meth="repeat">
+      <a:schemeClr val="accent1"/>
+    </dgm:fillClrLst>
+    <dgm:linClrLst meth="repeat">
+      <a:schemeClr val="lt1"/>
+    </dgm:linClrLst>
+    <dgm:effectClrLst/>
+    <dgm:txLinClrLst/>
+    <dgm:txFillClrLst/>
+    <dgm:txEffectClrLst/>
+  </dgm:styleLbl>
+  <dgm:styleLbl name="asst1">
+    <dgm:fillClrLst meth="repeat">
+      <a:schemeClr val="accent1"/>
+    </dgm:fillClrLst>
+    <dgm:linClrLst meth="repeat">
+      <a:schemeClr val="lt1"/>
+    </dgm:linClrLst>
+    <dgm:effectClrLst/>
+    <dgm:txLinClrLst/>
+    <dgm:txFillClrLst/>
+    <dgm:txEffectClrLst/>
+  </dgm:styleLbl>
+  <dgm:styleLbl name="asst2">
+    <dgm:fillClrLst meth="repeat">
+      <a:schemeClr val="accent1"/>
+    </dgm:fillClrLst>
+    <dgm:linClrLst meth="repeat">
+      <a:schemeClr val="lt1"/>
+    </dgm:linClrLst>
+    <dgm:effectClrLst/>
+    <dgm:txLinClrLst/>
+    <dgm:txFillClrLst/>
+    <dgm:txEffectClrLst/>
+  </dgm:styleLbl>
+  <dgm:styleLbl name="asst3">
+    <dgm:fillClrLst meth="repeat">
+      <a:schemeClr val="accent1"/>
+    </dgm:fillClrLst>
+    <dgm:linClrLst meth="repeat">
+      <a:schemeClr val="lt1"/>
+    </dgm:linClrLst>
+    <dgm:effectClrLst/>
+    <dgm:txLinClrLst/>
+    <dgm:txFillClrLst/>
+    <dgm:txEffectClrLst/>
+  </dgm:styleLbl>
+  <dgm:styleLbl name="asst4">
+    <dgm:fillClrLst meth="repeat">
+      <a:schemeClr val="accent1"/>
+    </dgm:fillClrLst>
+    <dgm:linClrLst meth="repeat">
+      <a:schemeClr val="lt1"/>
+    </dgm:linClrLst>
+    <dgm:effectClrLst/>
+    <dgm:txLinClrLst/>
+    <dgm:txFillClrLst/>
+    <dgm:txEffectClrLst/>
+  </dgm:styleLbl>
+  <dgm:styleLbl name="parChTrans2D1">
+    <dgm:fillClrLst meth="repeat">
+      <a:schemeClr val="accent1">
+        <a:tint val="60000"/>
+      </a:schemeClr>
+    </dgm:fillClrLst>
+    <dgm:linClrLst meth="repeat">
+      <a:schemeClr val="accent1">
+        <a:tint val="60000"/>
+      </a:schemeClr>
+    </dgm:linClrLst>
+    <dgm:effectClrLst/>
+    <dgm:txLinClrLst/>
+    <dgm:txFillClrLst meth="repeat">
+      <a:schemeClr val="lt1"/>
+    </dgm:txFillClrLst>
+    <dgm:txEffectClrLst/>
+  </dgm:styleLbl>
+  <dgm:styleLbl name="parChTrans2D2">
+    <dgm:fillClrLst meth="repeat">
+      <a:schemeClr val="accent1"/>
+    </dgm:fillClrLst>
+    <dgm:linClrLst meth="repeat">
+      <a:schemeClr val="accent1"/>
+    </dgm:linClrLst>
+    <dgm:effectClrLst/>
+    <dgm:txLinClrLst/>
+    <dgm:txFillClrLst meth="repeat">
+      <a:schemeClr val="lt1"/>
+    </dgm:txFillClrLst>
+    <dgm:txEffectClrLst/>
+  </dgm:styleLbl>
+  <dgm:styleLbl name="parChTrans2D3">
+    <dgm:fillClrLst meth="repeat">
+      <a:schemeClr val="accent1"/>
+    </dgm:fillClrLst>
+    <dgm:linClrLst meth="repeat">
+      <a:schemeClr val="accent1"/>
+    </dgm:linClrLst>
+    <dgm:effectClrLst/>
+    <dgm:txLinClrLst/>
+    <dgm:txFillClrLst meth="repeat">
+      <a:schemeClr val="lt1"/>
+    </dgm:txFillClrLst>
+    <dgm:txEffectClrLst/>
+  </dgm:styleLbl>
+  <dgm:styleLbl name="parChTrans2D4">
+    <dgm:fillClrLst meth="repeat">
+      <a:schemeClr val="accent1"/>
+    </dgm:fillClrLst>
+    <dgm:linClrLst meth="repeat">
+      <a:schemeClr val="accent1"/>
+    </dgm:linClrLst>
+    <dgm:effectClrLst/>
+    <dgm:txLinClrLst/>
+    <dgm:txFillClrLst meth="repeat">
+      <a:schemeClr val="lt1"/>
+    </dgm:txFillClrLst>
+    <dgm:txEffectClrLst/>
+  </dgm:styleLbl>
+  <dgm:styleLbl name="parChTrans1D1">
+    <dgm:fillClrLst meth="repeat">
+      <a:schemeClr val="accent1"/>
+    </dgm:fillClrLst>
+    <dgm:linClrLst meth="repeat">
+      <a:schemeClr val="accent1">
+        <a:shade val="60000"/>
+      </a:schemeClr>
+    </dgm:linClrLst>
+    <dgm:effectClrLst/>
+    <dgm:txLinClrLst/>
+    <dgm:txFillClrLst meth="repeat">
+      <a:schemeClr val="tx1"/>
+    </dgm:txFillClrLst>
+    <dgm:txEffectClrLst/>
+  </dgm:styleLbl>
+  <dgm:styleLbl name="parChTrans1D2">
+    <dgm:fillClrLst meth="repeat">
+      <a:schemeClr val="accent1"/>
+    </dgm:fillClrLst>
+    <dgm:linClrLst meth="repeat">
+      <a:schemeClr val="accent1">
+        <a:shade val="60000"/>
+      </a:schemeClr>
+    </dgm:linClrLst>
+    <dgm:effectClrLst/>
+    <dgm:txLinClrLst/>
+    <dgm:txFillClrLst meth="repeat">
+      <a:schemeClr val="tx1"/>
+    </dgm:txFillClrLst>
+    <dgm:txEffectClrLst/>
+  </dgm:styleLbl>
+  <dgm:styleLbl name="parChTrans1D3">
+    <dgm:fillClrLst meth="repeat">
+      <a:schemeClr val="accent1"/>
+    </dgm:fillClrLst>
+    <dgm:linClrLst meth="repeat">
+      <a:schemeClr val="accent1">
+        <a:shade val="80000"/>
+      </a:schemeClr>
+    </dgm:linClrLst>
+    <dgm:effectClrLst/>
+    <dgm:txLinClrLst/>
+    <dgm:txFillClrLst meth="repeat">
+      <a:schemeClr val="tx1"/>
+    </dgm:txFillClrLst>
+    <dgm:txEffectClrLst/>
+  </dgm:styleLbl>
+  <dgm:styleLbl name="parChTrans1D4">
+    <dgm:fillClrLst meth="repeat">
+      <a:schemeClr val="accent1"/>
+    </dgm:fillClrLst>
+    <dgm:linClrLst meth="repeat">
+      <a:schemeClr val="accent1">
+        <a:shade val="80000"/>
+      </a:schemeClr>
+    </dgm:linClrLst>
+    <dgm:effectClrLst/>
+    <dgm:txLinClrLst/>
+    <dgm:txFillClrLst meth="repeat">
+      <a:schemeClr val="tx1"/>
+    </dgm:txFillClrLst>
+    <dgm:txEffectClrLst/>
+  </dgm:styleLbl>
+  <dgm:styleLbl name="fgAcc1">
+    <dgm:fillClrLst meth="repeat">
+      <a:schemeClr val="lt1">
+        <a:alpha val="90000"/>
+      </a:schemeClr>
+    </dgm:fillClrLst>
+    <dgm:linClrLst meth="repeat">
+      <a:schemeClr val="accent1"/>
+    </dgm:linClrLst>
+    <dgm:effectClrLst/>
+    <dgm:txLinClrLst/>
+    <dgm:txFillClrLst meth="repeat">
+      <a:schemeClr val="dk1"/>
+    </dgm:txFillClrLst>
+    <dgm:txEffectClrLst/>
+  </dgm:styleLbl>
+  <dgm:styleLbl name="conFgAcc1">
+    <dgm:fillClrLst meth="repeat">
+      <a:schemeClr val="lt1">
+        <a:alpha val="90000"/>
+      </a:schemeClr>
+    </dgm:fillClrLst>
+    <dgm:linClrLst meth="repeat">
+      <a:schemeClr val="accent1"/>
+    </dgm:linClrLst>
+    <dgm:effectClrLst/>
+    <dgm:txLinClrLst/>
+    <dgm:txFillClrLst meth="repeat">
+      <a:schemeClr val="dk1"/>
+    </dgm:txFillClrLst>
+    <dgm:txEffectClrLst/>
+  </dgm:styleLbl>
+  <dgm:styleLbl name="alignAcc1">
+    <dgm:fillClrLst meth="repeat">
+      <a:schemeClr val="lt1">
+        <a:alpha val="90000"/>
+      </a:schemeClr>
+    </dgm:fillClrLst>
+    <dgm:linClrLst meth="repeat">
+      <a:schemeClr val="accent1"/>
+    </dgm:linClrLst>
+    <dgm:effectClrLst/>
+    <dgm:txLinClrLst/>
+    <dgm:txFillClrLst meth="repeat">
+      <a:schemeClr val="dk1"/>
+    </dgm:txFillClrLst>
+    <dgm:txEffectClrLst/>
+  </dgm:styleLbl>
+  <dgm:styleLbl name="trAlignAcc1">
+    <dgm:fillClrLst meth="repeat">
+      <a:schemeClr val="lt1">
+        <a:alpha val="40000"/>
+      </a:schemeClr>
+    </dgm:fillClrLst>
+    <dgm:linClrLst meth="repeat">
+      <a:schemeClr val="accent1"/>
+    </dgm:linClrLst>
+    <dgm:effectClrLst/>
+    <dgm:txLinClrLst/>
+    <dgm:txFillClrLst meth="repeat">
+      <a:schemeClr val="dk1"/>
+    </dgm:txFillClrLst>
+    <dgm:txEffectClrLst/>
+  </dgm:styleLbl>
+  <dgm:styleLbl name="bgAcc1">
+    <dgm:fillClrLst meth="repeat">
+      <a:schemeClr val="lt1">
+        <a:alpha val="90000"/>
+      </a:schemeClr>
+    </dgm:fillClrLst>
+    <dgm:linClrLst meth="repeat">
+      <a:schemeClr val="accent1"/>
+    </dgm:linClrLst>
+    <dgm:effectClrLst/>
+    <dgm:txLinClrLst/>
+    <dgm:txFillClrLst meth="repeat">
+      <a:schemeClr val="dk1"/>
+    </dgm:txFillClrLst>
+    <dgm:txEffectClrLst/>
+  </dgm:styleLbl>
+  <dgm:styleLbl name="solidFgAcc1">
+    <dgm:fillClrLst meth="repeat">
+      <a:schemeClr val="lt1"/>
+    </dgm:fillClrLst>
+    <dgm:linClrLst meth="repeat">
+      <a:schemeClr val="accent1"/>
+    </dgm:linClrLst>
+    <dgm:effectClrLst/>
+    <dgm:txLinClrLst/>
+    <dgm:txFillClrLst meth="repeat">
+      <a:schemeClr val="dk1"/>
+    </dgm:txFillClrLst>
+    <dgm:txEffectClrLst/>
+  </dgm:styleLbl>
+  <dgm:styleLbl name="solidAlignAcc1">
+    <dgm:fillClrLst meth="repeat">
+      <a:schemeClr val="lt1"/>
+    </dgm:fillClrLst>
+    <dgm:linClrLst meth="repeat">
+      <a:schemeClr val="accent1"/>
+    </dgm:linClrLst>
+    <dgm:effectClrLst/>
+    <dgm:txLinClrLst/>
+    <dgm:txFillClrLst meth="repeat">
+      <a:schemeClr val="dk1"/>
+    </dgm:txFillClrLst>
+    <dgm:txEffectClrLst/>
+  </dgm:styleLbl>
+  <dgm:styleLbl name="solidBgAcc1">
+    <dgm:fillClrLst meth="repeat">
+      <a:schemeClr val="lt1"/>
+    </dgm:fillClrLst>
+    <dgm:linClrLst meth="repeat">
+      <a:schemeClr val="accent1"/>
+    </dgm:linClrLst>
+    <dgm:effectClrLst/>
+    <dgm:txLinClrLst/>
+    <dgm:txFillClrLst meth="repeat">
+      <a:schemeClr val="dk1"/>
+    </dgm:txFillClrLst>
+    <dgm:txEffectClrLst/>
+  </dgm:styleLbl>
+  <dgm:styleLbl name="fgAccFollowNode1">
+    <dgm:fillClrLst meth="repeat">
+      <a:schemeClr val="accent1">
+        <a:alpha val="90000"/>
+        <a:tint val="40000"/>
+      </a:schemeClr>
+    </dgm:fillClrLst>
+    <dgm:linClrLst meth="repeat">
+      <a:schemeClr val="accent1">
+        <a:alpha val="90000"/>
+        <a:tint val="40000"/>
+      </a:schemeClr>
+    </dgm:linClrLst>
+    <dgm:effectClrLst/>
+    <dgm:txLinClrLst/>
+    <dgm:txFillClrLst meth="repeat">
+      <a:schemeClr val="dk1"/>
+    </dgm:txFillClrLst>
+    <dgm:txEffectClrLst/>
+  </dgm:styleLbl>
+  <dgm:styleLbl name="alignAccFollowNode1">
+    <dgm:fillClrLst meth="repeat">
+      <a:schemeClr val="accent1">
+        <a:alpha val="90000"/>
+        <a:tint val="40000"/>
+      </a:schemeClr>
+    </dgm:fillClrLst>
+    <dgm:linClrLst meth="repeat">
+      <a:schemeClr val="accent1">
+        <a:alpha val="90000"/>
+        <a:tint val="40000"/>
+      </a:schemeClr>
+    </dgm:linClrLst>
+    <dgm:effectClrLst/>
+    <dgm:txLinClrLst/>
+    <dgm:txFillClrLst meth="repeat">
+      <a:schemeClr val="dk1"/>
+    </dgm:txFillClrLst>
+    <dgm:txEffectClrLst/>
+  </dgm:styleLbl>
+  <dgm:styleLbl name="bgAccFollowNode1">
+    <dgm:fillClrLst meth="repeat">
+      <a:schemeClr val="accent1">
+        <a:alpha val="90000"/>
+        <a:tint val="40000"/>
+      </a:schemeClr>
+    </dgm:fillClrLst>
+    <dgm:linClrLst meth="repeat">
+      <a:schemeClr val="accent1">
+        <a:alpha val="90000"/>
+        <a:tint val="40000"/>
+      </a:schemeClr>
+    </dgm:linClrLst>
+    <dgm:effectClrLst/>
+    <dgm:txLinClrLst/>
+    <dgm:txFillClrLst meth="repeat">
+      <a:schemeClr val="dk1"/>
+    </dgm:txFillClrLst>
+    <dgm:txEffectClrLst/>
+  </dgm:styleLbl>
+  <dgm:styleLbl name="fgAcc0">
+    <dgm:fillClrLst meth="repeat">
+      <a:schemeClr val="lt1">
+        <a:alpha val="90000"/>
+      </a:schemeClr>
+    </dgm:fillClrLst>
+    <dgm:linClrLst meth="repeat">
+      <a:schemeClr val="accent1"/>
+    </dgm:linClrLst>
+    <dgm:effectClrLst/>
+    <dgm:txLinClrLst/>
+    <dgm:txFillClrLst meth="repeat">
+      <a:schemeClr val="dk1"/>
+    </dgm:txFillClrLst>
+    <dgm:txEffectClrLst/>
+  </dgm:styleLbl>
+  <dgm:styleLbl name="fgAcc2">
+    <dgm:fillClrLst meth="repeat">
+      <a:schemeClr val="lt1">
+        <a:alpha val="90000"/>
+      </a:schemeClr>
+    </dgm:fillClrLst>
+    <dgm:linClrLst meth="repeat">
+      <a:schemeClr val="accent1"/>
+    </dgm:linClrLst>
+    <dgm:effectClrLst/>
+    <dgm:txLinClrLst/>
+    <dgm:txFillClrLst meth="repeat">
+      <a:schemeClr val="dk1"/>
+    </dgm:txFillClrLst>
+    <dgm:txEffectClrLst/>
+  </dgm:styleLbl>
+  <dgm:styleLbl name="fgAcc3">
+    <dgm:fillClrLst meth="repeat">
+      <a:schemeClr val="lt1">
+        <a:alpha val="90000"/>
+      </a:schemeClr>
+    </dgm:fillClrLst>
+    <dgm:linClrLst meth="repeat">
+      <a:schemeClr val="accent1"/>
+    </dgm:linClrLst>
+    <dgm:effectClrLst/>
+    <dgm:txLinClrLst/>
+    <dgm:txFillClrLst meth="repeat">
+      <a:schemeClr val="dk1"/>
+    </dgm:txFillClrLst>
+    <dgm:txEffectClrLst/>
+  </dgm:styleLbl>
+  <dgm:styleLbl name="fgAcc4">
+    <dgm:fillClrLst meth="repeat">
+      <a:schemeClr val="lt1">
+        <a:alpha val="90000"/>
+      </a:schemeClr>
+    </dgm:fillClrLst>
+    <dgm:linClrLst meth="repeat">
+      <a:schemeClr val="accent1"/>
+    </dgm:linClrLst>
+    <dgm:effectClrLst/>
+    <dgm:txLinClrLst/>
+    <dgm:txFillClrLst meth="repeat">
+      <a:schemeClr val="dk1"/>
+    </dgm:txFillClrLst>
+    <dgm:txEffectClrLst/>
+  </dgm:styleLbl>
+  <dgm:styleLbl name="bgShp">
+    <dgm:fillClrLst meth="repeat">
+      <a:schemeClr val="accent1">
+        <a:tint val="40000"/>
+      </a:schemeClr>
+    </dgm:fillClrLst>
+    <dgm:linClrLst meth="repeat">
+      <a:schemeClr val="accent1"/>
+    </dgm:linClrLst>
+    <dgm:effectClrLst/>
+    <dgm:txLinClrLst/>
+    <dgm:txFillClrLst meth="repeat">
+      <a:schemeClr val="dk1"/>
+    </dgm:txFillClrLst>
+    <dgm:txEffectClrLst/>
+  </dgm:styleLbl>
+  <dgm:styleLbl name="dkBgShp">
+    <dgm:fillClrLst meth="repeat">
+      <a:schemeClr val="accent1">
+        <a:shade val="80000"/>
+      </a:schemeClr>
+    </dgm:fillClrLst>
+    <dgm:linClrLst meth="repeat">
+      <a:schemeClr val="accent1"/>
+    </dgm:linClrLst>
+    <dgm:effectClrLst/>
+    <dgm:txLinClrLst/>
+    <dgm:txFillClrLst meth="repeat">
+      <a:schemeClr val="lt1"/>
+    </dgm:txFillClrLst>
+    <dgm:txEffectClrLst/>
+  </dgm:styleLbl>
+  <dgm:styleLbl name="trBgShp">
+    <dgm:fillClrLst meth="repeat">
+      <a:schemeClr val="accent1">
+        <a:tint val="50000"/>
+        <a:alpha val="40000"/>
+      </a:schemeClr>
+    </dgm:fillClrLst>
+    <dgm:linClrLst meth="repeat">
+      <a:schemeClr val="accent1"/>
+    </dgm:linClrLst>
+    <dgm:effectClrLst/>
+    <dgm:txLinClrLst/>
+    <dgm:txFillClrLst meth="repeat">
+      <a:schemeClr val="lt1"/>
+    </dgm:txFillClrLst>
+    <dgm:txEffectClrLst/>
+  </dgm:styleLbl>
+  <dgm:styleLbl name="fgShp">
+    <dgm:fillClrLst meth="repeat">
+      <a:schemeClr val="accent1">
+        <a:tint val="60000"/>
+      </a:schemeClr>
+    </dgm:fillClrLst>
+    <dgm:linClrLst meth="repeat">
+      <a:schemeClr val="lt1"/>
+    </dgm:linClrLst>
+    <dgm:effectClrLst/>
+    <dgm:txLinClrLst/>
+    <dgm:txFillClrLst meth="repeat">
+      <a:schemeClr val="dk1"/>
+    </dgm:txFillClrLst>
+    <dgm:txEffectClrLst/>
+  </dgm:styleLbl>
+  <dgm:styleLbl name="revTx">
+    <dgm:fillClrLst meth="repeat">
+      <a:schemeClr val="lt1">
+        <a:alpha val="0"/>
+      </a:schemeClr>
+    </dgm:fillClrLst>
+    <dgm:linClrLst meth="repeat">
+      <a:schemeClr val="dk1">
+        <a:alpha val="0"/>
+      </a:schemeClr>
+    </dgm:linClrLst>
+    <dgm:effectClrLst/>
+    <dgm:txLinClrLst/>
+    <dgm:txFillClrLst meth="repeat">
+      <a:schemeClr val="tx1"/>
+    </dgm:txFillClrLst>
+    <dgm:txEffectClrLst/>
+  </dgm:styleLbl>
+</dgm:colorsDef>
+</file>
+
+<file path=ppt/diagrams/colors3.xml><?xml version="1.0" encoding="utf-8"?>
 <dgm:colorsDef xmlns:dgm="http://schemas.openxmlformats.org/drawingml/2006/diagram" xmlns:a="http://schemas.openxmlformats.org/drawingml/2006/main" uniqueId="urn:microsoft.com/office/officeart/2005/8/colors/colorful1">
   <dgm:title val=""/>
   <dgm:desc val=""/>
@@ -1959,7 +2713,7 @@
 </dgm:colorsDef>
 </file>
 
-<file path=ppt/diagrams/colors3.xml><?xml version="1.0" encoding="utf-8"?>
+<file path=ppt/diagrams/colors4.xml><?xml version="1.0" encoding="utf-8"?>
 <dgm:colorsDef xmlns:dgm="http://schemas.openxmlformats.org/drawingml/2006/diagram" xmlns:a="http://schemas.openxmlformats.org/drawingml/2006/main" uniqueId="urn:microsoft.com/office/officeart/2005/8/colors/colorful1">
   <dgm:title val=""/>
   <dgm:desc val=""/>
@@ -2878,7 +3632,7 @@
 </dgm:colorsDef>
 </file>
 
-<file path=ppt/diagrams/colors4.xml><?xml version="1.0" encoding="utf-8"?>
+<file path=ppt/diagrams/colors5.xml><?xml version="1.0" encoding="utf-8"?>
 <dgm:colorsDef xmlns:dgm="http://schemas.openxmlformats.org/drawingml/2006/diagram" xmlns:a="http://schemas.openxmlformats.org/drawingml/2006/main" uniqueId="urn:microsoft.com/office/officeart/2005/8/colors/colorful1">
   <dgm:title val=""/>
   <dgm:desc val=""/>
@@ -4527,6 +5281,397 @@
 <file path=ppt/diagrams/data2.xml><?xml version="1.0" encoding="utf-8"?>
 <dgm:dataModel xmlns:dgm="http://schemas.openxmlformats.org/drawingml/2006/diagram" xmlns:a="http://schemas.openxmlformats.org/drawingml/2006/main">
   <dgm:ptLst>
+    <dgm:pt modelId="{5EB3597A-BABF-5044-974B-894473BFF932}" type="doc">
+      <dgm:prSet loTypeId="urn:microsoft.com/office/officeart/2005/8/layout/hierarchy6" loCatId="" qsTypeId="urn:microsoft.com/office/officeart/2005/8/quickstyle/simple1" qsCatId="simple" csTypeId="urn:microsoft.com/office/officeart/2005/8/colors/accent1_2" csCatId="accent1" phldr="1"/>
+      <dgm:spPr/>
+      <dgm:t>
+        <a:bodyPr/>
+        <a:lstStyle/>
+        <a:p>
+          <a:endParaRPr lang="fr-FR"/>
+        </a:p>
+      </dgm:t>
+    </dgm:pt>
+    <dgm:pt modelId="{A89D12F7-2DB2-B443-AAFD-C79FAF77E7B9}">
+      <dgm:prSet phldrT="[Texte]"/>
+      <dgm:spPr/>
+      <dgm:t>
+        <a:bodyPr/>
+        <a:lstStyle/>
+        <a:p>
+          <a:r>
+            <a:rPr lang="fr-FR" dirty="0" err="1"/>
+            <a:t>SaaS</a:t>
+          </a:r>
+          <a:endParaRPr lang="fr-FR" dirty="0"/>
+        </a:p>
+      </dgm:t>
+    </dgm:pt>
+    <dgm:pt modelId="{9E09E729-315D-5B4E-9A63-6D6D459CB75B}" type="parTrans" cxnId="{4049DAC0-AF79-CE44-A27B-56F9A213B561}">
+      <dgm:prSet/>
+      <dgm:spPr/>
+      <dgm:t>
+        <a:bodyPr/>
+        <a:lstStyle/>
+        <a:p>
+          <a:endParaRPr lang="fr-FR"/>
+        </a:p>
+      </dgm:t>
+    </dgm:pt>
+    <dgm:pt modelId="{EAFF3D34-AF60-6C40-9F9B-B9BA71800B9F}" type="sibTrans" cxnId="{4049DAC0-AF79-CE44-A27B-56F9A213B561}">
+      <dgm:prSet/>
+      <dgm:spPr/>
+      <dgm:t>
+        <a:bodyPr/>
+        <a:lstStyle/>
+        <a:p>
+          <a:endParaRPr lang="fr-FR"/>
+        </a:p>
+      </dgm:t>
+    </dgm:pt>
+    <dgm:pt modelId="{FB161514-F079-3B4B-8E17-B0D2EA2E3F86}">
+      <dgm:prSet phldrT="[Texte]"/>
+      <dgm:spPr/>
+      <dgm:t>
+        <a:bodyPr/>
+        <a:lstStyle/>
+        <a:p>
+          <a:r>
+            <a:rPr lang="fr-FR" dirty="0"/>
+            <a:t>Sur-Mesure</a:t>
+          </a:r>
+        </a:p>
+      </dgm:t>
+    </dgm:pt>
+    <dgm:pt modelId="{CDAA861F-DE96-8243-A94B-F1F1A7E591BE}" type="parTrans" cxnId="{5ABCC2A4-5284-AE40-AAEF-2DB9A198EE6E}">
+      <dgm:prSet/>
+      <dgm:spPr/>
+      <dgm:t>
+        <a:bodyPr/>
+        <a:lstStyle/>
+        <a:p>
+          <a:endParaRPr lang="fr-FR"/>
+        </a:p>
+      </dgm:t>
+    </dgm:pt>
+    <dgm:pt modelId="{417C80C1-ABF0-4248-B884-B8605E14F909}" type="sibTrans" cxnId="{5ABCC2A4-5284-AE40-AAEF-2DB9A198EE6E}">
+      <dgm:prSet/>
+      <dgm:spPr/>
+      <dgm:t>
+        <a:bodyPr/>
+        <a:lstStyle/>
+        <a:p>
+          <a:endParaRPr lang="fr-FR"/>
+        </a:p>
+      </dgm:t>
+    </dgm:pt>
+    <dgm:pt modelId="{B518BA4E-6E0A-3941-BD00-39447B5BEB29}">
+      <dgm:prSet phldrT="[Texte]"/>
+      <dgm:spPr>
+        <a:solidFill>
+          <a:schemeClr val="accent2"/>
+        </a:solidFill>
+      </dgm:spPr>
+      <dgm:t>
+        <a:bodyPr/>
+        <a:lstStyle/>
+        <a:p>
+          <a:r>
+            <a:rPr lang="fr-FR" dirty="0"/>
+            <a:t>Hébergement</a:t>
+          </a:r>
+        </a:p>
+      </dgm:t>
+    </dgm:pt>
+    <dgm:pt modelId="{499318BC-3592-7C41-B179-8899A70BC042}" type="parTrans" cxnId="{E6AF263C-A63B-4242-AA28-2C4F22A436C5}">
+      <dgm:prSet/>
+      <dgm:spPr/>
+      <dgm:t>
+        <a:bodyPr/>
+        <a:lstStyle/>
+        <a:p>
+          <a:endParaRPr lang="fr-FR"/>
+        </a:p>
+      </dgm:t>
+    </dgm:pt>
+    <dgm:pt modelId="{49657187-806C-2D4C-8A2B-CD2FA336BBE8}" type="sibTrans" cxnId="{E6AF263C-A63B-4242-AA28-2C4F22A436C5}">
+      <dgm:prSet/>
+      <dgm:spPr/>
+      <dgm:t>
+        <a:bodyPr/>
+        <a:lstStyle/>
+        <a:p>
+          <a:endParaRPr lang="fr-FR"/>
+        </a:p>
+      </dgm:t>
+    </dgm:pt>
+    <dgm:pt modelId="{8C9A95B4-3E2D-5C44-8EEC-B411DF9CF89D}">
+      <dgm:prSet phldrT="[Texte]">
+        <dgm:style>
+          <a:lnRef idx="1">
+            <a:schemeClr val="accent2"/>
+          </a:lnRef>
+          <a:fillRef idx="3">
+            <a:schemeClr val="accent2"/>
+          </a:fillRef>
+          <a:effectRef idx="2">
+            <a:schemeClr val="accent2"/>
+          </a:effectRef>
+          <a:fontRef idx="minor">
+            <a:schemeClr val="lt1"/>
+          </a:fontRef>
+        </dgm:style>
+      </dgm:prSet>
+      <dgm:spPr>
+        <a:solidFill>
+          <a:schemeClr val="bg2"/>
+        </a:solidFill>
+      </dgm:spPr>
+      <dgm:t>
+        <a:bodyPr/>
+        <a:lstStyle/>
+        <a:p>
+          <a:r>
+            <a:rPr lang="fr-FR" dirty="0"/>
+            <a:t>Développement</a:t>
+          </a:r>
+        </a:p>
+      </dgm:t>
+    </dgm:pt>
+    <dgm:pt modelId="{0C8B4E4B-565F-0447-856D-33AEBCF24165}" type="parTrans" cxnId="{3840B3C0-56BC-9447-B1A4-626BDCC9D9AA}">
+      <dgm:prSet/>
+      <dgm:spPr/>
+      <dgm:t>
+        <a:bodyPr/>
+        <a:lstStyle/>
+        <a:p>
+          <a:endParaRPr lang="fr-FR"/>
+        </a:p>
+      </dgm:t>
+    </dgm:pt>
+    <dgm:pt modelId="{57E7A66E-749B-FF40-AF8F-B5C9EAD690D8}" type="sibTrans" cxnId="{3840B3C0-56BC-9447-B1A4-626BDCC9D9AA}">
+      <dgm:prSet/>
+      <dgm:spPr/>
+      <dgm:t>
+        <a:bodyPr/>
+        <a:lstStyle/>
+        <a:p>
+          <a:endParaRPr lang="fr-FR"/>
+        </a:p>
+      </dgm:t>
+    </dgm:pt>
+    <dgm:pt modelId="{E355AC37-C0DA-AA49-BABB-9890A8BA1495}">
+      <dgm:prSet phldrT="[Texte]"/>
+      <dgm:spPr/>
+      <dgm:t>
+        <a:bodyPr/>
+        <a:lstStyle/>
+        <a:p>
+          <a:r>
+            <a:rPr lang="fr-FR" dirty="0"/>
+            <a:t>Demi-Mesure</a:t>
+          </a:r>
+        </a:p>
+      </dgm:t>
+    </dgm:pt>
+    <dgm:pt modelId="{51B4D4A8-DAD5-9646-9882-C840DF8FEB7D}" type="sibTrans" cxnId="{CCF9F5EF-9B13-8A40-B7A5-9DF7E70BD7E0}">
+      <dgm:prSet/>
+      <dgm:spPr/>
+      <dgm:t>
+        <a:bodyPr/>
+        <a:lstStyle/>
+        <a:p>
+          <a:endParaRPr lang="fr-FR"/>
+        </a:p>
+      </dgm:t>
+    </dgm:pt>
+    <dgm:pt modelId="{A57B2658-73C2-D84D-A0EE-11B5FE2B7661}" type="parTrans" cxnId="{CCF9F5EF-9B13-8A40-B7A5-9DF7E70BD7E0}">
+      <dgm:prSet/>
+      <dgm:spPr/>
+      <dgm:t>
+        <a:bodyPr/>
+        <a:lstStyle/>
+        <a:p>
+          <a:endParaRPr lang="fr-FR"/>
+        </a:p>
+      </dgm:t>
+    </dgm:pt>
+    <dgm:pt modelId="{60E8FB54-3A69-524D-9040-45C3A695DE62}" type="pres">
+      <dgm:prSet presAssocID="{5EB3597A-BABF-5044-974B-894473BFF932}" presName="mainComposite" presStyleCnt="0">
+        <dgm:presLayoutVars>
+          <dgm:chPref val="1"/>
+          <dgm:dir/>
+          <dgm:animOne val="branch"/>
+          <dgm:animLvl val="lvl"/>
+          <dgm:resizeHandles val="exact"/>
+        </dgm:presLayoutVars>
+      </dgm:prSet>
+      <dgm:spPr/>
+    </dgm:pt>
+    <dgm:pt modelId="{C4D09A6B-8206-F54A-8850-F17EA5233169}" type="pres">
+      <dgm:prSet presAssocID="{5EB3597A-BABF-5044-974B-894473BFF932}" presName="hierFlow" presStyleCnt="0"/>
+      <dgm:spPr/>
+    </dgm:pt>
+    <dgm:pt modelId="{266D137C-B3FF-E340-91AC-30C549FB9C45}" type="pres">
+      <dgm:prSet presAssocID="{5EB3597A-BABF-5044-974B-894473BFF932}" presName="firstBuf" presStyleCnt="0"/>
+      <dgm:spPr/>
+    </dgm:pt>
+    <dgm:pt modelId="{621A5EBB-4B78-D948-B7CF-31302F52A0D6}" type="pres">
+      <dgm:prSet presAssocID="{5EB3597A-BABF-5044-974B-894473BFF932}" presName="hierChild1" presStyleCnt="0">
+        <dgm:presLayoutVars>
+          <dgm:chPref val="1"/>
+          <dgm:animOne val="branch"/>
+          <dgm:animLvl val="lvl"/>
+        </dgm:presLayoutVars>
+      </dgm:prSet>
+      <dgm:spPr/>
+    </dgm:pt>
+    <dgm:pt modelId="{05ADEC4A-EBEE-EF4F-A896-C0E4C864D090}" type="pres">
+      <dgm:prSet presAssocID="{A89D12F7-2DB2-B443-AAFD-C79FAF77E7B9}" presName="Name14" presStyleCnt="0"/>
+      <dgm:spPr/>
+    </dgm:pt>
+    <dgm:pt modelId="{6B38EAB1-66BD-BF4A-B129-6BAA7777433E}" type="pres">
+      <dgm:prSet presAssocID="{A89D12F7-2DB2-B443-AAFD-C79FAF77E7B9}" presName="level1Shape" presStyleLbl="node0" presStyleIdx="0" presStyleCnt="1">
+        <dgm:presLayoutVars>
+          <dgm:chPref val="3"/>
+        </dgm:presLayoutVars>
+      </dgm:prSet>
+      <dgm:spPr/>
+    </dgm:pt>
+    <dgm:pt modelId="{7AC504E2-66CA-3F4A-851B-A1932B900029}" type="pres">
+      <dgm:prSet presAssocID="{A89D12F7-2DB2-B443-AAFD-C79FAF77E7B9}" presName="hierChild2" presStyleCnt="0"/>
+      <dgm:spPr/>
+    </dgm:pt>
+    <dgm:pt modelId="{C4746E09-1CE6-3948-8FCA-F2976B0584C1}" type="pres">
+      <dgm:prSet presAssocID="{CDAA861F-DE96-8243-A94B-F1F1A7E591BE}" presName="Name19" presStyleLbl="parChTrans1D2" presStyleIdx="0" presStyleCnt="2"/>
+      <dgm:spPr/>
+    </dgm:pt>
+    <dgm:pt modelId="{384C31C5-4189-EC40-8788-40DD81BC8455}" type="pres">
+      <dgm:prSet presAssocID="{FB161514-F079-3B4B-8E17-B0D2EA2E3F86}" presName="Name21" presStyleCnt="0"/>
+      <dgm:spPr/>
+    </dgm:pt>
+    <dgm:pt modelId="{3AE3A6D2-605C-884C-ACC6-5B48583F43E3}" type="pres">
+      <dgm:prSet presAssocID="{FB161514-F079-3B4B-8E17-B0D2EA2E3F86}" presName="level2Shape" presStyleLbl="node2" presStyleIdx="0" presStyleCnt="2"/>
+      <dgm:spPr/>
+    </dgm:pt>
+    <dgm:pt modelId="{68A653EF-782F-BE44-888E-F809BC272F77}" type="pres">
+      <dgm:prSet presAssocID="{FB161514-F079-3B4B-8E17-B0D2EA2E3F86}" presName="hierChild3" presStyleCnt="0"/>
+      <dgm:spPr/>
+    </dgm:pt>
+    <dgm:pt modelId="{B1F9437F-9719-3A4F-ACE0-BCE1C2DEFA4D}" type="pres">
+      <dgm:prSet presAssocID="{A57B2658-73C2-D84D-A0EE-11B5FE2B7661}" presName="Name19" presStyleLbl="parChTrans1D2" presStyleIdx="1" presStyleCnt="2"/>
+      <dgm:spPr/>
+    </dgm:pt>
+    <dgm:pt modelId="{FF04793A-8CF7-3E42-979F-C9DED10962C5}" type="pres">
+      <dgm:prSet presAssocID="{E355AC37-C0DA-AA49-BABB-9890A8BA1495}" presName="Name21" presStyleCnt="0"/>
+      <dgm:spPr/>
+    </dgm:pt>
+    <dgm:pt modelId="{465B490E-CFF8-914B-900B-262F958550A3}" type="pres">
+      <dgm:prSet presAssocID="{E355AC37-C0DA-AA49-BABB-9890A8BA1495}" presName="level2Shape" presStyleLbl="node2" presStyleIdx="1" presStyleCnt="2"/>
+      <dgm:spPr/>
+    </dgm:pt>
+    <dgm:pt modelId="{FF5DA4E9-F202-CC45-AB14-CDAA42F4C807}" type="pres">
+      <dgm:prSet presAssocID="{E355AC37-C0DA-AA49-BABB-9890A8BA1495}" presName="hierChild3" presStyleCnt="0"/>
+      <dgm:spPr/>
+    </dgm:pt>
+    <dgm:pt modelId="{882295C2-D323-5748-95EE-C271B9EE4ACB}" type="pres">
+      <dgm:prSet presAssocID="{5EB3597A-BABF-5044-974B-894473BFF932}" presName="bgShapesFlow" presStyleCnt="0"/>
+      <dgm:spPr/>
+    </dgm:pt>
+    <dgm:pt modelId="{F2B25044-5076-5440-AA39-44013FE00EB6}" type="pres">
+      <dgm:prSet presAssocID="{B518BA4E-6E0A-3941-BD00-39447B5BEB29}" presName="rectComp" presStyleCnt="0"/>
+      <dgm:spPr/>
+    </dgm:pt>
+    <dgm:pt modelId="{E816F85B-8607-F249-8C7A-8F7DF51E2F31}" type="pres">
+      <dgm:prSet presAssocID="{B518BA4E-6E0A-3941-BD00-39447B5BEB29}" presName="bgRect" presStyleLbl="bgShp" presStyleIdx="0" presStyleCnt="2"/>
+      <dgm:spPr/>
+    </dgm:pt>
+    <dgm:pt modelId="{EAF76E3E-73DA-F545-9A8A-F891B9EAFAF2}" type="pres">
+      <dgm:prSet presAssocID="{B518BA4E-6E0A-3941-BD00-39447B5BEB29}" presName="bgRectTx" presStyleLbl="bgShp" presStyleIdx="0" presStyleCnt="2">
+        <dgm:presLayoutVars>
+          <dgm:bulletEnabled val="1"/>
+        </dgm:presLayoutVars>
+      </dgm:prSet>
+      <dgm:spPr/>
+    </dgm:pt>
+    <dgm:pt modelId="{3FE10B70-5E27-5A4F-AEE7-B586E63157FB}" type="pres">
+      <dgm:prSet presAssocID="{B518BA4E-6E0A-3941-BD00-39447B5BEB29}" presName="spComp" presStyleCnt="0"/>
+      <dgm:spPr/>
+    </dgm:pt>
+    <dgm:pt modelId="{E643CFDA-998E-2045-8E9F-106DC39D9774}" type="pres">
+      <dgm:prSet presAssocID="{B518BA4E-6E0A-3941-BD00-39447B5BEB29}" presName="vSp" presStyleCnt="0"/>
+      <dgm:spPr/>
+    </dgm:pt>
+    <dgm:pt modelId="{BBF0E6F7-453B-6344-B79F-72D0388CE0B5}" type="pres">
+      <dgm:prSet presAssocID="{8C9A95B4-3E2D-5C44-8EEC-B411DF9CF89D}" presName="rectComp" presStyleCnt="0"/>
+      <dgm:spPr/>
+    </dgm:pt>
+    <dgm:pt modelId="{15C76E1A-AAE6-6747-8B31-C367A8BF495F}" type="pres">
+      <dgm:prSet presAssocID="{8C9A95B4-3E2D-5C44-8EEC-B411DF9CF89D}" presName="bgRect" presStyleLbl="bgShp" presStyleIdx="1" presStyleCnt="2"/>
+      <dgm:spPr/>
+    </dgm:pt>
+    <dgm:pt modelId="{3DCE72CF-BA43-4D48-836D-8D3D687BD9EB}" type="pres">
+      <dgm:prSet presAssocID="{8C9A95B4-3E2D-5C44-8EEC-B411DF9CF89D}" presName="bgRectTx" presStyleLbl="bgShp" presStyleIdx="1" presStyleCnt="2">
+        <dgm:presLayoutVars>
+          <dgm:bulletEnabled val="1"/>
+        </dgm:presLayoutVars>
+      </dgm:prSet>
+      <dgm:spPr/>
+    </dgm:pt>
+  </dgm:ptLst>
+  <dgm:cxnLst>
+    <dgm:cxn modelId="{A9CBED00-7F4C-7A41-9AE7-10B8B80DE71E}" type="presOf" srcId="{B518BA4E-6E0A-3941-BD00-39447B5BEB29}" destId="{EAF76E3E-73DA-F545-9A8A-F891B9EAFAF2}" srcOrd="1" destOrd="0" presId="urn:microsoft.com/office/officeart/2005/8/layout/hierarchy6"/>
+    <dgm:cxn modelId="{CF9F653A-2C27-BA48-9DAB-9E70F0F1AA17}" type="presOf" srcId="{B518BA4E-6E0A-3941-BD00-39447B5BEB29}" destId="{E816F85B-8607-F249-8C7A-8F7DF51E2F31}" srcOrd="0" destOrd="0" presId="urn:microsoft.com/office/officeart/2005/8/layout/hierarchy6"/>
+    <dgm:cxn modelId="{E6AF263C-A63B-4242-AA28-2C4F22A436C5}" srcId="{5EB3597A-BABF-5044-974B-894473BFF932}" destId="{B518BA4E-6E0A-3941-BD00-39447B5BEB29}" srcOrd="1" destOrd="0" parTransId="{499318BC-3592-7C41-B179-8899A70BC042}" sibTransId="{49657187-806C-2D4C-8A2B-CD2FA336BBE8}"/>
+    <dgm:cxn modelId="{84F1DC56-5C4A-984D-A5D0-BB911AF280AA}" type="presOf" srcId="{5EB3597A-BABF-5044-974B-894473BFF932}" destId="{60E8FB54-3A69-524D-9040-45C3A695DE62}" srcOrd="0" destOrd="0" presId="urn:microsoft.com/office/officeart/2005/8/layout/hierarchy6"/>
+    <dgm:cxn modelId="{B735835E-EC81-EB40-B32D-603822D24CC1}" type="presOf" srcId="{8C9A95B4-3E2D-5C44-8EEC-B411DF9CF89D}" destId="{3DCE72CF-BA43-4D48-836D-8D3D687BD9EB}" srcOrd="1" destOrd="0" presId="urn:microsoft.com/office/officeart/2005/8/layout/hierarchy6"/>
+    <dgm:cxn modelId="{ECF9A778-B634-7942-A882-AD1398B4F77F}" type="presOf" srcId="{A89D12F7-2DB2-B443-AAFD-C79FAF77E7B9}" destId="{6B38EAB1-66BD-BF4A-B129-6BAA7777433E}" srcOrd="0" destOrd="0" presId="urn:microsoft.com/office/officeart/2005/8/layout/hierarchy6"/>
+    <dgm:cxn modelId="{5ABCC2A4-5284-AE40-AAEF-2DB9A198EE6E}" srcId="{A89D12F7-2DB2-B443-AAFD-C79FAF77E7B9}" destId="{FB161514-F079-3B4B-8E17-B0D2EA2E3F86}" srcOrd="0" destOrd="0" parTransId="{CDAA861F-DE96-8243-A94B-F1F1A7E591BE}" sibTransId="{417C80C1-ABF0-4248-B884-B8605E14F909}"/>
+    <dgm:cxn modelId="{373086AC-9CC7-5D42-A2E1-D5875DF2B152}" type="presOf" srcId="{FB161514-F079-3B4B-8E17-B0D2EA2E3F86}" destId="{3AE3A6D2-605C-884C-ACC6-5B48583F43E3}" srcOrd="0" destOrd="0" presId="urn:microsoft.com/office/officeart/2005/8/layout/hierarchy6"/>
+    <dgm:cxn modelId="{8091FFAD-AF86-1246-859A-6DAA9818F8BC}" type="presOf" srcId="{E355AC37-C0DA-AA49-BABB-9890A8BA1495}" destId="{465B490E-CFF8-914B-900B-262F958550A3}" srcOrd="0" destOrd="0" presId="urn:microsoft.com/office/officeart/2005/8/layout/hierarchy6"/>
+    <dgm:cxn modelId="{78FA6DBA-5ABF-B64A-9A2B-11511AA73EF6}" type="presOf" srcId="{A57B2658-73C2-D84D-A0EE-11B5FE2B7661}" destId="{B1F9437F-9719-3A4F-ACE0-BCE1C2DEFA4D}" srcOrd="0" destOrd="0" presId="urn:microsoft.com/office/officeart/2005/8/layout/hierarchy6"/>
+    <dgm:cxn modelId="{3840B3C0-56BC-9447-B1A4-626BDCC9D9AA}" srcId="{5EB3597A-BABF-5044-974B-894473BFF932}" destId="{8C9A95B4-3E2D-5C44-8EEC-B411DF9CF89D}" srcOrd="2" destOrd="0" parTransId="{0C8B4E4B-565F-0447-856D-33AEBCF24165}" sibTransId="{57E7A66E-749B-FF40-AF8F-B5C9EAD690D8}"/>
+    <dgm:cxn modelId="{4049DAC0-AF79-CE44-A27B-56F9A213B561}" srcId="{5EB3597A-BABF-5044-974B-894473BFF932}" destId="{A89D12F7-2DB2-B443-AAFD-C79FAF77E7B9}" srcOrd="0" destOrd="0" parTransId="{9E09E729-315D-5B4E-9A63-6D6D459CB75B}" sibTransId="{EAFF3D34-AF60-6C40-9F9B-B9BA71800B9F}"/>
+    <dgm:cxn modelId="{FBF5FCC2-3A40-8F44-8248-09E16020A3EB}" type="presOf" srcId="{8C9A95B4-3E2D-5C44-8EEC-B411DF9CF89D}" destId="{15C76E1A-AAE6-6747-8B31-C367A8BF495F}" srcOrd="0" destOrd="0" presId="urn:microsoft.com/office/officeart/2005/8/layout/hierarchy6"/>
+    <dgm:cxn modelId="{8487BAC9-B9E6-6F4F-AE0B-751EF4BD886D}" type="presOf" srcId="{CDAA861F-DE96-8243-A94B-F1F1A7E591BE}" destId="{C4746E09-1CE6-3948-8FCA-F2976B0584C1}" srcOrd="0" destOrd="0" presId="urn:microsoft.com/office/officeart/2005/8/layout/hierarchy6"/>
+    <dgm:cxn modelId="{CCF9F5EF-9B13-8A40-B7A5-9DF7E70BD7E0}" srcId="{A89D12F7-2DB2-B443-AAFD-C79FAF77E7B9}" destId="{E355AC37-C0DA-AA49-BABB-9890A8BA1495}" srcOrd="1" destOrd="0" parTransId="{A57B2658-73C2-D84D-A0EE-11B5FE2B7661}" sibTransId="{51B4D4A8-DAD5-9646-9882-C840DF8FEB7D}"/>
+    <dgm:cxn modelId="{42F2822D-AA36-314A-BF67-1D780A78E042}" type="presParOf" srcId="{60E8FB54-3A69-524D-9040-45C3A695DE62}" destId="{C4D09A6B-8206-F54A-8850-F17EA5233169}" srcOrd="0" destOrd="0" presId="urn:microsoft.com/office/officeart/2005/8/layout/hierarchy6"/>
+    <dgm:cxn modelId="{2464CAE1-5207-F94D-81E2-E4963E9C436D}" type="presParOf" srcId="{C4D09A6B-8206-F54A-8850-F17EA5233169}" destId="{266D137C-B3FF-E340-91AC-30C549FB9C45}" srcOrd="0" destOrd="0" presId="urn:microsoft.com/office/officeart/2005/8/layout/hierarchy6"/>
+    <dgm:cxn modelId="{4B55A3CD-857E-5E4F-8BEC-614543EF2F29}" type="presParOf" srcId="{C4D09A6B-8206-F54A-8850-F17EA5233169}" destId="{621A5EBB-4B78-D948-B7CF-31302F52A0D6}" srcOrd="1" destOrd="0" presId="urn:microsoft.com/office/officeart/2005/8/layout/hierarchy6"/>
+    <dgm:cxn modelId="{7A0FE0A7-2EA6-624C-9A96-20908E15154D}" type="presParOf" srcId="{621A5EBB-4B78-D948-B7CF-31302F52A0D6}" destId="{05ADEC4A-EBEE-EF4F-A896-C0E4C864D090}" srcOrd="0" destOrd="0" presId="urn:microsoft.com/office/officeart/2005/8/layout/hierarchy6"/>
+    <dgm:cxn modelId="{740A2BCB-1237-F543-BA10-AD6B9DA8B3BD}" type="presParOf" srcId="{05ADEC4A-EBEE-EF4F-A896-C0E4C864D090}" destId="{6B38EAB1-66BD-BF4A-B129-6BAA7777433E}" srcOrd="0" destOrd="0" presId="urn:microsoft.com/office/officeart/2005/8/layout/hierarchy6"/>
+    <dgm:cxn modelId="{F00A98E7-A069-9548-B598-396842FFC7A8}" type="presParOf" srcId="{05ADEC4A-EBEE-EF4F-A896-C0E4C864D090}" destId="{7AC504E2-66CA-3F4A-851B-A1932B900029}" srcOrd="1" destOrd="0" presId="urn:microsoft.com/office/officeart/2005/8/layout/hierarchy6"/>
+    <dgm:cxn modelId="{510163FD-F7EB-514B-A7F7-58B57A95F934}" type="presParOf" srcId="{7AC504E2-66CA-3F4A-851B-A1932B900029}" destId="{C4746E09-1CE6-3948-8FCA-F2976B0584C1}" srcOrd="0" destOrd="0" presId="urn:microsoft.com/office/officeart/2005/8/layout/hierarchy6"/>
+    <dgm:cxn modelId="{EC269029-21A2-CF4D-917C-4D9D20E9F4A8}" type="presParOf" srcId="{7AC504E2-66CA-3F4A-851B-A1932B900029}" destId="{384C31C5-4189-EC40-8788-40DD81BC8455}" srcOrd="1" destOrd="0" presId="urn:microsoft.com/office/officeart/2005/8/layout/hierarchy6"/>
+    <dgm:cxn modelId="{DE675D9D-9EBC-2348-8EC3-CF7FD9573BF5}" type="presParOf" srcId="{384C31C5-4189-EC40-8788-40DD81BC8455}" destId="{3AE3A6D2-605C-884C-ACC6-5B48583F43E3}" srcOrd="0" destOrd="0" presId="urn:microsoft.com/office/officeart/2005/8/layout/hierarchy6"/>
+    <dgm:cxn modelId="{3922660F-E38B-7A46-BF96-E9F078D9F52B}" type="presParOf" srcId="{384C31C5-4189-EC40-8788-40DD81BC8455}" destId="{68A653EF-782F-BE44-888E-F809BC272F77}" srcOrd="1" destOrd="0" presId="urn:microsoft.com/office/officeart/2005/8/layout/hierarchy6"/>
+    <dgm:cxn modelId="{E660514E-330B-814A-8BD3-FDD6ECCBAF6F}" type="presParOf" srcId="{7AC504E2-66CA-3F4A-851B-A1932B900029}" destId="{B1F9437F-9719-3A4F-ACE0-BCE1C2DEFA4D}" srcOrd="2" destOrd="0" presId="urn:microsoft.com/office/officeart/2005/8/layout/hierarchy6"/>
+    <dgm:cxn modelId="{E263FCFB-5182-AA4D-91FC-2D08FB99898B}" type="presParOf" srcId="{7AC504E2-66CA-3F4A-851B-A1932B900029}" destId="{FF04793A-8CF7-3E42-979F-C9DED10962C5}" srcOrd="3" destOrd="0" presId="urn:microsoft.com/office/officeart/2005/8/layout/hierarchy6"/>
+    <dgm:cxn modelId="{4FA3299C-3BFD-414F-B634-999F075BD325}" type="presParOf" srcId="{FF04793A-8CF7-3E42-979F-C9DED10962C5}" destId="{465B490E-CFF8-914B-900B-262F958550A3}" srcOrd="0" destOrd="0" presId="urn:microsoft.com/office/officeart/2005/8/layout/hierarchy6"/>
+    <dgm:cxn modelId="{4246CACB-AE5F-FD48-9635-60B7FB9C46B5}" type="presParOf" srcId="{FF04793A-8CF7-3E42-979F-C9DED10962C5}" destId="{FF5DA4E9-F202-CC45-AB14-CDAA42F4C807}" srcOrd="1" destOrd="0" presId="urn:microsoft.com/office/officeart/2005/8/layout/hierarchy6"/>
+    <dgm:cxn modelId="{99BA4FF7-B78B-7C4E-9E5A-2DFC7FC86A1F}" type="presParOf" srcId="{60E8FB54-3A69-524D-9040-45C3A695DE62}" destId="{882295C2-D323-5748-95EE-C271B9EE4ACB}" srcOrd="1" destOrd="0" presId="urn:microsoft.com/office/officeart/2005/8/layout/hierarchy6"/>
+    <dgm:cxn modelId="{FDE31540-F699-1945-82AF-D023FED5A009}" type="presParOf" srcId="{882295C2-D323-5748-95EE-C271B9EE4ACB}" destId="{F2B25044-5076-5440-AA39-44013FE00EB6}" srcOrd="0" destOrd="0" presId="urn:microsoft.com/office/officeart/2005/8/layout/hierarchy6"/>
+    <dgm:cxn modelId="{DE2CE79D-C853-4642-A1B5-EF46F0F70CE7}" type="presParOf" srcId="{F2B25044-5076-5440-AA39-44013FE00EB6}" destId="{E816F85B-8607-F249-8C7A-8F7DF51E2F31}" srcOrd="0" destOrd="0" presId="urn:microsoft.com/office/officeart/2005/8/layout/hierarchy6"/>
+    <dgm:cxn modelId="{8A761BA0-0B78-A34E-B946-2831FC8B4884}" type="presParOf" srcId="{F2B25044-5076-5440-AA39-44013FE00EB6}" destId="{EAF76E3E-73DA-F545-9A8A-F891B9EAFAF2}" srcOrd="1" destOrd="0" presId="urn:microsoft.com/office/officeart/2005/8/layout/hierarchy6"/>
+    <dgm:cxn modelId="{EF460B25-FD99-0C45-B0FD-3A23202AA773}" type="presParOf" srcId="{882295C2-D323-5748-95EE-C271B9EE4ACB}" destId="{3FE10B70-5E27-5A4F-AEE7-B586E63157FB}" srcOrd="1" destOrd="0" presId="urn:microsoft.com/office/officeart/2005/8/layout/hierarchy6"/>
+    <dgm:cxn modelId="{97E47DD4-555F-F848-BE3A-9BFCD102A815}" type="presParOf" srcId="{3FE10B70-5E27-5A4F-AEE7-B586E63157FB}" destId="{E643CFDA-998E-2045-8E9F-106DC39D9774}" srcOrd="0" destOrd="0" presId="urn:microsoft.com/office/officeart/2005/8/layout/hierarchy6"/>
+    <dgm:cxn modelId="{30ED077C-15A9-8142-BD21-9A12A6D7912D}" type="presParOf" srcId="{882295C2-D323-5748-95EE-C271B9EE4ACB}" destId="{BBF0E6F7-453B-6344-B79F-72D0388CE0B5}" srcOrd="2" destOrd="0" presId="urn:microsoft.com/office/officeart/2005/8/layout/hierarchy6"/>
+    <dgm:cxn modelId="{DD23244F-6788-E34F-89E2-F87685F5210F}" type="presParOf" srcId="{BBF0E6F7-453B-6344-B79F-72D0388CE0B5}" destId="{15C76E1A-AAE6-6747-8B31-C367A8BF495F}" srcOrd="0" destOrd="0" presId="urn:microsoft.com/office/officeart/2005/8/layout/hierarchy6"/>
+    <dgm:cxn modelId="{A073885E-B2D8-8644-AD03-BDF7D017C385}" type="presParOf" srcId="{BBF0E6F7-453B-6344-B79F-72D0388CE0B5}" destId="{3DCE72CF-BA43-4D48-836D-8D3D687BD9EB}" srcOrd="1" destOrd="0" presId="urn:microsoft.com/office/officeart/2005/8/layout/hierarchy6"/>
+  </dgm:cxnLst>
+  <dgm:bg/>
+  <dgm:whole/>
+  <dgm:extLst>
+    <a:ext uri="http://schemas.microsoft.com/office/drawing/2008/diagram">
+      <dsp:dataModelExt xmlns:dsp="http://schemas.microsoft.com/office/drawing/2008/diagram" relId="rId6" minVer="http://schemas.openxmlformats.org/drawingml/2006/diagram"/>
+    </a:ext>
+  </dgm:extLst>
+</dgm:dataModel>
+</file>
+
+<file path=ppt/diagrams/data3.xml><?xml version="1.0" encoding="utf-8"?>
+<dgm:dataModel xmlns:dgm="http://schemas.openxmlformats.org/drawingml/2006/diagram" xmlns:a="http://schemas.openxmlformats.org/drawingml/2006/main">
+  <dgm:ptLst>
     <dgm:pt modelId="{2546C485-FF8A-4D43-BD6D-9691AD5694AE}" type="doc">
       <dgm:prSet loTypeId="urn:microsoft.com/office/officeart/2005/8/layout/hierarchy2" loCatId="" qsTypeId="urn:microsoft.com/office/officeart/2005/8/quickstyle/simple1" qsCatId="simple" csTypeId="urn:microsoft.com/office/officeart/2005/8/colors/colorful1" csCatId="colorful" phldr="1"/>
       <dgm:spPr/>
@@ -4815,7 +5960,7 @@
 </dgm:dataModel>
 </file>
 
-<file path=ppt/diagrams/data3.xml><?xml version="1.0" encoding="utf-8"?>
+<file path=ppt/diagrams/data4.xml><?xml version="1.0" encoding="utf-8"?>
 <dgm:dataModel xmlns:dgm="http://schemas.openxmlformats.org/drawingml/2006/diagram" xmlns:a="http://schemas.openxmlformats.org/drawingml/2006/main">
   <dgm:ptLst>
     <dgm:pt modelId="{2546C485-FF8A-4D43-BD6D-9691AD5694AE}" type="doc">
@@ -5112,7 +6257,7 @@
 </dgm:dataModel>
 </file>
 
-<file path=ppt/diagrams/data4.xml><?xml version="1.0" encoding="utf-8"?>
+<file path=ppt/diagrams/data5.xml><?xml version="1.0" encoding="utf-8"?>
 <dgm:dataModel xmlns:dgm="http://schemas.openxmlformats.org/drawingml/2006/diagram" xmlns:a="http://schemas.openxmlformats.org/drawingml/2006/main">
   <dgm:ptLst>
     <dgm:pt modelId="{2546C485-FF8A-4D43-BD6D-9691AD5694AE}" type="doc">
@@ -6879,6 +8024,517 @@
       <dsp:cNvGrpSpPr/>
     </dsp:nvGrpSpPr>
     <dsp:grpSpPr/>
+    <dsp:sp modelId="{15C76E1A-AAE6-6747-8B31-C367A8BF495F}">
+      <dsp:nvSpPr>
+        <dsp:cNvPr id="0" name=""/>
+        <dsp:cNvSpPr/>
+      </dsp:nvSpPr>
+      <dsp:spPr>
+        <a:xfrm>
+          <a:off x="0" y="2365901"/>
+          <a:ext cx="8356263" cy="1974819"/>
+        </a:xfrm>
+        <a:prstGeom prst="roundRect">
+          <a:avLst>
+            <a:gd name="adj" fmla="val 10000"/>
+          </a:avLst>
+        </a:prstGeom>
+        <a:solidFill>
+          <a:schemeClr val="bg2"/>
+        </a:solidFill>
+        <a:ln w="6350" cap="flat" cmpd="sng" algn="ctr">
+          <a:solidFill>
+            <a:schemeClr val="accent2"/>
+          </a:solidFill>
+          <a:prstDash val="solid"/>
+          <a:miter lim="800000"/>
+        </a:ln>
+        <a:effectLst/>
+      </dsp:spPr>
+      <dsp:style>
+        <a:lnRef idx="1">
+          <a:schemeClr val="accent2"/>
+        </a:lnRef>
+        <a:fillRef idx="3">
+          <a:schemeClr val="accent2"/>
+        </a:fillRef>
+        <a:effectRef idx="2">
+          <a:schemeClr val="accent2"/>
+        </a:effectRef>
+        <a:fontRef idx="minor">
+          <a:schemeClr val="lt1"/>
+        </a:fontRef>
+      </dsp:style>
+      <dsp:txBody>
+        <a:bodyPr spcFirstLastPara="0" vert="horz" wrap="square" lIns="177800" tIns="177800" rIns="177800" bIns="177800" numCol="1" spcCol="1270" anchor="ctr" anchorCtr="0">
+          <a:noAutofit/>
+        </a:bodyPr>
+        <a:lstStyle/>
+        <a:p>
+          <a:pPr marL="0" lvl="0" indent="0" algn="ctr" defTabSz="1111250">
+            <a:lnSpc>
+              <a:spcPct val="90000"/>
+            </a:lnSpc>
+            <a:spcBef>
+              <a:spcPct val="0"/>
+            </a:spcBef>
+            <a:spcAft>
+              <a:spcPct val="35000"/>
+            </a:spcAft>
+            <a:buNone/>
+          </a:pPr>
+          <a:r>
+            <a:rPr lang="fr-FR" sz="2500" kern="1200" dirty="0"/>
+            <a:t>Développement</a:t>
+          </a:r>
+        </a:p>
+      </dsp:txBody>
+      <dsp:txXfrm>
+        <a:off x="0" y="2365901"/>
+        <a:ext cx="2506878" cy="1974819"/>
+      </dsp:txXfrm>
+    </dsp:sp>
+    <dsp:sp modelId="{E816F85B-8607-F249-8C7A-8F7DF51E2F31}">
+      <dsp:nvSpPr>
+        <dsp:cNvPr id="0" name=""/>
+        <dsp:cNvSpPr/>
+      </dsp:nvSpPr>
+      <dsp:spPr>
+        <a:xfrm>
+          <a:off x="0" y="61945"/>
+          <a:ext cx="8356263" cy="1974819"/>
+        </a:xfrm>
+        <a:prstGeom prst="roundRect">
+          <a:avLst>
+            <a:gd name="adj" fmla="val 10000"/>
+          </a:avLst>
+        </a:prstGeom>
+        <a:solidFill>
+          <a:schemeClr val="accent2"/>
+        </a:solidFill>
+        <a:ln>
+          <a:noFill/>
+        </a:ln>
+        <a:effectLst/>
+      </dsp:spPr>
+      <dsp:style>
+        <a:lnRef idx="0">
+          <a:scrgbClr r="0" g="0" b="0"/>
+        </a:lnRef>
+        <a:fillRef idx="1">
+          <a:scrgbClr r="0" g="0" b="0"/>
+        </a:fillRef>
+        <a:effectRef idx="0">
+          <a:scrgbClr r="0" g="0" b="0"/>
+        </a:effectRef>
+        <a:fontRef idx="minor"/>
+      </dsp:style>
+      <dsp:txBody>
+        <a:bodyPr spcFirstLastPara="0" vert="horz" wrap="square" lIns="177800" tIns="177800" rIns="177800" bIns="177800" numCol="1" spcCol="1270" anchor="ctr" anchorCtr="0">
+          <a:noAutofit/>
+        </a:bodyPr>
+        <a:lstStyle/>
+        <a:p>
+          <a:pPr marL="0" lvl="0" indent="0" algn="ctr" defTabSz="1111250">
+            <a:lnSpc>
+              <a:spcPct val="90000"/>
+            </a:lnSpc>
+            <a:spcBef>
+              <a:spcPct val="0"/>
+            </a:spcBef>
+            <a:spcAft>
+              <a:spcPct val="35000"/>
+            </a:spcAft>
+            <a:buNone/>
+          </a:pPr>
+          <a:r>
+            <a:rPr lang="fr-FR" sz="2500" kern="1200" dirty="0"/>
+            <a:t>Hébergement</a:t>
+          </a:r>
+        </a:p>
+      </dsp:txBody>
+      <dsp:txXfrm>
+        <a:off x="0" y="61945"/>
+        <a:ext cx="2506878" cy="1974819"/>
+      </dsp:txXfrm>
+    </dsp:sp>
+    <dsp:sp modelId="{6B38EAB1-66BD-BF4A-B129-6BAA7777433E}">
+      <dsp:nvSpPr>
+        <dsp:cNvPr id="0" name=""/>
+        <dsp:cNvSpPr/>
+      </dsp:nvSpPr>
+      <dsp:spPr>
+        <a:xfrm>
+          <a:off x="4113745" y="226513"/>
+          <a:ext cx="2468524" cy="1645683"/>
+        </a:xfrm>
+        <a:prstGeom prst="roundRect">
+          <a:avLst>
+            <a:gd name="adj" fmla="val 10000"/>
+          </a:avLst>
+        </a:prstGeom>
+        <a:solidFill>
+          <a:schemeClr val="accent1">
+            <a:hueOff val="0"/>
+            <a:satOff val="0"/>
+            <a:lumOff val="0"/>
+            <a:alphaOff val="0"/>
+          </a:schemeClr>
+        </a:solidFill>
+        <a:ln w="12700" cap="flat" cmpd="sng" algn="ctr">
+          <a:solidFill>
+            <a:schemeClr val="lt1">
+              <a:hueOff val="0"/>
+              <a:satOff val="0"/>
+              <a:lumOff val="0"/>
+              <a:alphaOff val="0"/>
+            </a:schemeClr>
+          </a:solidFill>
+          <a:prstDash val="solid"/>
+          <a:miter lim="800000"/>
+        </a:ln>
+        <a:effectLst/>
+      </dsp:spPr>
+      <dsp:style>
+        <a:lnRef idx="2">
+          <a:scrgbClr r="0" g="0" b="0"/>
+        </a:lnRef>
+        <a:fillRef idx="1">
+          <a:scrgbClr r="0" g="0" b="0"/>
+        </a:fillRef>
+        <a:effectRef idx="0">
+          <a:scrgbClr r="0" g="0" b="0"/>
+        </a:effectRef>
+        <a:fontRef idx="minor">
+          <a:schemeClr val="lt1"/>
+        </a:fontRef>
+      </dsp:style>
+      <dsp:txBody>
+        <a:bodyPr spcFirstLastPara="0" vert="horz" wrap="square" lIns="163830" tIns="163830" rIns="163830" bIns="163830" numCol="1" spcCol="1270" anchor="ctr" anchorCtr="0">
+          <a:noAutofit/>
+        </a:bodyPr>
+        <a:lstStyle/>
+        <a:p>
+          <a:pPr marL="0" lvl="0" indent="0" algn="ctr" defTabSz="1911350">
+            <a:lnSpc>
+              <a:spcPct val="90000"/>
+            </a:lnSpc>
+            <a:spcBef>
+              <a:spcPct val="0"/>
+            </a:spcBef>
+            <a:spcAft>
+              <a:spcPct val="35000"/>
+            </a:spcAft>
+            <a:buNone/>
+          </a:pPr>
+          <a:r>
+            <a:rPr lang="fr-FR" sz="4300" kern="1200" dirty="0" err="1"/>
+            <a:t>SaaS</a:t>
+          </a:r>
+          <a:endParaRPr lang="fr-FR" sz="4300" kern="1200" dirty="0"/>
+        </a:p>
+      </dsp:txBody>
+      <dsp:txXfrm>
+        <a:off x="4161945" y="274713"/>
+        <a:ext cx="2372124" cy="1549283"/>
+      </dsp:txXfrm>
+    </dsp:sp>
+    <dsp:sp modelId="{C4746E09-1CE6-3948-8FCA-F2976B0584C1}">
+      <dsp:nvSpPr>
+        <dsp:cNvPr id="0" name=""/>
+        <dsp:cNvSpPr/>
+      </dsp:nvSpPr>
+      <dsp:spPr>
+        <a:xfrm>
+          <a:off x="3743467" y="1872196"/>
+          <a:ext cx="1604541" cy="658273"/>
+        </a:xfrm>
+        <a:custGeom>
+          <a:avLst/>
+          <a:gdLst/>
+          <a:ahLst/>
+          <a:cxnLst/>
+          <a:rect l="0" t="0" r="0" b="0"/>
+          <a:pathLst>
+            <a:path>
+              <a:moveTo>
+                <a:pt x="1604541" y="0"/>
+              </a:moveTo>
+              <a:lnTo>
+                <a:pt x="1604541" y="329136"/>
+              </a:lnTo>
+              <a:lnTo>
+                <a:pt x="0" y="329136"/>
+              </a:lnTo>
+              <a:lnTo>
+                <a:pt x="0" y="658273"/>
+              </a:lnTo>
+            </a:path>
+          </a:pathLst>
+        </a:custGeom>
+        <a:noFill/>
+        <a:ln w="12700" cap="flat" cmpd="sng" algn="ctr">
+          <a:solidFill>
+            <a:schemeClr val="accent1">
+              <a:shade val="60000"/>
+              <a:hueOff val="0"/>
+              <a:satOff val="0"/>
+              <a:lumOff val="0"/>
+              <a:alphaOff val="0"/>
+            </a:schemeClr>
+          </a:solidFill>
+          <a:prstDash val="solid"/>
+          <a:miter lim="800000"/>
+        </a:ln>
+        <a:effectLst/>
+      </dsp:spPr>
+      <dsp:style>
+        <a:lnRef idx="2">
+          <a:scrgbClr r="0" g="0" b="0"/>
+        </a:lnRef>
+        <a:fillRef idx="0">
+          <a:scrgbClr r="0" g="0" b="0"/>
+        </a:fillRef>
+        <a:effectRef idx="0">
+          <a:scrgbClr r="0" g="0" b="0"/>
+        </a:effectRef>
+        <a:fontRef idx="minor"/>
+      </dsp:style>
+    </dsp:sp>
+    <dsp:sp modelId="{3AE3A6D2-605C-884C-ACC6-5B48583F43E3}">
+      <dsp:nvSpPr>
+        <dsp:cNvPr id="0" name=""/>
+        <dsp:cNvSpPr/>
+      </dsp:nvSpPr>
+      <dsp:spPr>
+        <a:xfrm>
+          <a:off x="2509204" y="2530470"/>
+          <a:ext cx="2468524" cy="1645683"/>
+        </a:xfrm>
+        <a:prstGeom prst="roundRect">
+          <a:avLst>
+            <a:gd name="adj" fmla="val 10000"/>
+          </a:avLst>
+        </a:prstGeom>
+        <a:solidFill>
+          <a:schemeClr val="accent1">
+            <a:hueOff val="0"/>
+            <a:satOff val="0"/>
+            <a:lumOff val="0"/>
+            <a:alphaOff val="0"/>
+          </a:schemeClr>
+        </a:solidFill>
+        <a:ln w="12700" cap="flat" cmpd="sng" algn="ctr">
+          <a:solidFill>
+            <a:schemeClr val="lt1">
+              <a:hueOff val="0"/>
+              <a:satOff val="0"/>
+              <a:lumOff val="0"/>
+              <a:alphaOff val="0"/>
+            </a:schemeClr>
+          </a:solidFill>
+          <a:prstDash val="solid"/>
+          <a:miter lim="800000"/>
+        </a:ln>
+        <a:effectLst/>
+      </dsp:spPr>
+      <dsp:style>
+        <a:lnRef idx="2">
+          <a:scrgbClr r="0" g="0" b="0"/>
+        </a:lnRef>
+        <a:fillRef idx="1">
+          <a:scrgbClr r="0" g="0" b="0"/>
+        </a:fillRef>
+        <a:effectRef idx="0">
+          <a:scrgbClr r="0" g="0" b="0"/>
+        </a:effectRef>
+        <a:fontRef idx="minor">
+          <a:schemeClr val="lt1"/>
+        </a:fontRef>
+      </dsp:style>
+      <dsp:txBody>
+        <a:bodyPr spcFirstLastPara="0" vert="horz" wrap="square" lIns="163830" tIns="163830" rIns="163830" bIns="163830" numCol="1" spcCol="1270" anchor="ctr" anchorCtr="0">
+          <a:noAutofit/>
+        </a:bodyPr>
+        <a:lstStyle/>
+        <a:p>
+          <a:pPr marL="0" lvl="0" indent="0" algn="ctr" defTabSz="1911350">
+            <a:lnSpc>
+              <a:spcPct val="90000"/>
+            </a:lnSpc>
+            <a:spcBef>
+              <a:spcPct val="0"/>
+            </a:spcBef>
+            <a:spcAft>
+              <a:spcPct val="35000"/>
+            </a:spcAft>
+            <a:buNone/>
+          </a:pPr>
+          <a:r>
+            <a:rPr lang="fr-FR" sz="4300" kern="1200" dirty="0"/>
+            <a:t>Sur-Mesure</a:t>
+          </a:r>
+        </a:p>
+      </dsp:txBody>
+      <dsp:txXfrm>
+        <a:off x="2557404" y="2578670"/>
+        <a:ext cx="2372124" cy="1549283"/>
+      </dsp:txXfrm>
+    </dsp:sp>
+    <dsp:sp modelId="{B1F9437F-9719-3A4F-ACE0-BCE1C2DEFA4D}">
+      <dsp:nvSpPr>
+        <dsp:cNvPr id="0" name=""/>
+        <dsp:cNvSpPr/>
+      </dsp:nvSpPr>
+      <dsp:spPr>
+        <a:xfrm>
+          <a:off x="5348008" y="1872196"/>
+          <a:ext cx="1604541" cy="658273"/>
+        </a:xfrm>
+        <a:custGeom>
+          <a:avLst/>
+          <a:gdLst/>
+          <a:ahLst/>
+          <a:cxnLst/>
+          <a:rect l="0" t="0" r="0" b="0"/>
+          <a:pathLst>
+            <a:path>
+              <a:moveTo>
+                <a:pt x="0" y="0"/>
+              </a:moveTo>
+              <a:lnTo>
+                <a:pt x="0" y="329136"/>
+              </a:lnTo>
+              <a:lnTo>
+                <a:pt x="1604541" y="329136"/>
+              </a:lnTo>
+              <a:lnTo>
+                <a:pt x="1604541" y="658273"/>
+              </a:lnTo>
+            </a:path>
+          </a:pathLst>
+        </a:custGeom>
+        <a:noFill/>
+        <a:ln w="12700" cap="flat" cmpd="sng" algn="ctr">
+          <a:solidFill>
+            <a:schemeClr val="accent1">
+              <a:shade val="60000"/>
+              <a:hueOff val="0"/>
+              <a:satOff val="0"/>
+              <a:lumOff val="0"/>
+              <a:alphaOff val="0"/>
+            </a:schemeClr>
+          </a:solidFill>
+          <a:prstDash val="solid"/>
+          <a:miter lim="800000"/>
+        </a:ln>
+        <a:effectLst/>
+      </dsp:spPr>
+      <dsp:style>
+        <a:lnRef idx="2">
+          <a:scrgbClr r="0" g="0" b="0"/>
+        </a:lnRef>
+        <a:fillRef idx="0">
+          <a:scrgbClr r="0" g="0" b="0"/>
+        </a:fillRef>
+        <a:effectRef idx="0">
+          <a:scrgbClr r="0" g="0" b="0"/>
+        </a:effectRef>
+        <a:fontRef idx="minor"/>
+      </dsp:style>
+    </dsp:sp>
+    <dsp:sp modelId="{465B490E-CFF8-914B-900B-262F958550A3}">
+      <dsp:nvSpPr>
+        <dsp:cNvPr id="0" name=""/>
+        <dsp:cNvSpPr/>
+      </dsp:nvSpPr>
+      <dsp:spPr>
+        <a:xfrm>
+          <a:off x="5718287" y="2530470"/>
+          <a:ext cx="2468524" cy="1645683"/>
+        </a:xfrm>
+        <a:prstGeom prst="roundRect">
+          <a:avLst>
+            <a:gd name="adj" fmla="val 10000"/>
+          </a:avLst>
+        </a:prstGeom>
+        <a:solidFill>
+          <a:schemeClr val="accent1">
+            <a:hueOff val="0"/>
+            <a:satOff val="0"/>
+            <a:lumOff val="0"/>
+            <a:alphaOff val="0"/>
+          </a:schemeClr>
+        </a:solidFill>
+        <a:ln w="12700" cap="flat" cmpd="sng" algn="ctr">
+          <a:solidFill>
+            <a:schemeClr val="lt1">
+              <a:hueOff val="0"/>
+              <a:satOff val="0"/>
+              <a:lumOff val="0"/>
+              <a:alphaOff val="0"/>
+            </a:schemeClr>
+          </a:solidFill>
+          <a:prstDash val="solid"/>
+          <a:miter lim="800000"/>
+        </a:ln>
+        <a:effectLst/>
+      </dsp:spPr>
+      <dsp:style>
+        <a:lnRef idx="2">
+          <a:scrgbClr r="0" g="0" b="0"/>
+        </a:lnRef>
+        <a:fillRef idx="1">
+          <a:scrgbClr r="0" g="0" b="0"/>
+        </a:fillRef>
+        <a:effectRef idx="0">
+          <a:scrgbClr r="0" g="0" b="0"/>
+        </a:effectRef>
+        <a:fontRef idx="minor">
+          <a:schemeClr val="lt1"/>
+        </a:fontRef>
+      </dsp:style>
+      <dsp:txBody>
+        <a:bodyPr spcFirstLastPara="0" vert="horz" wrap="square" lIns="163830" tIns="163830" rIns="163830" bIns="163830" numCol="1" spcCol="1270" anchor="ctr" anchorCtr="0">
+          <a:noAutofit/>
+        </a:bodyPr>
+        <a:lstStyle/>
+        <a:p>
+          <a:pPr marL="0" lvl="0" indent="0" algn="ctr" defTabSz="1911350">
+            <a:lnSpc>
+              <a:spcPct val="90000"/>
+            </a:lnSpc>
+            <a:spcBef>
+              <a:spcPct val="0"/>
+            </a:spcBef>
+            <a:spcAft>
+              <a:spcPct val="35000"/>
+            </a:spcAft>
+            <a:buNone/>
+          </a:pPr>
+          <a:r>
+            <a:rPr lang="fr-FR" sz="4300" kern="1200" dirty="0"/>
+            <a:t>Demi-Mesure</a:t>
+          </a:r>
+        </a:p>
+      </dsp:txBody>
+      <dsp:txXfrm>
+        <a:off x="5766487" y="2578670"/>
+        <a:ext cx="2372124" cy="1549283"/>
+      </dsp:txXfrm>
+    </dsp:sp>
+  </dsp:spTree>
+</dsp:drawing>
+</file>
+
+<file path=ppt/diagrams/drawing3.xml><?xml version="1.0" encoding="utf-8"?>
+<dsp:drawing xmlns:dgm="http://schemas.openxmlformats.org/drawingml/2006/diagram" xmlns:dsp="http://schemas.microsoft.com/office/drawing/2008/diagram" xmlns:a="http://schemas.openxmlformats.org/drawingml/2006/main">
+  <dsp:spTree>
+    <dsp:nvGrpSpPr>
+      <dsp:cNvPr id="0" name=""/>
+      <dsp:cNvGrpSpPr/>
+    </dsp:nvGrpSpPr>
+    <dsp:grpSpPr/>
     <dsp:sp modelId="{27E4B367-3FBE-7745-8732-27242D8305C4}">
       <dsp:nvSpPr>
         <dsp:cNvPr id="0" name=""/>
@@ -7381,7 +9037,7 @@
 </dsp:drawing>
 </file>
 
-<file path=ppt/diagrams/drawing3.xml><?xml version="1.0" encoding="utf-8"?>
+<file path=ppt/diagrams/drawing4.xml><?xml version="1.0" encoding="utf-8"?>
 <dsp:drawing xmlns:dgm="http://schemas.openxmlformats.org/drawingml/2006/diagram" xmlns:dsp="http://schemas.microsoft.com/office/drawing/2008/diagram" xmlns:a="http://schemas.openxmlformats.org/drawingml/2006/main">
   <dsp:spTree>
     <dsp:nvGrpSpPr>
@@ -7953,7 +9609,7 @@
 </dsp:drawing>
 </file>
 
-<file path=ppt/diagrams/drawing4.xml><?xml version="1.0" encoding="utf-8"?>
+<file path=ppt/diagrams/drawing5.xml><?xml version="1.0" encoding="utf-8"?>
 <dsp:drawing xmlns:dgm="http://schemas.openxmlformats.org/drawingml/2006/diagram" xmlns:dsp="http://schemas.microsoft.com/office/drawing/2008/diagram" xmlns:a="http://schemas.openxmlformats.org/drawingml/2006/main">
   <dsp:spTree>
     <dsp:nvGrpSpPr>
@@ -10191,11 +11847,11 @@
 </file>
 
 <file path=ppt/diagrams/layout2.xml><?xml version="1.0" encoding="utf-8"?>
-<dgm:layoutDef xmlns:dgm="http://schemas.openxmlformats.org/drawingml/2006/diagram" xmlns:a="http://schemas.openxmlformats.org/drawingml/2006/main" uniqueId="urn:microsoft.com/office/officeart/2005/8/layout/hierarchy2">
+<dgm:layoutDef xmlns:dgm="http://schemas.openxmlformats.org/drawingml/2006/diagram" xmlns:a="http://schemas.openxmlformats.org/drawingml/2006/main" uniqueId="urn:microsoft.com/office/officeart/2005/8/layout/hierarchy6">
   <dgm:title val=""/>
   <dgm:desc val=""/>
   <dgm:catLst>
-    <dgm:cat type="hierarchy" pri="5000"/>
+    <dgm:cat type="hierarchy" pri="3000"/>
   </dgm:catLst>
   <dgm:sampData>
     <dgm:dataModel>
@@ -10219,14 +11875,26 @@
         <dgm:pt modelId="31">
           <dgm:prSet phldr="1"/>
         </dgm:pt>
+        <dgm:pt modelId="4">
+          <dgm:prSet phldr="1"/>
+        </dgm:pt>
+        <dgm:pt modelId="5">
+          <dgm:prSet phldr="1"/>
+        </dgm:pt>
+        <dgm:pt modelId="6">
+          <dgm:prSet phldr="1"/>
+        </dgm:pt>
       </dgm:ptLst>
       <dgm:cxnLst>
-        <dgm:cxn modelId="4" srcId="0" destId="1" srcOrd="0" destOrd="0"/>
-        <dgm:cxn modelId="5" srcId="1" destId="2" srcOrd="0" destOrd="0"/>
-        <dgm:cxn modelId="6" srcId="1" destId="3" srcOrd="1" destOrd="0"/>
+        <dgm:cxn modelId="7" srcId="0" destId="1" srcOrd="0" destOrd="0"/>
+        <dgm:cxn modelId="8" srcId="1" destId="2" srcOrd="0" destOrd="0"/>
+        <dgm:cxn modelId="9" srcId="1" destId="3" srcOrd="1" destOrd="0"/>
         <dgm:cxn modelId="23" srcId="2" destId="21" srcOrd="0" destOrd="0"/>
         <dgm:cxn modelId="24" srcId="2" destId="22" srcOrd="1" destOrd="0"/>
         <dgm:cxn modelId="33" srcId="3" destId="31" srcOrd="0" destOrd="0"/>
+        <dgm:cxn modelId="10" srcId="0" destId="4" srcOrd="1" destOrd="0"/>
+        <dgm:cxn modelId="11" srcId="0" destId="5" srcOrd="2" destOrd="0"/>
+        <dgm:cxn modelId="12" srcId="0" destId="6" srcOrd="3" destOrd="0"/>
       </dgm:cxnLst>
       <dgm:bg/>
       <dgm:whole/>
@@ -10239,11 +11907,15 @@
         <dgm:pt modelId="1"/>
         <dgm:pt modelId="11"/>
         <dgm:pt modelId="12"/>
+        <dgm:pt modelId="2"/>
+        <dgm:pt modelId="3"/>
       </dgm:ptLst>
       <dgm:cxnLst>
-        <dgm:cxn modelId="2" srcId="0" destId="1" srcOrd="0" destOrd="0"/>
+        <dgm:cxn modelId="4" srcId="0" destId="1" srcOrd="0" destOrd="0"/>
         <dgm:cxn modelId="13" srcId="1" destId="11" srcOrd="0" destOrd="0"/>
         <dgm:cxn modelId="14" srcId="1" destId="12" srcOrd="1" destOrd="0"/>
+        <dgm:cxn modelId="5" srcId="0" destId="2" srcOrd="1" destOrd="0"/>
+        <dgm:cxn modelId="6" srcId="0" destId="3" srcOrd="2" destOrd="0"/>
       </dgm:cxnLst>
       <dgm:bg/>
       <dgm:whole/>
@@ -10260,21 +11932,29 @@
         <dgm:pt modelId="3"/>
         <dgm:pt modelId="31"/>
         <dgm:pt modelId="311"/>
+        <dgm:pt modelId="4"/>
+        <dgm:pt modelId="5"/>
+        <dgm:pt modelId="6"/>
+        <dgm:pt modelId="7"/>
       </dgm:ptLst>
       <dgm:cxnLst>
-        <dgm:cxn modelId="4" srcId="0" destId="1" srcOrd="0" destOrd="0"/>
-        <dgm:cxn modelId="5" srcId="1" destId="2" srcOrd="0" destOrd="0"/>
-        <dgm:cxn modelId="6" srcId="1" destId="3" srcOrd="1" destOrd="0"/>
+        <dgm:cxn modelId="8" srcId="0" destId="1" srcOrd="0" destOrd="0"/>
+        <dgm:cxn modelId="9" srcId="1" destId="2" srcOrd="0" destOrd="0"/>
+        <dgm:cxn modelId="10" srcId="1" destId="3" srcOrd="1" destOrd="0"/>
         <dgm:cxn modelId="23" srcId="2" destId="21" srcOrd="0" destOrd="0"/>
         <dgm:cxn modelId="24" srcId="21" destId="211" srcOrd="0" destOrd="0"/>
         <dgm:cxn modelId="33" srcId="3" destId="31" srcOrd="0" destOrd="0"/>
         <dgm:cxn modelId="34" srcId="31" destId="311" srcOrd="0" destOrd="0"/>
+        <dgm:cxn modelId="11" srcId="0" destId="4" srcOrd="1" destOrd="0"/>
+        <dgm:cxn modelId="12" srcId="0" destId="5" srcOrd="2" destOrd="0"/>
+        <dgm:cxn modelId="13" srcId="0" destId="6" srcOrd="3" destOrd="0"/>
+        <dgm:cxn modelId="14" srcId="0" destId="7" srcOrd="4" destOrd="0"/>
       </dgm:cxnLst>
       <dgm:bg/>
       <dgm:whole/>
     </dgm:dataModel>
   </dgm:clrData>
-  <dgm:layoutNode name="diagram">
+  <dgm:layoutNode name="mainComposite">
     <dgm:varLst>
       <dgm:chPref val="1"/>
       <dgm:dir/>
@@ -10282,230 +11962,397 @@
       <dgm:animLvl val="lvl"/>
       <dgm:resizeHandles val="exact"/>
     </dgm:varLst>
-    <dgm:choose name="Name0">
-      <dgm:if name="Name1" func="var" arg="dir" op="equ" val="norm">
-        <dgm:alg type="hierChild">
-          <dgm:param type="linDir" val="fromT"/>
-          <dgm:param type="chAlign" val="l"/>
-        </dgm:alg>
-      </dgm:if>
-      <dgm:else name="Name2">
-        <dgm:alg type="hierChild">
-          <dgm:param type="linDir" val="fromT"/>
-          <dgm:param type="chAlign" val="r"/>
-        </dgm:alg>
-      </dgm:else>
-    </dgm:choose>
+    <dgm:alg type="composite">
+      <dgm:param type="vertAlign" val="mid"/>
+      <dgm:param type="horzAlign" val="ctr"/>
+    </dgm:alg>
     <dgm:shape xmlns:r="http://schemas.openxmlformats.org/officeDocument/2006/relationships" r:blip="">
       <dgm:adjLst/>
     </dgm:shape>
     <dgm:presOf/>
-    <dgm:constrLst>
-      <dgm:constr type="h" for="des" ptType="node" refType="h"/>
-      <dgm:constr type="w" for="des" ptType="node" refType="h" refFor="des" refPtType="node" fact="2"/>
-      <dgm:constr type="sibSp" refType="h" refFor="des" refPtType="node" op="equ" fact="0.15"/>
-      <dgm:constr type="sibSp" for="des" forName="level2hierChild" refType="h" refFor="des" refPtType="node" op="equ" fact="0.15"/>
-      <dgm:constr type="sibSp" for="des" forName="level3hierChild" refType="h" refFor="des" refPtType="node" op="equ" fact="0.15"/>
-      <dgm:constr type="sp" for="des" forName="root1" refType="w" refFor="des" refPtType="node" fact="0.4"/>
-      <dgm:constr type="sp" for="des" forName="root2" refType="sp" refFor="des" refForName="root1" op="equ"/>
-      <dgm:constr type="primFontSz" for="des" ptType="node" op="equ" val="65"/>
-      <dgm:constr type="primFontSz" for="des" forName="connTx" op="equ" val="55"/>
-      <dgm:constr type="primFontSz" for="des" forName="connTx" refType="primFontSz" refFor="des" refPtType="node" op="lte" fact="0.8"/>
-    </dgm:constrLst>
+    <dgm:choose name="Name0">
+      <dgm:if name="Name1" axis="ch" ptType="node" func="cnt" op="gte" val="2">
+        <dgm:choose name="Name2">
+          <dgm:if name="Name3" func="var" arg="dir" op="equ" val="norm">
+            <dgm:constrLst>
+              <dgm:constr type="l" for="ch" forName="hierFlow" refType="w" fact="0.3"/>
+              <dgm:constr type="t" for="ch" forName="hierFlow"/>
+              <dgm:constr type="r" for="ch" forName="hierFlow" refType="w" fact="0.98"/>
+              <dgm:constr type="b" for="ch" forName="hierFlow" refType="h" fact="0.98"/>
+              <dgm:constr type="l" for="ch" forName="bgShapesFlow"/>
+              <dgm:constr type="t" for="ch" forName="bgShapesFlow"/>
+              <dgm:constr type="r" for="ch" forName="bgShapesFlow" refType="w"/>
+              <dgm:constr type="b" for="ch" forName="bgShapesFlow" refType="h"/>
+              <dgm:constr type="w" for="des" forName="level1Shape" refType="w"/>
+              <dgm:constr type="h" for="des" forName="level1Shape" refType="w" refFor="des" refForName="level1Shape" fact="0.66667"/>
+              <dgm:constr type="w" for="des" forName="level2Shape" refType="w" refFor="des" refForName="level1Shape" op="equ"/>
+              <dgm:constr type="h" for="des" forName="level2Shape" refType="h" refFor="des" refForName="level1Shape" op="equ"/>
+              <dgm:constr type="sp" for="des" refType="h" refFor="des" refForName="level1Shape" op="equ" fact="0.4"/>
+              <dgm:constr type="sibSp" for="des" forName="hierChild1" refType="w" refFor="des" refForName="level1Shape" op="equ" fact="0.3"/>
+              <dgm:constr type="sibSp" for="des" forName="hierChild2" refType="sibSp" refFor="des" refForName="hierChild1" op="equ"/>
+              <dgm:constr type="sibSp" for="des" forName="hierChild3" refType="sibSp" refFor="des" refForName="hierChild1" op="equ"/>
+              <dgm:constr type="userA" for="des" refType="h" refFor="des" refForName="level1Shape" op="equ"/>
+              <dgm:constr type="userB" for="des" refType="sp" refFor="des" op="equ"/>
+              <dgm:constr type="h" for="des" forName="firstBuf" refType="h" refFor="des" refForName="level1Shape" fact="0.1"/>
+            </dgm:constrLst>
+          </dgm:if>
+          <dgm:else name="Name4">
+            <dgm:constrLst>
+              <dgm:constr type="l" for="ch" forName="hierFlow" refType="w" fact="0.02"/>
+              <dgm:constr type="t" for="ch" forName="hierFlow"/>
+              <dgm:constr type="r" for="ch" forName="hierFlow" refType="w" fact="0.7"/>
+              <dgm:constr type="b" for="ch" forName="hierFlow" refType="h" fact="0.98"/>
+              <dgm:constr type="l" for="ch" forName="bgShapesFlow"/>
+              <dgm:constr type="t" for="ch" forName="bgShapesFlow"/>
+              <dgm:constr type="r" for="ch" forName="bgShapesFlow" refType="w"/>
+              <dgm:constr type="b" for="ch" forName="bgShapesFlow" refType="h"/>
+              <dgm:constr type="w" for="des" forName="level1Shape" refType="w"/>
+              <dgm:constr type="h" for="des" forName="level1Shape" refType="w" refFor="des" refForName="level1Shape" fact="0.66667"/>
+              <dgm:constr type="w" for="des" forName="level2Shape" refType="w" refFor="des" refForName="level1Shape" op="equ"/>
+              <dgm:constr type="h" for="des" forName="level2Shape" refType="h" refFor="des" refForName="level1Shape" op="equ"/>
+              <dgm:constr type="sp" for="des" refType="h" refFor="des" refForName="level1Shape" op="equ" fact="0.4"/>
+              <dgm:constr type="sibSp" for="des" forName="hierChild1" refType="w" refFor="des" refForName="level1Shape" op="equ" fact="0.3"/>
+              <dgm:constr type="sibSp" for="des" forName="hierChild2" refType="sibSp" refFor="des" refForName="hierChild1" op="equ"/>
+              <dgm:constr type="sibSp" for="des" forName="hierChild3" refType="sibSp" refFor="des" refForName="hierChild1" op="equ"/>
+              <dgm:constr type="userA" for="des" refType="h" refFor="des" refForName="level1Shape" op="equ"/>
+              <dgm:constr type="userB" for="des" refType="sp" refFor="des" op="equ"/>
+              <dgm:constr type="h" for="des" forName="firstBuf" refType="h" refFor="des" refForName="level1Shape" fact="0.1"/>
+            </dgm:constrLst>
+          </dgm:else>
+        </dgm:choose>
+      </dgm:if>
+      <dgm:else name="Name5">
+        <dgm:constrLst>
+          <dgm:constr type="l" for="ch" forName="hierFlow"/>
+          <dgm:constr type="t" for="ch" forName="hierFlow"/>
+          <dgm:constr type="r" for="ch" forName="hierFlow" refType="w"/>
+          <dgm:constr type="b" for="ch" forName="hierFlow" refType="h"/>
+          <dgm:constr type="l" for="ch" forName="bgShapesFlow"/>
+          <dgm:constr type="t" for="ch" forName="bgShapesFlow"/>
+          <dgm:constr type="r" for="ch" forName="bgShapesFlow" refType="w"/>
+          <dgm:constr type="b" for="ch" forName="bgShapesFlow" refType="h"/>
+          <dgm:constr type="w" for="des" forName="level1Shape" refType="w"/>
+          <dgm:constr type="h" for="des" forName="level1Shape" refType="w" refFor="des" refForName="level1Shape" fact="0.66667"/>
+          <dgm:constr type="w" for="des" forName="level2Shape" refType="w" refFor="des" refForName="level1Shape" op="equ"/>
+          <dgm:constr type="h" for="des" forName="level2Shape" refType="h" refFor="des" refForName="level1Shape" op="equ"/>
+          <dgm:constr type="sp" for="des" refType="h" refFor="des" refForName="level1Shape" op="equ" fact="0.4"/>
+          <dgm:constr type="sibSp" for="des" forName="hierChild1" refType="w" refFor="des" refForName="level1Shape" op="equ" fact="0.3"/>
+          <dgm:constr type="sibSp" for="des" forName="hierChild2" refType="sibSp" refFor="des" refForName="hierChild1" op="equ"/>
+          <dgm:constr type="sibSp" for="des" forName="hierChild3" refType="sibSp" refFor="des" refForName="hierChild1" op="equ"/>
+          <dgm:constr type="userA" for="des" refType="h" refFor="des" refForName="level1Shape" op="equ"/>
+          <dgm:constr type="userB" for="des" refType="sp" refFor="des" op="equ"/>
+          <dgm:constr type="h" for="des" forName="firstBuf" refType="h" refFor="des" refForName="level1Shape" fact="0.1"/>
+        </dgm:constrLst>
+      </dgm:else>
+    </dgm:choose>
     <dgm:ruleLst/>
-    <dgm:forEach name="Name3" axis="ch">
-      <dgm:forEach name="Name4" axis="self" ptType="node">
-        <dgm:layoutNode name="root1">
-          <dgm:choose name="Name5">
-            <dgm:if name="Name6" func="var" arg="dir" op="equ" val="norm">
-              <dgm:alg type="hierRoot">
-                <dgm:param type="hierAlign" val="lCtrCh"/>
-              </dgm:alg>
-            </dgm:if>
-            <dgm:else name="Name7">
-              <dgm:alg type="hierRoot">
-                <dgm:param type="hierAlign" val="rCtrCh"/>
-              </dgm:alg>
-            </dgm:else>
-          </dgm:choose>
-          <dgm:shape xmlns:r="http://schemas.openxmlformats.org/officeDocument/2006/relationships" r:blip="">
-            <dgm:adjLst/>
-          </dgm:shape>
-          <dgm:presOf/>
-          <dgm:constrLst/>
-          <dgm:ruleLst/>
-          <dgm:layoutNode name="LevelOneTextNode" styleLbl="node0">
-            <dgm:varLst>
-              <dgm:chPref val="3"/>
-            </dgm:varLst>
-            <dgm:alg type="tx"/>
-            <dgm:shape xmlns:r="http://schemas.openxmlformats.org/officeDocument/2006/relationships" type="roundRect" r:blip="">
-              <dgm:adjLst>
-                <dgm:adj idx="1" val="0.1"/>
-              </dgm:adjLst>
-            </dgm:shape>
-            <dgm:presOf axis="self"/>
-            <dgm:constrLst>
-              <dgm:constr type="tMarg" refType="primFontSz" fact="0.05"/>
-              <dgm:constr type="bMarg" refType="primFontSz" fact="0.05"/>
-              <dgm:constr type="lMarg" refType="primFontSz" fact="0.05"/>
-              <dgm:constr type="rMarg" refType="primFontSz" fact="0.05"/>
-            </dgm:constrLst>
-            <dgm:ruleLst>
-              <dgm:rule type="primFontSz" val="5" fact="NaN" max="NaN"/>
-            </dgm:ruleLst>
-          </dgm:layoutNode>
-          <dgm:layoutNode name="level2hierChild">
-            <dgm:choose name="Name8">
-              <dgm:if name="Name9" func="var" arg="dir" op="equ" val="norm">
-                <dgm:alg type="hierChild">
-                  <dgm:param type="linDir" val="fromT"/>
-                  <dgm:param type="chAlign" val="l"/>
-                </dgm:alg>
-              </dgm:if>
-              <dgm:else name="Name10">
-                <dgm:alg type="hierChild">
-                  <dgm:param type="linDir" val="fromT"/>
-                  <dgm:param type="chAlign" val="r"/>
-                </dgm:alg>
-              </dgm:else>
-            </dgm:choose>
+    <dgm:layoutNode name="hierFlow">
+      <dgm:alg type="lin">
+        <dgm:param type="linDir" val="fromT"/>
+        <dgm:param type="nodeVertAlign" val="t"/>
+        <dgm:param type="vertAlign" val="t"/>
+        <dgm:param type="nodeHorzAlign" val="ctr"/>
+        <dgm:param type="fallback" val="2D"/>
+      </dgm:alg>
+      <dgm:shape xmlns:r="http://schemas.openxmlformats.org/officeDocument/2006/relationships" r:blip="">
+        <dgm:adjLst/>
+      </dgm:shape>
+      <dgm:presOf/>
+      <dgm:constrLst/>
+      <dgm:ruleLst/>
+      <dgm:choose name="Name6">
+        <dgm:if name="Name7" axis="ch" ptType="node" func="cnt" op="gte" val="2">
+          <dgm:layoutNode name="firstBuf">
+            <dgm:alg type="sp"/>
             <dgm:shape xmlns:r="http://schemas.openxmlformats.org/officeDocument/2006/relationships" r:blip="">
               <dgm:adjLst/>
             </dgm:shape>
             <dgm:presOf/>
             <dgm:constrLst/>
             <dgm:ruleLst/>
-            <dgm:forEach name="repeat" axis="ch">
-              <dgm:forEach name="Name11" axis="self" ptType="parTrans" cnt="1">
-                <dgm:layoutNode name="conn2-1">
-                  <dgm:choose name="Name12">
-                    <dgm:if name="Name13" func="var" arg="dir" op="equ" val="norm">
+          </dgm:layoutNode>
+        </dgm:if>
+        <dgm:else name="Name8"/>
+      </dgm:choose>
+      <dgm:layoutNode name="hierChild1">
+        <dgm:varLst>
+          <dgm:chPref val="1"/>
+          <dgm:animOne val="branch"/>
+          <dgm:animLvl val="lvl"/>
+        </dgm:varLst>
+        <dgm:choose name="Name9">
+          <dgm:if name="Name10" func="var" arg="dir" op="equ" val="norm">
+            <dgm:alg type="hierChild">
+              <dgm:param type="linDir" val="fromL"/>
+              <dgm:param type="vertAlign" val="t"/>
+            </dgm:alg>
+          </dgm:if>
+          <dgm:else name="Name11">
+            <dgm:alg type="hierChild">
+              <dgm:param type="linDir" val="fromR"/>
+              <dgm:param type="vertAlign" val="t"/>
+            </dgm:alg>
+          </dgm:else>
+        </dgm:choose>
+        <dgm:shape xmlns:r="http://schemas.openxmlformats.org/officeDocument/2006/relationships" r:blip="">
+          <dgm:adjLst/>
+        </dgm:shape>
+        <dgm:presOf/>
+        <dgm:constrLst>
+          <dgm:constr type="primFontSz" for="des" ptType="node" op="equ"/>
+        </dgm:constrLst>
+        <dgm:ruleLst/>
+        <dgm:forEach name="Name12" axis="ch" cnt="3">
+          <dgm:forEach name="Name13" axis="self" ptType="node">
+            <dgm:layoutNode name="Name14">
+              <dgm:alg type="hierRoot"/>
+              <dgm:shape xmlns:r="http://schemas.openxmlformats.org/officeDocument/2006/relationships" r:blip="">
+                <dgm:adjLst/>
+              </dgm:shape>
+              <dgm:presOf/>
+              <dgm:constrLst/>
+              <dgm:ruleLst/>
+              <dgm:layoutNode name="level1Shape" styleLbl="node0">
+                <dgm:varLst>
+                  <dgm:chPref val="3"/>
+                </dgm:varLst>
+                <dgm:alg type="tx"/>
+                <dgm:shape xmlns:r="http://schemas.openxmlformats.org/officeDocument/2006/relationships" type="roundRect" r:blip="">
+                  <dgm:adjLst>
+                    <dgm:adj idx="1" val="0.1"/>
+                  </dgm:adjLst>
+                </dgm:shape>
+                <dgm:presOf axis="self"/>
+                <dgm:constrLst>
+                  <dgm:constr type="primFontSz" val="65"/>
+                  <dgm:constr type="tMarg" refType="primFontSz" fact="0.3"/>
+                  <dgm:constr type="bMarg" refType="primFontSz" fact="0.3"/>
+                  <dgm:constr type="lMarg" refType="primFontSz" fact="0.3"/>
+                  <dgm:constr type="rMarg" refType="primFontSz" fact="0.3"/>
+                </dgm:constrLst>
+                <dgm:ruleLst>
+                  <dgm:rule type="primFontSz" val="5" fact="NaN" max="NaN"/>
+                </dgm:ruleLst>
+              </dgm:layoutNode>
+              <dgm:layoutNode name="hierChild2">
+                <dgm:choose name="Name15">
+                  <dgm:if name="Name16" func="var" arg="dir" op="equ" val="norm">
+                    <dgm:alg type="hierChild">
+                      <dgm:param type="linDir" val="fromL"/>
+                    </dgm:alg>
+                  </dgm:if>
+                  <dgm:else name="Name17">
+                    <dgm:alg type="hierChild">
+                      <dgm:param type="linDir" val="fromR"/>
+                    </dgm:alg>
+                  </dgm:else>
+                </dgm:choose>
+                <dgm:shape xmlns:r="http://schemas.openxmlformats.org/officeDocument/2006/relationships" r:blip="">
+                  <dgm:adjLst/>
+                </dgm:shape>
+                <dgm:presOf/>
+                <dgm:constrLst/>
+                <dgm:ruleLst/>
+                <dgm:forEach name="repeat" axis="ch">
+                  <dgm:forEach name="Name18" axis="self" ptType="parTrans" cnt="1">
+                    <dgm:layoutNode name="Name19">
                       <dgm:alg type="conn">
                         <dgm:param type="dim" val="1D"/>
-                        <dgm:param type="begPts" val="midR"/>
-                        <dgm:param type="endPts" val="midL"/>
                         <dgm:param type="endSty" val="noArr"/>
+                        <dgm:param type="connRout" val="bend"/>
+                        <dgm:param type="begPts" val="bCtr"/>
+                        <dgm:param type="endPts" val="tCtr"/>
                       </dgm:alg>
-                    </dgm:if>
-                    <dgm:else name="Name14">
-                      <dgm:alg type="conn">
-                        <dgm:param type="dim" val="1D"/>
-                        <dgm:param type="begPts" val="midL"/>
-                        <dgm:param type="endPts" val="midR"/>
-                        <dgm:param type="endSty" val="noArr"/>
-                      </dgm:alg>
-                    </dgm:else>
-                  </dgm:choose>
-                  <dgm:shape xmlns:r="http://schemas.openxmlformats.org/officeDocument/2006/relationships" type="conn" r:blip="">
-                    <dgm:adjLst/>
-                  </dgm:shape>
-                  <dgm:presOf axis="self"/>
-                  <dgm:constrLst>
-                    <dgm:constr type="w" val="1"/>
-                    <dgm:constr type="h" val="5"/>
-                    <dgm:constr type="connDist"/>
-                    <dgm:constr type="begPad"/>
-                    <dgm:constr type="endPad"/>
-                    <dgm:constr type="userA" for="ch" refType="connDist"/>
-                  </dgm:constrLst>
-                  <dgm:ruleLst/>
-                  <dgm:layoutNode name="connTx">
-                    <dgm:alg type="tx">
-                      <dgm:param type="autoTxRot" val="grav"/>
-                    </dgm:alg>
-                    <dgm:shape xmlns:r="http://schemas.openxmlformats.org/officeDocument/2006/relationships" type="rect" r:blip="" hideGeom="1">
-                      <dgm:adjLst/>
-                    </dgm:shape>
-                    <dgm:presOf axis="self"/>
-                    <dgm:constrLst>
-                      <dgm:constr type="userA"/>
-                      <dgm:constr type="w" refType="userA" fact="0.05"/>
-                      <dgm:constr type="h" refType="userA" fact="0.05"/>
-                      <dgm:constr type="lMarg" val="1"/>
-                      <dgm:constr type="rMarg" val="1"/>
-                      <dgm:constr type="tMarg"/>
-                      <dgm:constr type="bMarg"/>
-                    </dgm:constrLst>
-                    <dgm:ruleLst>
-                      <dgm:rule type="h" val="NaN" fact="0.25" max="NaN"/>
-                      <dgm:rule type="w" val="NaN" fact="0.8" max="NaN"/>
-                      <dgm:rule type="primFontSz" val="5" fact="NaN" max="NaN"/>
-                    </dgm:ruleLst>
-                  </dgm:layoutNode>
-                </dgm:layoutNode>
-              </dgm:forEach>
-              <dgm:forEach name="Name15" axis="self" ptType="node">
-                <dgm:layoutNode name="root2">
-                  <dgm:choose name="Name16">
-                    <dgm:if name="Name17" func="var" arg="dir" op="equ" val="norm">
-                      <dgm:alg type="hierRoot">
-                        <dgm:param type="hierAlign" val="lCtrCh"/>
-                      </dgm:alg>
-                    </dgm:if>
-                    <dgm:else name="Name18">
-                      <dgm:alg type="hierRoot">
-                        <dgm:param type="hierAlign" val="rCtrCh"/>
-                      </dgm:alg>
-                    </dgm:else>
-                  </dgm:choose>
-                  <dgm:shape xmlns:r="http://schemas.openxmlformats.org/officeDocument/2006/relationships" r:blip="">
-                    <dgm:adjLst/>
-                  </dgm:shape>
-                  <dgm:presOf/>
-                  <dgm:constrLst/>
-                  <dgm:ruleLst/>
-                  <dgm:layoutNode name="LevelTwoTextNode">
-                    <dgm:varLst>
-                      <dgm:chPref val="3"/>
-                    </dgm:varLst>
-                    <dgm:alg type="tx"/>
-                    <dgm:shape xmlns:r="http://schemas.openxmlformats.org/officeDocument/2006/relationships" type="roundRect" r:blip="">
-                      <dgm:adjLst>
-                        <dgm:adj idx="1" val="0.1"/>
-                      </dgm:adjLst>
-                    </dgm:shape>
-                    <dgm:presOf axis="self"/>
-                    <dgm:constrLst>
-                      <dgm:constr type="tMarg" refType="primFontSz" fact="0.05"/>
-                      <dgm:constr type="bMarg" refType="primFontSz" fact="0.05"/>
-                      <dgm:constr type="lMarg" refType="primFontSz" fact="0.05"/>
-                      <dgm:constr type="rMarg" refType="primFontSz" fact="0.05"/>
-                    </dgm:constrLst>
-                    <dgm:ruleLst>
-                      <dgm:rule type="primFontSz" val="5" fact="NaN" max="NaN"/>
-                    </dgm:ruleLst>
-                  </dgm:layoutNode>
-                  <dgm:layoutNode name="level3hierChild">
-                    <dgm:choose name="Name19">
-                      <dgm:if name="Name20" func="var" arg="dir" op="equ" val="norm">
-                        <dgm:alg type="hierChild">
-                          <dgm:param type="linDir" val="fromT"/>
-                          <dgm:param type="chAlign" val="l"/>
-                        </dgm:alg>
-                      </dgm:if>
-                      <dgm:else name="Name21">
-                        <dgm:alg type="hierChild">
-                          <dgm:param type="linDir" val="fromT"/>
-                          <dgm:param type="chAlign" val="r"/>
-                        </dgm:alg>
-                      </dgm:else>
-                    </dgm:choose>
-                    <dgm:shape xmlns:r="http://schemas.openxmlformats.org/officeDocument/2006/relationships" r:blip="">
-                      <dgm:adjLst/>
-                    </dgm:shape>
-                    <dgm:presOf/>
-                    <dgm:constrLst/>
-                    <dgm:ruleLst/>
-                    <dgm:forEach name="Name22" ref="repeat"/>
-                  </dgm:layoutNode>
-                </dgm:layoutNode>
-              </dgm:forEach>
-            </dgm:forEach>
+                      <dgm:shape xmlns:r="http://schemas.openxmlformats.org/officeDocument/2006/relationships" type="conn" r:blip="">
+                        <dgm:adjLst/>
+                      </dgm:shape>
+                      <dgm:presOf axis="self"/>
+                      <dgm:constrLst>
+                        <dgm:constr type="w" val="1"/>
+                        <dgm:constr type="h" val="1"/>
+                        <dgm:constr type="begPad"/>
+                        <dgm:constr type="endPad"/>
+                      </dgm:constrLst>
+                      <dgm:ruleLst/>
+                    </dgm:layoutNode>
+                  </dgm:forEach>
+                  <dgm:forEach name="Name20" axis="self" ptType="node">
+                    <dgm:layoutNode name="Name21">
+                      <dgm:alg type="hierRoot"/>
+                      <dgm:shape xmlns:r="http://schemas.openxmlformats.org/officeDocument/2006/relationships" r:blip="">
+                        <dgm:adjLst/>
+                      </dgm:shape>
+                      <dgm:presOf/>
+                      <dgm:constrLst/>
+                      <dgm:ruleLst/>
+                      <dgm:layoutNode name="level2Shape">
+                        <dgm:alg type="tx"/>
+                        <dgm:shape xmlns:r="http://schemas.openxmlformats.org/officeDocument/2006/relationships" type="roundRect" r:blip="">
+                          <dgm:adjLst>
+                            <dgm:adj idx="1" val="0.1"/>
+                          </dgm:adjLst>
+                        </dgm:shape>
+                        <dgm:presOf axis="self"/>
+                        <dgm:constrLst>
+                          <dgm:constr type="primFontSz" val="65"/>
+                          <dgm:constr type="tMarg" refType="primFontSz" fact="0.3"/>
+                          <dgm:constr type="bMarg" refType="primFontSz" fact="0.3"/>
+                          <dgm:constr type="lMarg" refType="primFontSz" fact="0.3"/>
+                          <dgm:constr type="rMarg" refType="primFontSz" fact="0.3"/>
+                        </dgm:constrLst>
+                        <dgm:ruleLst>
+                          <dgm:rule type="primFontSz" val="5" fact="NaN" max="NaN"/>
+                        </dgm:ruleLst>
+                      </dgm:layoutNode>
+                      <dgm:layoutNode name="hierChild3">
+                        <dgm:choose name="Name22">
+                          <dgm:if name="Name23" func="var" arg="dir" op="equ" val="norm">
+                            <dgm:alg type="hierChild">
+                              <dgm:param type="linDir" val="fromL"/>
+                            </dgm:alg>
+                          </dgm:if>
+                          <dgm:else name="Name24">
+                            <dgm:alg type="hierChild">
+                              <dgm:param type="linDir" val="fromR"/>
+                            </dgm:alg>
+                          </dgm:else>
+                        </dgm:choose>
+                        <dgm:shape xmlns:r="http://schemas.openxmlformats.org/officeDocument/2006/relationships" r:blip="">
+                          <dgm:adjLst/>
+                        </dgm:shape>
+                        <dgm:presOf/>
+                        <dgm:constrLst/>
+                        <dgm:ruleLst/>
+                        <dgm:forEach name="Name25" ref="repeat"/>
+                      </dgm:layoutNode>
+                    </dgm:layoutNode>
+                  </dgm:forEach>
+                </dgm:forEach>
+              </dgm:layoutNode>
+            </dgm:layoutNode>
+          </dgm:forEach>
+        </dgm:forEach>
+      </dgm:layoutNode>
+    </dgm:layoutNode>
+    <dgm:layoutNode name="bgShapesFlow">
+      <dgm:alg type="lin">
+        <dgm:param type="linDir" val="fromT"/>
+        <dgm:param type="nodeVertAlign" val="t"/>
+        <dgm:param type="vertAlign" val="t"/>
+        <dgm:param type="nodeHorzAlign" val="ctr"/>
+      </dgm:alg>
+      <dgm:shape xmlns:r="http://schemas.openxmlformats.org/officeDocument/2006/relationships" r:blip="">
+        <dgm:adjLst/>
+      </dgm:shape>
+      <dgm:presOf/>
+      <dgm:constrLst>
+        <dgm:constr type="userB"/>
+        <dgm:constr type="w" for="ch" forName="rectComp" refType="w"/>
+        <dgm:constr type="h" for="ch" forName="rectComp" refType="h"/>
+        <dgm:constr type="w" for="des" forName="bgRect" refType="w"/>
+        <dgm:constr type="primFontSz" for="des" forName="bgRectTx" op="equ"/>
+      </dgm:constrLst>
+      <dgm:ruleLst/>
+      <dgm:forEach name="Name26" axis="ch" ptType="node" st="2">
+        <dgm:layoutNode name="rectComp">
+          <dgm:alg type="composite">
+            <dgm:param type="vertAlign" val="t"/>
+            <dgm:param type="horzAlign" val="ctr"/>
+          </dgm:alg>
+          <dgm:shape xmlns:r="http://schemas.openxmlformats.org/officeDocument/2006/relationships" r:blip="">
+            <dgm:adjLst/>
+          </dgm:shape>
+          <dgm:presOf/>
+          <dgm:choose name="Name27">
+            <dgm:if name="Name28" func="var" arg="dir" op="equ" val="norm">
+              <dgm:constrLst>
+                <dgm:constr type="userA"/>
+                <dgm:constr type="l" for="ch" forName="bgRect"/>
+                <dgm:constr type="t" for="ch" forName="bgRect"/>
+                <dgm:constr type="h" for="ch" forName="bgRect" refType="userA" fact="1.2"/>
+                <dgm:constr type="l" for="ch" forName="bgRectTx"/>
+                <dgm:constr type="t" for="ch" forName="bgRectTx"/>
+                <dgm:constr type="w" for="ch" forName="bgRectTx" refType="w" refFor="ch" refForName="bgRect" fact="0.3"/>
+                <dgm:constr type="h" for="ch" forName="bgRectTx" refType="h" refFor="ch" refForName="bgRect" op="equ"/>
+              </dgm:constrLst>
+            </dgm:if>
+            <dgm:else name="Name29">
+              <dgm:constrLst>
+                <dgm:constr type="userA"/>
+                <dgm:constr type="l" for="ch" forName="bgRect"/>
+                <dgm:constr type="t" for="ch" forName="bgRect"/>
+                <dgm:constr type="h" for="ch" forName="bgRect" refType="userA" fact="1.2"/>
+                <dgm:constr type="r" for="ch" forName="bgRectTx" refType="w"/>
+                <dgm:constr type="t" for="ch" forName="bgRectTx"/>
+                <dgm:constr type="w" for="ch" forName="bgRectTx" refType="w" refFor="ch" refForName="bgRect" fact="0.3"/>
+                <dgm:constr type="h" for="ch" forName="bgRectTx" refType="h" refFor="ch" refForName="bgRect" op="equ"/>
+              </dgm:constrLst>
+            </dgm:else>
+          </dgm:choose>
+          <dgm:ruleLst/>
+          <dgm:layoutNode name="bgRect" styleLbl="bgShp">
+            <dgm:alg type="sp"/>
+            <dgm:shape xmlns:r="http://schemas.openxmlformats.org/officeDocument/2006/relationships" type="roundRect" r:blip="" zOrderOff="-999">
+              <dgm:adjLst>
+                <dgm:adj idx="1" val="0.1"/>
+              </dgm:adjLst>
+            </dgm:shape>
+            <dgm:presOf axis="desOrSelf" ptType="node"/>
+            <dgm:constrLst/>
+            <dgm:ruleLst/>
+          </dgm:layoutNode>
+          <dgm:layoutNode name="bgRectTx" styleLbl="bgShp">
+            <dgm:varLst>
+              <dgm:bulletEnabled val="1"/>
+            </dgm:varLst>
+            <dgm:alg type="tx"/>
+            <dgm:presOf axis="desOrSelf" ptType="node"/>
+            <dgm:shape xmlns:r="http://schemas.openxmlformats.org/officeDocument/2006/relationships" type="rect" r:blip="" zOrderOff="-999" hideGeom="1">
+              <dgm:adjLst/>
+            </dgm:shape>
+            <dgm:constrLst>
+              <dgm:constr type="primFontSz" val="65"/>
+            </dgm:constrLst>
+            <dgm:ruleLst>
+              <dgm:rule type="primFontSz" val="5" fact="NaN" max="NaN"/>
+            </dgm:ruleLst>
           </dgm:layoutNode>
         </dgm:layoutNode>
+        <dgm:choose name="Name30">
+          <dgm:if name="Name31" axis="self" ptType="node" func="revPos" op="gte" val="2">
+            <dgm:layoutNode name="spComp">
+              <dgm:alg type="composite">
+                <dgm:param type="vertAlign" val="t"/>
+                <dgm:param type="horzAlign" val="ctr"/>
+              </dgm:alg>
+              <dgm:shape xmlns:r="http://schemas.openxmlformats.org/officeDocument/2006/relationships" r:blip="">
+                <dgm:adjLst/>
+              </dgm:shape>
+              <dgm:presOf/>
+              <dgm:constrLst>
+                <dgm:constr type="userA"/>
+                <dgm:constr type="userB"/>
+                <dgm:constr type="l" for="ch" forName="vSp"/>
+                <dgm:constr type="t" for="ch" forName="vSp"/>
+                <dgm:constr type="h" for="ch" forName="vSp" refType="userB"/>
+                <dgm:constr type="hOff" for="ch" forName="vSp" refType="userA" fact="-0.2"/>
+              </dgm:constrLst>
+              <dgm:ruleLst/>
+              <dgm:layoutNode name="vSp">
+                <dgm:alg type="sp"/>
+                <dgm:shape xmlns:r="http://schemas.openxmlformats.org/officeDocument/2006/relationships" r:blip="">
+                  <dgm:adjLst/>
+                </dgm:shape>
+                <dgm:presOf/>
+                <dgm:constrLst/>
+                <dgm:ruleLst/>
+              </dgm:layoutNode>
+            </dgm:layoutNode>
+          </dgm:if>
+          <dgm:else name="Name32"/>
+        </dgm:choose>
       </dgm:forEach>
-    </dgm:forEach>
+    </dgm:layoutNode>
   </dgm:layoutNode>
 </dgm:layoutDef>
 </file>
@@ -11150,6 +12997,326 @@
 </dgm:layoutDef>
 </file>
 
+<file path=ppt/diagrams/layout5.xml><?xml version="1.0" encoding="utf-8"?>
+<dgm:layoutDef xmlns:dgm="http://schemas.openxmlformats.org/drawingml/2006/diagram" xmlns:a="http://schemas.openxmlformats.org/drawingml/2006/main" uniqueId="urn:microsoft.com/office/officeart/2005/8/layout/hierarchy2">
+  <dgm:title val=""/>
+  <dgm:desc val=""/>
+  <dgm:catLst>
+    <dgm:cat type="hierarchy" pri="5000"/>
+  </dgm:catLst>
+  <dgm:sampData>
+    <dgm:dataModel>
+      <dgm:ptLst>
+        <dgm:pt modelId="0" type="doc"/>
+        <dgm:pt modelId="1">
+          <dgm:prSet phldr="1"/>
+        </dgm:pt>
+        <dgm:pt modelId="2">
+          <dgm:prSet phldr="1"/>
+        </dgm:pt>
+        <dgm:pt modelId="21">
+          <dgm:prSet phldr="1"/>
+        </dgm:pt>
+        <dgm:pt modelId="22">
+          <dgm:prSet phldr="1"/>
+        </dgm:pt>
+        <dgm:pt modelId="3">
+          <dgm:prSet phldr="1"/>
+        </dgm:pt>
+        <dgm:pt modelId="31">
+          <dgm:prSet phldr="1"/>
+        </dgm:pt>
+      </dgm:ptLst>
+      <dgm:cxnLst>
+        <dgm:cxn modelId="4" srcId="0" destId="1" srcOrd="0" destOrd="0"/>
+        <dgm:cxn modelId="5" srcId="1" destId="2" srcOrd="0" destOrd="0"/>
+        <dgm:cxn modelId="6" srcId="1" destId="3" srcOrd="1" destOrd="0"/>
+        <dgm:cxn modelId="23" srcId="2" destId="21" srcOrd="0" destOrd="0"/>
+        <dgm:cxn modelId="24" srcId="2" destId="22" srcOrd="1" destOrd="0"/>
+        <dgm:cxn modelId="33" srcId="3" destId="31" srcOrd="0" destOrd="0"/>
+      </dgm:cxnLst>
+      <dgm:bg/>
+      <dgm:whole/>
+    </dgm:dataModel>
+  </dgm:sampData>
+  <dgm:styleData>
+    <dgm:dataModel>
+      <dgm:ptLst>
+        <dgm:pt modelId="0" type="doc"/>
+        <dgm:pt modelId="1"/>
+        <dgm:pt modelId="11"/>
+        <dgm:pt modelId="12"/>
+      </dgm:ptLst>
+      <dgm:cxnLst>
+        <dgm:cxn modelId="2" srcId="0" destId="1" srcOrd="0" destOrd="0"/>
+        <dgm:cxn modelId="13" srcId="1" destId="11" srcOrd="0" destOrd="0"/>
+        <dgm:cxn modelId="14" srcId="1" destId="12" srcOrd="1" destOrd="0"/>
+      </dgm:cxnLst>
+      <dgm:bg/>
+      <dgm:whole/>
+    </dgm:dataModel>
+  </dgm:styleData>
+  <dgm:clrData>
+    <dgm:dataModel>
+      <dgm:ptLst>
+        <dgm:pt modelId="0" type="doc"/>
+        <dgm:pt modelId="1"/>
+        <dgm:pt modelId="2"/>
+        <dgm:pt modelId="21"/>
+        <dgm:pt modelId="211"/>
+        <dgm:pt modelId="3"/>
+        <dgm:pt modelId="31"/>
+        <dgm:pt modelId="311"/>
+      </dgm:ptLst>
+      <dgm:cxnLst>
+        <dgm:cxn modelId="4" srcId="0" destId="1" srcOrd="0" destOrd="0"/>
+        <dgm:cxn modelId="5" srcId="1" destId="2" srcOrd="0" destOrd="0"/>
+        <dgm:cxn modelId="6" srcId="1" destId="3" srcOrd="1" destOrd="0"/>
+        <dgm:cxn modelId="23" srcId="2" destId="21" srcOrd="0" destOrd="0"/>
+        <dgm:cxn modelId="24" srcId="21" destId="211" srcOrd="0" destOrd="0"/>
+        <dgm:cxn modelId="33" srcId="3" destId="31" srcOrd="0" destOrd="0"/>
+        <dgm:cxn modelId="34" srcId="31" destId="311" srcOrd="0" destOrd="0"/>
+      </dgm:cxnLst>
+      <dgm:bg/>
+      <dgm:whole/>
+    </dgm:dataModel>
+  </dgm:clrData>
+  <dgm:layoutNode name="diagram">
+    <dgm:varLst>
+      <dgm:chPref val="1"/>
+      <dgm:dir/>
+      <dgm:animOne val="branch"/>
+      <dgm:animLvl val="lvl"/>
+      <dgm:resizeHandles val="exact"/>
+    </dgm:varLst>
+    <dgm:choose name="Name0">
+      <dgm:if name="Name1" func="var" arg="dir" op="equ" val="norm">
+        <dgm:alg type="hierChild">
+          <dgm:param type="linDir" val="fromT"/>
+          <dgm:param type="chAlign" val="l"/>
+        </dgm:alg>
+      </dgm:if>
+      <dgm:else name="Name2">
+        <dgm:alg type="hierChild">
+          <dgm:param type="linDir" val="fromT"/>
+          <dgm:param type="chAlign" val="r"/>
+        </dgm:alg>
+      </dgm:else>
+    </dgm:choose>
+    <dgm:shape xmlns:r="http://schemas.openxmlformats.org/officeDocument/2006/relationships" r:blip="">
+      <dgm:adjLst/>
+    </dgm:shape>
+    <dgm:presOf/>
+    <dgm:constrLst>
+      <dgm:constr type="h" for="des" ptType="node" refType="h"/>
+      <dgm:constr type="w" for="des" ptType="node" refType="h" refFor="des" refPtType="node" fact="2"/>
+      <dgm:constr type="sibSp" refType="h" refFor="des" refPtType="node" op="equ" fact="0.15"/>
+      <dgm:constr type="sibSp" for="des" forName="level2hierChild" refType="h" refFor="des" refPtType="node" op="equ" fact="0.15"/>
+      <dgm:constr type="sibSp" for="des" forName="level3hierChild" refType="h" refFor="des" refPtType="node" op="equ" fact="0.15"/>
+      <dgm:constr type="sp" for="des" forName="root1" refType="w" refFor="des" refPtType="node" fact="0.4"/>
+      <dgm:constr type="sp" for="des" forName="root2" refType="sp" refFor="des" refForName="root1" op="equ"/>
+      <dgm:constr type="primFontSz" for="des" ptType="node" op="equ" val="65"/>
+      <dgm:constr type="primFontSz" for="des" forName="connTx" op="equ" val="55"/>
+      <dgm:constr type="primFontSz" for="des" forName="connTx" refType="primFontSz" refFor="des" refPtType="node" op="lte" fact="0.8"/>
+    </dgm:constrLst>
+    <dgm:ruleLst/>
+    <dgm:forEach name="Name3" axis="ch">
+      <dgm:forEach name="Name4" axis="self" ptType="node">
+        <dgm:layoutNode name="root1">
+          <dgm:choose name="Name5">
+            <dgm:if name="Name6" func="var" arg="dir" op="equ" val="norm">
+              <dgm:alg type="hierRoot">
+                <dgm:param type="hierAlign" val="lCtrCh"/>
+              </dgm:alg>
+            </dgm:if>
+            <dgm:else name="Name7">
+              <dgm:alg type="hierRoot">
+                <dgm:param type="hierAlign" val="rCtrCh"/>
+              </dgm:alg>
+            </dgm:else>
+          </dgm:choose>
+          <dgm:shape xmlns:r="http://schemas.openxmlformats.org/officeDocument/2006/relationships" r:blip="">
+            <dgm:adjLst/>
+          </dgm:shape>
+          <dgm:presOf/>
+          <dgm:constrLst/>
+          <dgm:ruleLst/>
+          <dgm:layoutNode name="LevelOneTextNode" styleLbl="node0">
+            <dgm:varLst>
+              <dgm:chPref val="3"/>
+            </dgm:varLst>
+            <dgm:alg type="tx"/>
+            <dgm:shape xmlns:r="http://schemas.openxmlformats.org/officeDocument/2006/relationships" type="roundRect" r:blip="">
+              <dgm:adjLst>
+                <dgm:adj idx="1" val="0.1"/>
+              </dgm:adjLst>
+            </dgm:shape>
+            <dgm:presOf axis="self"/>
+            <dgm:constrLst>
+              <dgm:constr type="tMarg" refType="primFontSz" fact="0.05"/>
+              <dgm:constr type="bMarg" refType="primFontSz" fact="0.05"/>
+              <dgm:constr type="lMarg" refType="primFontSz" fact="0.05"/>
+              <dgm:constr type="rMarg" refType="primFontSz" fact="0.05"/>
+            </dgm:constrLst>
+            <dgm:ruleLst>
+              <dgm:rule type="primFontSz" val="5" fact="NaN" max="NaN"/>
+            </dgm:ruleLst>
+          </dgm:layoutNode>
+          <dgm:layoutNode name="level2hierChild">
+            <dgm:choose name="Name8">
+              <dgm:if name="Name9" func="var" arg="dir" op="equ" val="norm">
+                <dgm:alg type="hierChild">
+                  <dgm:param type="linDir" val="fromT"/>
+                  <dgm:param type="chAlign" val="l"/>
+                </dgm:alg>
+              </dgm:if>
+              <dgm:else name="Name10">
+                <dgm:alg type="hierChild">
+                  <dgm:param type="linDir" val="fromT"/>
+                  <dgm:param type="chAlign" val="r"/>
+                </dgm:alg>
+              </dgm:else>
+            </dgm:choose>
+            <dgm:shape xmlns:r="http://schemas.openxmlformats.org/officeDocument/2006/relationships" r:blip="">
+              <dgm:adjLst/>
+            </dgm:shape>
+            <dgm:presOf/>
+            <dgm:constrLst/>
+            <dgm:ruleLst/>
+            <dgm:forEach name="repeat" axis="ch">
+              <dgm:forEach name="Name11" axis="self" ptType="parTrans" cnt="1">
+                <dgm:layoutNode name="conn2-1">
+                  <dgm:choose name="Name12">
+                    <dgm:if name="Name13" func="var" arg="dir" op="equ" val="norm">
+                      <dgm:alg type="conn">
+                        <dgm:param type="dim" val="1D"/>
+                        <dgm:param type="begPts" val="midR"/>
+                        <dgm:param type="endPts" val="midL"/>
+                        <dgm:param type="endSty" val="noArr"/>
+                      </dgm:alg>
+                    </dgm:if>
+                    <dgm:else name="Name14">
+                      <dgm:alg type="conn">
+                        <dgm:param type="dim" val="1D"/>
+                        <dgm:param type="begPts" val="midL"/>
+                        <dgm:param type="endPts" val="midR"/>
+                        <dgm:param type="endSty" val="noArr"/>
+                      </dgm:alg>
+                    </dgm:else>
+                  </dgm:choose>
+                  <dgm:shape xmlns:r="http://schemas.openxmlformats.org/officeDocument/2006/relationships" type="conn" r:blip="">
+                    <dgm:adjLst/>
+                  </dgm:shape>
+                  <dgm:presOf axis="self"/>
+                  <dgm:constrLst>
+                    <dgm:constr type="w" val="1"/>
+                    <dgm:constr type="h" val="5"/>
+                    <dgm:constr type="connDist"/>
+                    <dgm:constr type="begPad"/>
+                    <dgm:constr type="endPad"/>
+                    <dgm:constr type="userA" for="ch" refType="connDist"/>
+                  </dgm:constrLst>
+                  <dgm:ruleLst/>
+                  <dgm:layoutNode name="connTx">
+                    <dgm:alg type="tx">
+                      <dgm:param type="autoTxRot" val="grav"/>
+                    </dgm:alg>
+                    <dgm:shape xmlns:r="http://schemas.openxmlformats.org/officeDocument/2006/relationships" type="rect" r:blip="" hideGeom="1">
+                      <dgm:adjLst/>
+                    </dgm:shape>
+                    <dgm:presOf axis="self"/>
+                    <dgm:constrLst>
+                      <dgm:constr type="userA"/>
+                      <dgm:constr type="w" refType="userA" fact="0.05"/>
+                      <dgm:constr type="h" refType="userA" fact="0.05"/>
+                      <dgm:constr type="lMarg" val="1"/>
+                      <dgm:constr type="rMarg" val="1"/>
+                      <dgm:constr type="tMarg"/>
+                      <dgm:constr type="bMarg"/>
+                    </dgm:constrLst>
+                    <dgm:ruleLst>
+                      <dgm:rule type="h" val="NaN" fact="0.25" max="NaN"/>
+                      <dgm:rule type="w" val="NaN" fact="0.8" max="NaN"/>
+                      <dgm:rule type="primFontSz" val="5" fact="NaN" max="NaN"/>
+                    </dgm:ruleLst>
+                  </dgm:layoutNode>
+                </dgm:layoutNode>
+              </dgm:forEach>
+              <dgm:forEach name="Name15" axis="self" ptType="node">
+                <dgm:layoutNode name="root2">
+                  <dgm:choose name="Name16">
+                    <dgm:if name="Name17" func="var" arg="dir" op="equ" val="norm">
+                      <dgm:alg type="hierRoot">
+                        <dgm:param type="hierAlign" val="lCtrCh"/>
+                      </dgm:alg>
+                    </dgm:if>
+                    <dgm:else name="Name18">
+                      <dgm:alg type="hierRoot">
+                        <dgm:param type="hierAlign" val="rCtrCh"/>
+                      </dgm:alg>
+                    </dgm:else>
+                  </dgm:choose>
+                  <dgm:shape xmlns:r="http://schemas.openxmlformats.org/officeDocument/2006/relationships" r:blip="">
+                    <dgm:adjLst/>
+                  </dgm:shape>
+                  <dgm:presOf/>
+                  <dgm:constrLst/>
+                  <dgm:ruleLst/>
+                  <dgm:layoutNode name="LevelTwoTextNode">
+                    <dgm:varLst>
+                      <dgm:chPref val="3"/>
+                    </dgm:varLst>
+                    <dgm:alg type="tx"/>
+                    <dgm:shape xmlns:r="http://schemas.openxmlformats.org/officeDocument/2006/relationships" type="roundRect" r:blip="">
+                      <dgm:adjLst>
+                        <dgm:adj idx="1" val="0.1"/>
+                      </dgm:adjLst>
+                    </dgm:shape>
+                    <dgm:presOf axis="self"/>
+                    <dgm:constrLst>
+                      <dgm:constr type="tMarg" refType="primFontSz" fact="0.05"/>
+                      <dgm:constr type="bMarg" refType="primFontSz" fact="0.05"/>
+                      <dgm:constr type="lMarg" refType="primFontSz" fact="0.05"/>
+                      <dgm:constr type="rMarg" refType="primFontSz" fact="0.05"/>
+                    </dgm:constrLst>
+                    <dgm:ruleLst>
+                      <dgm:rule type="primFontSz" val="5" fact="NaN" max="NaN"/>
+                    </dgm:ruleLst>
+                  </dgm:layoutNode>
+                  <dgm:layoutNode name="level3hierChild">
+                    <dgm:choose name="Name19">
+                      <dgm:if name="Name20" func="var" arg="dir" op="equ" val="norm">
+                        <dgm:alg type="hierChild">
+                          <dgm:param type="linDir" val="fromT"/>
+                          <dgm:param type="chAlign" val="l"/>
+                        </dgm:alg>
+                      </dgm:if>
+                      <dgm:else name="Name21">
+                        <dgm:alg type="hierChild">
+                          <dgm:param type="linDir" val="fromT"/>
+                          <dgm:param type="chAlign" val="r"/>
+                        </dgm:alg>
+                      </dgm:else>
+                    </dgm:choose>
+                    <dgm:shape xmlns:r="http://schemas.openxmlformats.org/officeDocument/2006/relationships" r:blip="">
+                      <dgm:adjLst/>
+                    </dgm:shape>
+                    <dgm:presOf/>
+                    <dgm:constrLst/>
+                    <dgm:ruleLst/>
+                    <dgm:forEach name="Name22" ref="repeat"/>
+                  </dgm:layoutNode>
+                </dgm:layoutNode>
+              </dgm:forEach>
+            </dgm:forEach>
+          </dgm:layoutNode>
+        </dgm:layoutNode>
+      </dgm:forEach>
+    </dgm:forEach>
+  </dgm:layoutNode>
+</dgm:layoutDef>
+</file>
+
 <file path=ppt/diagrams/quickStyle1.xml><?xml version="1.0" encoding="utf-8"?>
 <dgm:styleDef xmlns:dgm="http://schemas.openxmlformats.org/drawingml/2006/diagram" xmlns:a="http://schemas.openxmlformats.org/drawingml/2006/main" uniqueId="urn:microsoft.com/office/officeart/2005/8/quickstyle/simple1">
   <dgm:title val=""/>
@@ -14253,6 +16420,1040 @@
 </file>
 
 <file path=ppt/diagrams/quickStyle4.xml><?xml version="1.0" encoding="utf-8"?>
+<dgm:styleDef xmlns:dgm="http://schemas.openxmlformats.org/drawingml/2006/diagram" xmlns:a="http://schemas.openxmlformats.org/drawingml/2006/main" uniqueId="urn:microsoft.com/office/officeart/2005/8/quickstyle/simple1">
+  <dgm:title val=""/>
+  <dgm:desc val=""/>
+  <dgm:catLst>
+    <dgm:cat type="simple" pri="10100"/>
+  </dgm:catLst>
+  <dgm:scene3d>
+    <a:camera prst="orthographicFront"/>
+    <a:lightRig rig="threePt" dir="t"/>
+  </dgm:scene3d>
+  <dgm:styleLbl name="node0">
+    <dgm:scene3d>
+      <a:camera prst="orthographicFront"/>
+      <a:lightRig rig="threePt" dir="t"/>
+    </dgm:scene3d>
+    <dgm:sp3d/>
+    <dgm:txPr/>
+    <dgm:style>
+      <a:lnRef idx="2">
+        <a:scrgbClr r="0" g="0" b="0"/>
+      </a:lnRef>
+      <a:fillRef idx="1">
+        <a:scrgbClr r="0" g="0" b="0"/>
+      </a:fillRef>
+      <a:effectRef idx="0">
+        <a:scrgbClr r="0" g="0" b="0"/>
+      </a:effectRef>
+      <a:fontRef idx="minor">
+        <a:schemeClr val="lt1"/>
+      </a:fontRef>
+    </dgm:style>
+  </dgm:styleLbl>
+  <dgm:styleLbl name="lnNode1">
+    <dgm:scene3d>
+      <a:camera prst="orthographicFront"/>
+      <a:lightRig rig="threePt" dir="t"/>
+    </dgm:scene3d>
+    <dgm:sp3d/>
+    <dgm:txPr/>
+    <dgm:style>
+      <a:lnRef idx="2">
+        <a:scrgbClr r="0" g="0" b="0"/>
+      </a:lnRef>
+      <a:fillRef idx="1">
+        <a:scrgbClr r="0" g="0" b="0"/>
+      </a:fillRef>
+      <a:effectRef idx="0">
+        <a:scrgbClr r="0" g="0" b="0"/>
+      </a:effectRef>
+      <a:fontRef idx="minor">
+        <a:schemeClr val="lt1"/>
+      </a:fontRef>
+    </dgm:style>
+  </dgm:styleLbl>
+  <dgm:styleLbl name="vennNode1">
+    <dgm:scene3d>
+      <a:camera prst="orthographicFront"/>
+      <a:lightRig rig="threePt" dir="t"/>
+    </dgm:scene3d>
+    <dgm:sp3d/>
+    <dgm:txPr/>
+    <dgm:style>
+      <a:lnRef idx="2">
+        <a:scrgbClr r="0" g="0" b="0"/>
+      </a:lnRef>
+      <a:fillRef idx="1">
+        <a:scrgbClr r="0" g="0" b="0"/>
+      </a:fillRef>
+      <a:effectRef idx="0">
+        <a:scrgbClr r="0" g="0" b="0"/>
+      </a:effectRef>
+      <a:fontRef idx="minor">
+        <a:schemeClr val="tx1"/>
+      </a:fontRef>
+    </dgm:style>
+  </dgm:styleLbl>
+  <dgm:styleLbl name="alignNode1">
+    <dgm:scene3d>
+      <a:camera prst="orthographicFront"/>
+      <a:lightRig rig="threePt" dir="t"/>
+    </dgm:scene3d>
+    <dgm:sp3d/>
+    <dgm:txPr/>
+    <dgm:style>
+      <a:lnRef idx="2">
+        <a:scrgbClr r="0" g="0" b="0"/>
+      </a:lnRef>
+      <a:fillRef idx="1">
+        <a:scrgbClr r="0" g="0" b="0"/>
+      </a:fillRef>
+      <a:effectRef idx="0">
+        <a:scrgbClr r="0" g="0" b="0"/>
+      </a:effectRef>
+      <a:fontRef idx="minor">
+        <a:schemeClr val="lt1"/>
+      </a:fontRef>
+    </dgm:style>
+  </dgm:styleLbl>
+  <dgm:styleLbl name="node1">
+    <dgm:scene3d>
+      <a:camera prst="orthographicFront"/>
+      <a:lightRig rig="threePt" dir="t"/>
+    </dgm:scene3d>
+    <dgm:sp3d/>
+    <dgm:txPr/>
+    <dgm:style>
+      <a:lnRef idx="2">
+        <a:scrgbClr r="0" g="0" b="0"/>
+      </a:lnRef>
+      <a:fillRef idx="1">
+        <a:scrgbClr r="0" g="0" b="0"/>
+      </a:fillRef>
+      <a:effectRef idx="0">
+        <a:scrgbClr r="0" g="0" b="0"/>
+      </a:effectRef>
+      <a:fontRef idx="minor">
+        <a:schemeClr val="lt1"/>
+      </a:fontRef>
+    </dgm:style>
+  </dgm:styleLbl>
+  <dgm:styleLbl name="node2">
+    <dgm:scene3d>
+      <a:camera prst="orthographicFront"/>
+      <a:lightRig rig="threePt" dir="t"/>
+    </dgm:scene3d>
+    <dgm:sp3d/>
+    <dgm:txPr/>
+    <dgm:style>
+      <a:lnRef idx="2">
+        <a:scrgbClr r="0" g="0" b="0"/>
+      </a:lnRef>
+      <a:fillRef idx="1">
+        <a:scrgbClr r="0" g="0" b="0"/>
+      </a:fillRef>
+      <a:effectRef idx="0">
+        <a:scrgbClr r="0" g="0" b="0"/>
+      </a:effectRef>
+      <a:fontRef idx="minor">
+        <a:schemeClr val="lt1"/>
+      </a:fontRef>
+    </dgm:style>
+  </dgm:styleLbl>
+  <dgm:styleLbl name="node3">
+    <dgm:scene3d>
+      <a:camera prst="orthographicFront"/>
+      <a:lightRig rig="threePt" dir="t"/>
+    </dgm:scene3d>
+    <dgm:sp3d/>
+    <dgm:txPr/>
+    <dgm:style>
+      <a:lnRef idx="2">
+        <a:scrgbClr r="0" g="0" b="0"/>
+      </a:lnRef>
+      <a:fillRef idx="1">
+        <a:scrgbClr r="0" g="0" b="0"/>
+      </a:fillRef>
+      <a:effectRef idx="0">
+        <a:scrgbClr r="0" g="0" b="0"/>
+      </a:effectRef>
+      <a:fontRef idx="minor">
+        <a:schemeClr val="lt1"/>
+      </a:fontRef>
+    </dgm:style>
+  </dgm:styleLbl>
+  <dgm:styleLbl name="node4">
+    <dgm:scene3d>
+      <a:camera prst="orthographicFront"/>
+      <a:lightRig rig="threePt" dir="t"/>
+    </dgm:scene3d>
+    <dgm:sp3d/>
+    <dgm:txPr/>
+    <dgm:style>
+      <a:lnRef idx="2">
+        <a:scrgbClr r="0" g="0" b="0"/>
+      </a:lnRef>
+      <a:fillRef idx="1">
+        <a:scrgbClr r="0" g="0" b="0"/>
+      </a:fillRef>
+      <a:effectRef idx="0">
+        <a:scrgbClr r="0" g="0" b="0"/>
+      </a:effectRef>
+      <a:fontRef idx="minor">
+        <a:schemeClr val="lt1"/>
+      </a:fontRef>
+    </dgm:style>
+  </dgm:styleLbl>
+  <dgm:styleLbl name="fgImgPlace1">
+    <dgm:scene3d>
+      <a:camera prst="orthographicFront"/>
+      <a:lightRig rig="threePt" dir="t"/>
+    </dgm:scene3d>
+    <dgm:sp3d/>
+    <dgm:txPr/>
+    <dgm:style>
+      <a:lnRef idx="2">
+        <a:scrgbClr r="0" g="0" b="0"/>
+      </a:lnRef>
+      <a:fillRef idx="1">
+        <a:scrgbClr r="0" g="0" b="0"/>
+      </a:fillRef>
+      <a:effectRef idx="0">
+        <a:scrgbClr r="0" g="0" b="0"/>
+      </a:effectRef>
+      <a:fontRef idx="minor"/>
+    </dgm:style>
+  </dgm:styleLbl>
+  <dgm:styleLbl name="alignImgPlace1">
+    <dgm:scene3d>
+      <a:camera prst="orthographicFront"/>
+      <a:lightRig rig="threePt" dir="t"/>
+    </dgm:scene3d>
+    <dgm:sp3d/>
+    <dgm:txPr/>
+    <dgm:style>
+      <a:lnRef idx="2">
+        <a:scrgbClr r="0" g="0" b="0"/>
+      </a:lnRef>
+      <a:fillRef idx="1">
+        <a:scrgbClr r="0" g="0" b="0"/>
+      </a:fillRef>
+      <a:effectRef idx="0">
+        <a:scrgbClr r="0" g="0" b="0"/>
+      </a:effectRef>
+      <a:fontRef idx="minor"/>
+    </dgm:style>
+  </dgm:styleLbl>
+  <dgm:styleLbl name="bgImgPlace1">
+    <dgm:scene3d>
+      <a:camera prst="orthographicFront"/>
+      <a:lightRig rig="threePt" dir="t"/>
+    </dgm:scene3d>
+    <dgm:sp3d/>
+    <dgm:txPr/>
+    <dgm:style>
+      <a:lnRef idx="2">
+        <a:scrgbClr r="0" g="0" b="0"/>
+      </a:lnRef>
+      <a:fillRef idx="1">
+        <a:scrgbClr r="0" g="0" b="0"/>
+      </a:fillRef>
+      <a:effectRef idx="0">
+        <a:scrgbClr r="0" g="0" b="0"/>
+      </a:effectRef>
+      <a:fontRef idx="minor"/>
+    </dgm:style>
+  </dgm:styleLbl>
+  <dgm:styleLbl name="sibTrans2D1">
+    <dgm:scene3d>
+      <a:camera prst="orthographicFront"/>
+      <a:lightRig rig="threePt" dir="t"/>
+    </dgm:scene3d>
+    <dgm:sp3d/>
+    <dgm:txPr/>
+    <dgm:style>
+      <a:lnRef idx="0">
+        <a:scrgbClr r="0" g="0" b="0"/>
+      </a:lnRef>
+      <a:fillRef idx="1">
+        <a:scrgbClr r="0" g="0" b="0"/>
+      </a:fillRef>
+      <a:effectRef idx="0">
+        <a:scrgbClr r="0" g="0" b="0"/>
+      </a:effectRef>
+      <a:fontRef idx="minor">
+        <a:schemeClr val="lt1"/>
+      </a:fontRef>
+    </dgm:style>
+  </dgm:styleLbl>
+  <dgm:styleLbl name="fgSibTrans2D1">
+    <dgm:scene3d>
+      <a:camera prst="orthographicFront"/>
+      <a:lightRig rig="threePt" dir="t"/>
+    </dgm:scene3d>
+    <dgm:sp3d/>
+    <dgm:txPr/>
+    <dgm:style>
+      <a:lnRef idx="0">
+        <a:scrgbClr r="0" g="0" b="0"/>
+      </a:lnRef>
+      <a:fillRef idx="1">
+        <a:scrgbClr r="0" g="0" b="0"/>
+      </a:fillRef>
+      <a:effectRef idx="0">
+        <a:scrgbClr r="0" g="0" b="0"/>
+      </a:effectRef>
+      <a:fontRef idx="minor">
+        <a:schemeClr val="lt1"/>
+      </a:fontRef>
+    </dgm:style>
+  </dgm:styleLbl>
+  <dgm:styleLbl name="bgSibTrans2D1">
+    <dgm:scene3d>
+      <a:camera prst="orthographicFront"/>
+      <a:lightRig rig="threePt" dir="t"/>
+    </dgm:scene3d>
+    <dgm:sp3d/>
+    <dgm:txPr/>
+    <dgm:style>
+      <a:lnRef idx="0">
+        <a:scrgbClr r="0" g="0" b="0"/>
+      </a:lnRef>
+      <a:fillRef idx="1">
+        <a:scrgbClr r="0" g="0" b="0"/>
+      </a:fillRef>
+      <a:effectRef idx="0">
+        <a:scrgbClr r="0" g="0" b="0"/>
+      </a:effectRef>
+      <a:fontRef idx="minor">
+        <a:schemeClr val="lt1"/>
+      </a:fontRef>
+    </dgm:style>
+  </dgm:styleLbl>
+  <dgm:styleLbl name="sibTrans1D1">
+    <dgm:scene3d>
+      <a:camera prst="orthographicFront"/>
+      <a:lightRig rig="threePt" dir="t"/>
+    </dgm:scene3d>
+    <dgm:sp3d/>
+    <dgm:txPr/>
+    <dgm:style>
+      <a:lnRef idx="1">
+        <a:scrgbClr r="0" g="0" b="0"/>
+      </a:lnRef>
+      <a:fillRef idx="0">
+        <a:scrgbClr r="0" g="0" b="0"/>
+      </a:fillRef>
+      <a:effectRef idx="0">
+        <a:scrgbClr r="0" g="0" b="0"/>
+      </a:effectRef>
+      <a:fontRef idx="minor"/>
+    </dgm:style>
+  </dgm:styleLbl>
+  <dgm:styleLbl name="callout">
+    <dgm:scene3d>
+      <a:camera prst="orthographicFront"/>
+      <a:lightRig rig="threePt" dir="t"/>
+    </dgm:scene3d>
+    <dgm:sp3d/>
+    <dgm:txPr/>
+    <dgm:style>
+      <a:lnRef idx="2">
+        <a:scrgbClr r="0" g="0" b="0"/>
+      </a:lnRef>
+      <a:fillRef idx="1">
+        <a:scrgbClr r="0" g="0" b="0"/>
+      </a:fillRef>
+      <a:effectRef idx="0">
+        <a:scrgbClr r="0" g="0" b="0"/>
+      </a:effectRef>
+      <a:fontRef idx="minor"/>
+    </dgm:style>
+  </dgm:styleLbl>
+  <dgm:styleLbl name="asst0">
+    <dgm:scene3d>
+      <a:camera prst="orthographicFront"/>
+      <a:lightRig rig="threePt" dir="t"/>
+    </dgm:scene3d>
+    <dgm:sp3d/>
+    <dgm:txPr/>
+    <dgm:style>
+      <a:lnRef idx="2">
+        <a:scrgbClr r="0" g="0" b="0"/>
+      </a:lnRef>
+      <a:fillRef idx="1">
+        <a:scrgbClr r="0" g="0" b="0"/>
+      </a:fillRef>
+      <a:effectRef idx="0">
+        <a:scrgbClr r="0" g="0" b="0"/>
+      </a:effectRef>
+      <a:fontRef idx="minor">
+        <a:schemeClr val="lt1"/>
+      </a:fontRef>
+    </dgm:style>
+  </dgm:styleLbl>
+  <dgm:styleLbl name="asst1">
+    <dgm:scene3d>
+      <a:camera prst="orthographicFront"/>
+      <a:lightRig rig="threePt" dir="t"/>
+    </dgm:scene3d>
+    <dgm:sp3d/>
+    <dgm:txPr/>
+    <dgm:style>
+      <a:lnRef idx="2">
+        <a:scrgbClr r="0" g="0" b="0"/>
+      </a:lnRef>
+      <a:fillRef idx="1">
+        <a:scrgbClr r="0" g="0" b="0"/>
+      </a:fillRef>
+      <a:effectRef idx="0">
+        <a:scrgbClr r="0" g="0" b="0"/>
+      </a:effectRef>
+      <a:fontRef idx="minor">
+        <a:schemeClr val="lt1"/>
+      </a:fontRef>
+    </dgm:style>
+  </dgm:styleLbl>
+  <dgm:styleLbl name="asst2">
+    <dgm:scene3d>
+      <a:camera prst="orthographicFront"/>
+      <a:lightRig rig="threePt" dir="t"/>
+    </dgm:scene3d>
+    <dgm:sp3d/>
+    <dgm:txPr/>
+    <dgm:style>
+      <a:lnRef idx="2">
+        <a:scrgbClr r="0" g="0" b="0"/>
+      </a:lnRef>
+      <a:fillRef idx="1">
+        <a:scrgbClr r="0" g="0" b="0"/>
+      </a:fillRef>
+      <a:effectRef idx="0">
+        <a:scrgbClr r="0" g="0" b="0"/>
+      </a:effectRef>
+      <a:fontRef idx="minor">
+        <a:schemeClr val="lt1"/>
+      </a:fontRef>
+    </dgm:style>
+  </dgm:styleLbl>
+  <dgm:styleLbl name="asst3">
+    <dgm:scene3d>
+      <a:camera prst="orthographicFront"/>
+      <a:lightRig rig="threePt" dir="t"/>
+    </dgm:scene3d>
+    <dgm:sp3d/>
+    <dgm:txPr/>
+    <dgm:style>
+      <a:lnRef idx="2">
+        <a:scrgbClr r="0" g="0" b="0"/>
+      </a:lnRef>
+      <a:fillRef idx="1">
+        <a:scrgbClr r="0" g="0" b="0"/>
+      </a:fillRef>
+      <a:effectRef idx="0">
+        <a:scrgbClr r="0" g="0" b="0"/>
+      </a:effectRef>
+      <a:fontRef idx="minor">
+        <a:schemeClr val="lt1"/>
+      </a:fontRef>
+    </dgm:style>
+  </dgm:styleLbl>
+  <dgm:styleLbl name="asst4">
+    <dgm:scene3d>
+      <a:camera prst="orthographicFront"/>
+      <a:lightRig rig="threePt" dir="t"/>
+    </dgm:scene3d>
+    <dgm:sp3d/>
+    <dgm:txPr/>
+    <dgm:style>
+      <a:lnRef idx="2">
+        <a:scrgbClr r="0" g="0" b="0"/>
+      </a:lnRef>
+      <a:fillRef idx="1">
+        <a:scrgbClr r="0" g="0" b="0"/>
+      </a:fillRef>
+      <a:effectRef idx="0">
+        <a:scrgbClr r="0" g="0" b="0"/>
+      </a:effectRef>
+      <a:fontRef idx="minor">
+        <a:schemeClr val="lt1"/>
+      </a:fontRef>
+    </dgm:style>
+  </dgm:styleLbl>
+  <dgm:styleLbl name="parChTrans2D1">
+    <dgm:scene3d>
+      <a:camera prst="orthographicFront"/>
+      <a:lightRig rig="threePt" dir="t"/>
+    </dgm:scene3d>
+    <dgm:sp3d/>
+    <dgm:txPr/>
+    <dgm:style>
+      <a:lnRef idx="2">
+        <a:scrgbClr r="0" g="0" b="0"/>
+      </a:lnRef>
+      <a:fillRef idx="1">
+        <a:scrgbClr r="0" g="0" b="0"/>
+      </a:fillRef>
+      <a:effectRef idx="0">
+        <a:scrgbClr r="0" g="0" b="0"/>
+      </a:effectRef>
+      <a:fontRef idx="minor">
+        <a:schemeClr val="lt1"/>
+      </a:fontRef>
+    </dgm:style>
+  </dgm:styleLbl>
+  <dgm:styleLbl name="parChTrans2D2">
+    <dgm:scene3d>
+      <a:camera prst="orthographicFront"/>
+      <a:lightRig rig="threePt" dir="t"/>
+    </dgm:scene3d>
+    <dgm:sp3d/>
+    <dgm:txPr/>
+    <dgm:style>
+      <a:lnRef idx="2">
+        <a:scrgbClr r="0" g="0" b="0"/>
+      </a:lnRef>
+      <a:fillRef idx="1">
+        <a:scrgbClr r="0" g="0" b="0"/>
+      </a:fillRef>
+      <a:effectRef idx="0">
+        <a:scrgbClr r="0" g="0" b="0"/>
+      </a:effectRef>
+      <a:fontRef idx="minor">
+        <a:schemeClr val="lt1"/>
+      </a:fontRef>
+    </dgm:style>
+  </dgm:styleLbl>
+  <dgm:styleLbl name="parChTrans2D3">
+    <dgm:scene3d>
+      <a:camera prst="orthographicFront"/>
+      <a:lightRig rig="threePt" dir="t"/>
+    </dgm:scene3d>
+    <dgm:sp3d/>
+    <dgm:txPr/>
+    <dgm:style>
+      <a:lnRef idx="2">
+        <a:scrgbClr r="0" g="0" b="0"/>
+      </a:lnRef>
+      <a:fillRef idx="1">
+        <a:scrgbClr r="0" g="0" b="0"/>
+      </a:fillRef>
+      <a:effectRef idx="0">
+        <a:scrgbClr r="0" g="0" b="0"/>
+      </a:effectRef>
+      <a:fontRef idx="minor">
+        <a:schemeClr val="lt1"/>
+      </a:fontRef>
+    </dgm:style>
+  </dgm:styleLbl>
+  <dgm:styleLbl name="parChTrans2D4">
+    <dgm:scene3d>
+      <a:camera prst="orthographicFront"/>
+      <a:lightRig rig="threePt" dir="t"/>
+    </dgm:scene3d>
+    <dgm:sp3d/>
+    <dgm:txPr/>
+    <dgm:style>
+      <a:lnRef idx="2">
+        <a:scrgbClr r="0" g="0" b="0"/>
+      </a:lnRef>
+      <a:fillRef idx="1">
+        <a:scrgbClr r="0" g="0" b="0"/>
+      </a:fillRef>
+      <a:effectRef idx="0">
+        <a:scrgbClr r="0" g="0" b="0"/>
+      </a:effectRef>
+      <a:fontRef idx="minor">
+        <a:schemeClr val="lt1"/>
+      </a:fontRef>
+    </dgm:style>
+  </dgm:styleLbl>
+  <dgm:styleLbl name="parChTrans1D1">
+    <dgm:scene3d>
+      <a:camera prst="orthographicFront"/>
+      <a:lightRig rig="threePt" dir="t"/>
+    </dgm:scene3d>
+    <dgm:sp3d/>
+    <dgm:txPr/>
+    <dgm:style>
+      <a:lnRef idx="2">
+        <a:scrgbClr r="0" g="0" b="0"/>
+      </a:lnRef>
+      <a:fillRef idx="0">
+        <a:scrgbClr r="0" g="0" b="0"/>
+      </a:fillRef>
+      <a:effectRef idx="0">
+        <a:scrgbClr r="0" g="0" b="0"/>
+      </a:effectRef>
+      <a:fontRef idx="minor"/>
+    </dgm:style>
+  </dgm:styleLbl>
+  <dgm:styleLbl name="parChTrans1D2">
+    <dgm:scene3d>
+      <a:camera prst="orthographicFront"/>
+      <a:lightRig rig="threePt" dir="t"/>
+    </dgm:scene3d>
+    <dgm:sp3d/>
+    <dgm:txPr/>
+    <dgm:style>
+      <a:lnRef idx="2">
+        <a:scrgbClr r="0" g="0" b="0"/>
+      </a:lnRef>
+      <a:fillRef idx="0">
+        <a:scrgbClr r="0" g="0" b="0"/>
+      </a:fillRef>
+      <a:effectRef idx="0">
+        <a:scrgbClr r="0" g="0" b="0"/>
+      </a:effectRef>
+      <a:fontRef idx="minor"/>
+    </dgm:style>
+  </dgm:styleLbl>
+  <dgm:styleLbl name="parChTrans1D3">
+    <dgm:scene3d>
+      <a:camera prst="orthographicFront"/>
+      <a:lightRig rig="threePt" dir="t"/>
+    </dgm:scene3d>
+    <dgm:sp3d/>
+    <dgm:txPr/>
+    <dgm:style>
+      <a:lnRef idx="2">
+        <a:scrgbClr r="0" g="0" b="0"/>
+      </a:lnRef>
+      <a:fillRef idx="0">
+        <a:scrgbClr r="0" g="0" b="0"/>
+      </a:fillRef>
+      <a:effectRef idx="0">
+        <a:scrgbClr r="0" g="0" b="0"/>
+      </a:effectRef>
+      <a:fontRef idx="minor"/>
+    </dgm:style>
+  </dgm:styleLbl>
+  <dgm:styleLbl name="parChTrans1D4">
+    <dgm:scene3d>
+      <a:camera prst="orthographicFront"/>
+      <a:lightRig rig="threePt" dir="t"/>
+    </dgm:scene3d>
+    <dgm:sp3d/>
+    <dgm:txPr/>
+    <dgm:style>
+      <a:lnRef idx="2">
+        <a:scrgbClr r="0" g="0" b="0"/>
+      </a:lnRef>
+      <a:fillRef idx="0">
+        <a:scrgbClr r="0" g="0" b="0"/>
+      </a:fillRef>
+      <a:effectRef idx="0">
+        <a:scrgbClr r="0" g="0" b="0"/>
+      </a:effectRef>
+      <a:fontRef idx="minor"/>
+    </dgm:style>
+  </dgm:styleLbl>
+  <dgm:styleLbl name="fgAcc1">
+    <dgm:scene3d>
+      <a:camera prst="orthographicFront"/>
+      <a:lightRig rig="threePt" dir="t"/>
+    </dgm:scene3d>
+    <dgm:sp3d/>
+    <dgm:txPr/>
+    <dgm:style>
+      <a:lnRef idx="2">
+        <a:scrgbClr r="0" g="0" b="0"/>
+      </a:lnRef>
+      <a:fillRef idx="1">
+        <a:scrgbClr r="0" g="0" b="0"/>
+      </a:fillRef>
+      <a:effectRef idx="0">
+        <a:scrgbClr r="0" g="0" b="0"/>
+      </a:effectRef>
+      <a:fontRef idx="minor"/>
+    </dgm:style>
+  </dgm:styleLbl>
+  <dgm:styleLbl name="conFgAcc1">
+    <dgm:scene3d>
+      <a:camera prst="orthographicFront"/>
+      <a:lightRig rig="threePt" dir="t"/>
+    </dgm:scene3d>
+    <dgm:sp3d/>
+    <dgm:txPr/>
+    <dgm:style>
+      <a:lnRef idx="2">
+        <a:scrgbClr r="0" g="0" b="0"/>
+      </a:lnRef>
+      <a:fillRef idx="1">
+        <a:scrgbClr r="0" g="0" b="0"/>
+      </a:fillRef>
+      <a:effectRef idx="0">
+        <a:scrgbClr r="0" g="0" b="0"/>
+      </a:effectRef>
+      <a:fontRef idx="minor"/>
+    </dgm:style>
+  </dgm:styleLbl>
+  <dgm:styleLbl name="alignAcc1">
+    <dgm:scene3d>
+      <a:camera prst="orthographicFront"/>
+      <a:lightRig rig="threePt" dir="t"/>
+    </dgm:scene3d>
+    <dgm:sp3d/>
+    <dgm:txPr/>
+    <dgm:style>
+      <a:lnRef idx="2">
+        <a:scrgbClr r="0" g="0" b="0"/>
+      </a:lnRef>
+      <a:fillRef idx="1">
+        <a:scrgbClr r="0" g="0" b="0"/>
+      </a:fillRef>
+      <a:effectRef idx="0">
+        <a:scrgbClr r="0" g="0" b="0"/>
+      </a:effectRef>
+      <a:fontRef idx="minor"/>
+    </dgm:style>
+  </dgm:styleLbl>
+  <dgm:styleLbl name="trAlignAcc1">
+    <dgm:scene3d>
+      <a:camera prst="orthographicFront"/>
+      <a:lightRig rig="threePt" dir="t"/>
+    </dgm:scene3d>
+    <dgm:sp3d/>
+    <dgm:txPr/>
+    <dgm:style>
+      <a:lnRef idx="1">
+        <a:scrgbClr r="0" g="0" b="0"/>
+      </a:lnRef>
+      <a:fillRef idx="1">
+        <a:scrgbClr r="0" g="0" b="0"/>
+      </a:fillRef>
+      <a:effectRef idx="0">
+        <a:scrgbClr r="0" g="0" b="0"/>
+      </a:effectRef>
+      <a:fontRef idx="minor"/>
+    </dgm:style>
+  </dgm:styleLbl>
+  <dgm:styleLbl name="bgAcc1">
+    <dgm:scene3d>
+      <a:camera prst="orthographicFront"/>
+      <a:lightRig rig="threePt" dir="t"/>
+    </dgm:scene3d>
+    <dgm:sp3d/>
+    <dgm:txPr/>
+    <dgm:style>
+      <a:lnRef idx="2">
+        <a:scrgbClr r="0" g="0" b="0"/>
+      </a:lnRef>
+      <a:fillRef idx="1">
+        <a:scrgbClr r="0" g="0" b="0"/>
+      </a:fillRef>
+      <a:effectRef idx="0">
+        <a:scrgbClr r="0" g="0" b="0"/>
+      </a:effectRef>
+      <a:fontRef idx="minor"/>
+    </dgm:style>
+  </dgm:styleLbl>
+  <dgm:styleLbl name="solidFgAcc1">
+    <dgm:scene3d>
+      <a:camera prst="orthographicFront"/>
+      <a:lightRig rig="threePt" dir="t"/>
+    </dgm:scene3d>
+    <dgm:sp3d/>
+    <dgm:txPr/>
+    <dgm:style>
+      <a:lnRef idx="2">
+        <a:scrgbClr r="0" g="0" b="0"/>
+      </a:lnRef>
+      <a:fillRef idx="1">
+        <a:scrgbClr r="0" g="0" b="0"/>
+      </a:fillRef>
+      <a:effectRef idx="0">
+        <a:scrgbClr r="0" g="0" b="0"/>
+      </a:effectRef>
+      <a:fontRef idx="minor"/>
+    </dgm:style>
+  </dgm:styleLbl>
+  <dgm:styleLbl name="solidAlignAcc1">
+    <dgm:scene3d>
+      <a:camera prst="orthographicFront"/>
+      <a:lightRig rig="threePt" dir="t"/>
+    </dgm:scene3d>
+    <dgm:sp3d/>
+    <dgm:txPr/>
+    <dgm:style>
+      <a:lnRef idx="2">
+        <a:scrgbClr r="0" g="0" b="0"/>
+      </a:lnRef>
+      <a:fillRef idx="1">
+        <a:scrgbClr r="0" g="0" b="0"/>
+      </a:fillRef>
+      <a:effectRef idx="0">
+        <a:scrgbClr r="0" g="0" b="0"/>
+      </a:effectRef>
+      <a:fontRef idx="minor"/>
+    </dgm:style>
+  </dgm:styleLbl>
+  <dgm:styleLbl name="solidBgAcc1">
+    <dgm:scene3d>
+      <a:camera prst="orthographicFront"/>
+      <a:lightRig rig="threePt" dir="t"/>
+    </dgm:scene3d>
+    <dgm:sp3d/>
+    <dgm:txPr/>
+    <dgm:style>
+      <a:lnRef idx="2">
+        <a:scrgbClr r="0" g="0" b="0"/>
+      </a:lnRef>
+      <a:fillRef idx="1">
+        <a:scrgbClr r="0" g="0" b="0"/>
+      </a:fillRef>
+      <a:effectRef idx="0">
+        <a:scrgbClr r="0" g="0" b="0"/>
+      </a:effectRef>
+      <a:fontRef idx="minor"/>
+    </dgm:style>
+  </dgm:styleLbl>
+  <dgm:styleLbl name="fgAccFollowNode1">
+    <dgm:scene3d>
+      <a:camera prst="orthographicFront"/>
+      <a:lightRig rig="threePt" dir="t"/>
+    </dgm:scene3d>
+    <dgm:sp3d/>
+    <dgm:txPr/>
+    <dgm:style>
+      <a:lnRef idx="2">
+        <a:scrgbClr r="0" g="0" b="0"/>
+      </a:lnRef>
+      <a:fillRef idx="1">
+        <a:scrgbClr r="0" g="0" b="0"/>
+      </a:fillRef>
+      <a:effectRef idx="0">
+        <a:scrgbClr r="0" g="0" b="0"/>
+      </a:effectRef>
+      <a:fontRef idx="minor"/>
+    </dgm:style>
+  </dgm:styleLbl>
+  <dgm:styleLbl name="alignAccFollowNode1">
+    <dgm:scene3d>
+      <a:camera prst="orthographicFront"/>
+      <a:lightRig rig="threePt" dir="t"/>
+    </dgm:scene3d>
+    <dgm:sp3d/>
+    <dgm:txPr/>
+    <dgm:style>
+      <a:lnRef idx="2">
+        <a:scrgbClr r="0" g="0" b="0"/>
+      </a:lnRef>
+      <a:fillRef idx="1">
+        <a:scrgbClr r="0" g="0" b="0"/>
+      </a:fillRef>
+      <a:effectRef idx="0">
+        <a:scrgbClr r="0" g="0" b="0"/>
+      </a:effectRef>
+      <a:fontRef idx="minor"/>
+    </dgm:style>
+  </dgm:styleLbl>
+  <dgm:styleLbl name="bgAccFollowNode1">
+    <dgm:scene3d>
+      <a:camera prst="orthographicFront"/>
+      <a:lightRig rig="threePt" dir="t"/>
+    </dgm:scene3d>
+    <dgm:sp3d/>
+    <dgm:txPr/>
+    <dgm:style>
+      <a:lnRef idx="2">
+        <a:scrgbClr r="0" g="0" b="0"/>
+      </a:lnRef>
+      <a:fillRef idx="1">
+        <a:scrgbClr r="0" g="0" b="0"/>
+      </a:fillRef>
+      <a:effectRef idx="0">
+        <a:scrgbClr r="0" g="0" b="0"/>
+      </a:effectRef>
+      <a:fontRef idx="minor"/>
+    </dgm:style>
+  </dgm:styleLbl>
+  <dgm:styleLbl name="fgAcc0">
+    <dgm:scene3d>
+      <a:camera prst="orthographicFront"/>
+      <a:lightRig rig="threePt" dir="t"/>
+    </dgm:scene3d>
+    <dgm:sp3d/>
+    <dgm:txPr/>
+    <dgm:style>
+      <a:lnRef idx="2">
+        <a:scrgbClr r="0" g="0" b="0"/>
+      </a:lnRef>
+      <a:fillRef idx="1">
+        <a:scrgbClr r="0" g="0" b="0"/>
+      </a:fillRef>
+      <a:effectRef idx="0">
+        <a:scrgbClr r="0" g="0" b="0"/>
+      </a:effectRef>
+      <a:fontRef idx="minor"/>
+    </dgm:style>
+  </dgm:styleLbl>
+  <dgm:styleLbl name="fgAcc2">
+    <dgm:scene3d>
+      <a:camera prst="orthographicFront"/>
+      <a:lightRig rig="threePt" dir="t"/>
+    </dgm:scene3d>
+    <dgm:sp3d/>
+    <dgm:txPr/>
+    <dgm:style>
+      <a:lnRef idx="2">
+        <a:scrgbClr r="0" g="0" b="0"/>
+      </a:lnRef>
+      <a:fillRef idx="1">
+        <a:scrgbClr r="0" g="0" b="0"/>
+      </a:fillRef>
+      <a:effectRef idx="0">
+        <a:scrgbClr r="0" g="0" b="0"/>
+      </a:effectRef>
+      <a:fontRef idx="minor"/>
+    </dgm:style>
+  </dgm:styleLbl>
+  <dgm:styleLbl name="fgAcc3">
+    <dgm:scene3d>
+      <a:camera prst="orthographicFront"/>
+      <a:lightRig rig="threePt" dir="t"/>
+    </dgm:scene3d>
+    <dgm:sp3d/>
+    <dgm:txPr/>
+    <dgm:style>
+      <a:lnRef idx="2">
+        <a:scrgbClr r="0" g="0" b="0"/>
+      </a:lnRef>
+      <a:fillRef idx="1">
+        <a:scrgbClr r="0" g="0" b="0"/>
+      </a:fillRef>
+      <a:effectRef idx="0">
+        <a:scrgbClr r="0" g="0" b="0"/>
+      </a:effectRef>
+      <a:fontRef idx="minor"/>
+    </dgm:style>
+  </dgm:styleLbl>
+  <dgm:styleLbl name="fgAcc4">
+    <dgm:scene3d>
+      <a:camera prst="orthographicFront"/>
+      <a:lightRig rig="threePt" dir="t"/>
+    </dgm:scene3d>
+    <dgm:sp3d/>
+    <dgm:txPr/>
+    <dgm:style>
+      <a:lnRef idx="2">
+        <a:scrgbClr r="0" g="0" b="0"/>
+      </a:lnRef>
+      <a:fillRef idx="1">
+        <a:scrgbClr r="0" g="0" b="0"/>
+      </a:fillRef>
+      <a:effectRef idx="0">
+        <a:scrgbClr r="0" g="0" b="0"/>
+      </a:effectRef>
+      <a:fontRef idx="minor"/>
+    </dgm:style>
+  </dgm:styleLbl>
+  <dgm:styleLbl name="bgShp">
+    <dgm:scene3d>
+      <a:camera prst="orthographicFront"/>
+      <a:lightRig rig="threePt" dir="t"/>
+    </dgm:scene3d>
+    <dgm:sp3d/>
+    <dgm:txPr/>
+    <dgm:style>
+      <a:lnRef idx="0">
+        <a:scrgbClr r="0" g="0" b="0"/>
+      </a:lnRef>
+      <a:fillRef idx="1">
+        <a:scrgbClr r="0" g="0" b="0"/>
+      </a:fillRef>
+      <a:effectRef idx="0">
+        <a:scrgbClr r="0" g="0" b="0"/>
+      </a:effectRef>
+      <a:fontRef idx="minor"/>
+    </dgm:style>
+  </dgm:styleLbl>
+  <dgm:styleLbl name="dkBgShp">
+    <dgm:scene3d>
+      <a:camera prst="orthographicFront"/>
+      <a:lightRig rig="threePt" dir="t"/>
+    </dgm:scene3d>
+    <dgm:sp3d/>
+    <dgm:txPr/>
+    <dgm:style>
+      <a:lnRef idx="0">
+        <a:scrgbClr r="0" g="0" b="0"/>
+      </a:lnRef>
+      <a:fillRef idx="1">
+        <a:scrgbClr r="0" g="0" b="0"/>
+      </a:fillRef>
+      <a:effectRef idx="0">
+        <a:scrgbClr r="0" g="0" b="0"/>
+      </a:effectRef>
+      <a:fontRef idx="minor"/>
+    </dgm:style>
+  </dgm:styleLbl>
+  <dgm:styleLbl name="trBgShp">
+    <dgm:scene3d>
+      <a:camera prst="orthographicFront"/>
+      <a:lightRig rig="threePt" dir="t"/>
+    </dgm:scene3d>
+    <dgm:sp3d/>
+    <dgm:txPr/>
+    <dgm:style>
+      <a:lnRef idx="0">
+        <a:scrgbClr r="0" g="0" b="0"/>
+      </a:lnRef>
+      <a:fillRef idx="1">
+        <a:scrgbClr r="0" g="0" b="0"/>
+      </a:fillRef>
+      <a:effectRef idx="0">
+        <a:scrgbClr r="0" g="0" b="0"/>
+      </a:effectRef>
+      <a:fontRef idx="minor"/>
+    </dgm:style>
+  </dgm:styleLbl>
+  <dgm:styleLbl name="fgShp">
+    <dgm:scene3d>
+      <a:camera prst="orthographicFront"/>
+      <a:lightRig rig="threePt" dir="t"/>
+    </dgm:scene3d>
+    <dgm:sp3d/>
+    <dgm:txPr/>
+    <dgm:style>
+      <a:lnRef idx="2">
+        <a:scrgbClr r="0" g="0" b="0"/>
+      </a:lnRef>
+      <a:fillRef idx="1">
+        <a:scrgbClr r="0" g="0" b="0"/>
+      </a:fillRef>
+      <a:effectRef idx="0">
+        <a:scrgbClr r="0" g="0" b="0"/>
+      </a:effectRef>
+      <a:fontRef idx="minor"/>
+    </dgm:style>
+  </dgm:styleLbl>
+  <dgm:styleLbl name="revTx">
+    <dgm:scene3d>
+      <a:camera prst="orthographicFront"/>
+      <a:lightRig rig="threePt" dir="t"/>
+    </dgm:scene3d>
+    <dgm:sp3d/>
+    <dgm:txPr/>
+    <dgm:style>
+      <a:lnRef idx="0">
+        <a:scrgbClr r="0" g="0" b="0"/>
+      </a:lnRef>
+      <a:fillRef idx="0">
+        <a:scrgbClr r="0" g="0" b="0"/>
+      </a:fillRef>
+      <a:effectRef idx="0">
+        <a:scrgbClr r="0" g="0" b="0"/>
+      </a:effectRef>
+      <a:fontRef idx="minor"/>
+    </dgm:style>
+  </dgm:styleLbl>
+</dgm:styleDef>
+</file>
+
+<file path=ppt/diagrams/quickStyle5.xml><?xml version="1.0" encoding="utf-8"?>
 <dgm:styleDef xmlns:dgm="http://schemas.openxmlformats.org/drawingml/2006/diagram" xmlns:a="http://schemas.openxmlformats.org/drawingml/2006/main" uniqueId="urn:microsoft.com/office/officeart/2005/8/quickstyle/simple1">
   <dgm:title val=""/>
   <dgm:desc val=""/>
@@ -15368,7 +18569,7 @@
           <a:p>
             <a:fld id="{4B69CDCA-E64B-A943-B702-DD7733AB0C8D}" type="datetimeFigureOut">
               <a:rPr lang="fr-FR" smtClean="0"/>
-              <a:t>01/11/2019</a:t>
+              <a:t>08/11/2019</a:t>
             </a:fld>
             <a:endParaRPr lang="fr-FR"/>
           </a:p>
@@ -15821,7 +19022,7 @@
             <a:fld id="{0C031793-CBA2-6848-B1BF-8F14D50C12D4}" type="datetime1">
               <a:rPr lang="fr-FR" smtClean="0"/>
               <a:pPr/>
-              <a:t>01/11/2019</a:t>
+              <a:t>08/11/2019</a:t>
             </a:fld>
             <a:endParaRPr lang="fr-FR" dirty="0"/>
           </a:p>
@@ -16140,7 +19341,7 @@
           <a:p>
             <a:fld id="{595D9934-1740-4448-857C-B5461CE44AF9}" type="datetime1">
               <a:rPr lang="fr-FR" smtClean="0"/>
-              <a:t>01/11/2019</a:t>
+              <a:t>08/11/2019</a:t>
             </a:fld>
             <a:endParaRPr lang="fr-FR"/>
           </a:p>
@@ -16323,7 +19524,7 @@
           <a:p>
             <a:fld id="{62B0FA18-4789-6245-9F99-73C898928011}" type="datetime1">
               <a:rPr lang="fr-FR" smtClean="0"/>
-              <a:t>01/11/2019</a:t>
+              <a:t>08/11/2019</a:t>
             </a:fld>
             <a:endParaRPr lang="fr-FR"/>
           </a:p>
@@ -16496,7 +19697,7 @@
           <a:p>
             <a:fld id="{DC1AF0C8-2255-D045-AFB8-C8BB8EF94D16}" type="datetime1">
               <a:rPr lang="fr-FR" smtClean="0"/>
-              <a:t>01/11/2019</a:t>
+              <a:t>08/11/2019</a:t>
             </a:fld>
             <a:endParaRPr lang="fr-FR"/>
           </a:p>
@@ -16743,7 +19944,7 @@
           <a:p>
             <a:fld id="{F82E36F3-83CE-7245-A3C4-9DB8E0D02540}" type="datetime1">
               <a:rPr lang="fr-FR" smtClean="0"/>
-              <a:t>01/11/2019</a:t>
+              <a:t>08/11/2019</a:t>
             </a:fld>
             <a:endParaRPr lang="fr-FR"/>
           </a:p>
@@ -16978,7 +20179,7 @@
           <a:p>
             <a:fld id="{223C6EE7-0E00-9048-ACBE-9C4FBD2AEF7C}" type="datetime1">
               <a:rPr lang="fr-FR" smtClean="0"/>
-              <a:t>01/11/2019</a:t>
+              <a:t>08/11/2019</a:t>
             </a:fld>
             <a:endParaRPr lang="fr-FR"/>
           </a:p>
@@ -17348,7 +20549,7 @@
           <a:p>
             <a:fld id="{9E86E127-E23D-E74C-8F56-46A0AB6FD150}" type="datetime1">
               <a:rPr lang="fr-FR" smtClean="0"/>
-              <a:t>01/11/2019</a:t>
+              <a:t>08/11/2019</a:t>
             </a:fld>
             <a:endParaRPr lang="fr-FR"/>
           </a:p>
@@ -17469,7 +20670,7 @@
           <a:p>
             <a:fld id="{2004C70A-11C1-0C4F-9D8F-8FD8F59824E8}" type="datetime1">
               <a:rPr lang="fr-FR" smtClean="0"/>
-              <a:t>01/11/2019</a:t>
+              <a:t>08/11/2019</a:t>
             </a:fld>
             <a:endParaRPr lang="fr-FR"/>
           </a:p>
@@ -17567,7 +20768,7 @@
           <a:p>
             <a:fld id="{B08FB7C3-47F6-7746-B42A-4F89B6F64CA4}" type="datetime1">
               <a:rPr lang="fr-FR" smtClean="0"/>
-              <a:t>01/11/2019</a:t>
+              <a:t>08/11/2019</a:t>
             </a:fld>
             <a:endParaRPr lang="fr-FR"/>
           </a:p>
@@ -17847,7 +21048,7 @@
           <a:p>
             <a:fld id="{AF0B3876-A6B1-CA4E-B887-E7AF3605B51E}" type="datetime1">
               <a:rPr lang="fr-FR" smtClean="0"/>
-              <a:t>01/11/2019</a:t>
+              <a:t>08/11/2019</a:t>
             </a:fld>
             <a:endParaRPr lang="fr-FR"/>
           </a:p>
@@ -18107,7 +21308,7 @@
           <a:p>
             <a:fld id="{50B35551-8540-9641-A215-130D7495E71C}" type="datetime1">
               <a:rPr lang="fr-FR" smtClean="0"/>
-              <a:t>01/11/2019</a:t>
+              <a:t>08/11/2019</a:t>
             </a:fld>
             <a:endParaRPr lang="fr-FR"/>
           </a:p>
@@ -18323,7 +21524,7 @@
           <a:p>
             <a:fld id="{728E0450-E201-B242-B6E1-F87817FD333F}" type="datetime1">
               <a:rPr lang="fr-FR" smtClean="0"/>
-              <a:t>01/11/2019</a:t>
+              <a:t>08/11/2019</a:t>
             </a:fld>
             <a:endParaRPr lang="fr-FR"/>
           </a:p>
@@ -18950,1241 +22151,6 @@
         </p:spPr>
         <p:txBody>
           <a:bodyPr anchor="t">
-            <a:normAutofit fontScale="90000"/>
-          </a:bodyPr>
-          <a:lstStyle/>
-          <a:p>
-            <a:pPr algn="l"/>
-            <a:r>
-              <a:rPr lang="fr-FR" sz="2800" b="1" dirty="0">
-                <a:solidFill>
-                  <a:schemeClr val="accent1"/>
-                </a:solidFill>
-                <a:latin typeface="Apple Braille" pitchFamily="2" charset="0"/>
-              </a:rPr>
-              <a:t>3. Notre proposition : Choix technique - Sur Mesure</a:t>
-            </a:r>
-            <a:endParaRPr lang="fr-FR" sz="2400" dirty="0"/>
-          </a:p>
-        </p:txBody>
-      </p:sp>
-      <p:sp>
-        <p:nvSpPr>
-          <p:cNvPr id="3" name="Espace réservé du pied de page 2">
-            <a:extLst>
-              <a:ext uri="{FF2B5EF4-FFF2-40B4-BE49-F238E27FC236}">
-                <a16:creationId xmlns:a16="http://schemas.microsoft.com/office/drawing/2014/main" id="{05D91EF7-03BC-704B-A9DD-31465C65BF78}"/>
-              </a:ext>
-            </a:extLst>
-          </p:cNvPr>
-          <p:cNvSpPr>
-            <a:spLocks noGrp="1"/>
-          </p:cNvSpPr>
-          <p:nvPr>
-            <p:ph type="ftr" sz="quarter" idx="11"/>
-          </p:nvPr>
-        </p:nvSpPr>
-        <p:spPr/>
-        <p:txBody>
-          <a:bodyPr/>
-          <a:lstStyle/>
-          <a:p>
-            <a:r>
-              <a:rPr lang="fr-FR" dirty="0"/>
-              <a:t>IT C&amp;D</a:t>
-            </a:r>
-          </a:p>
-        </p:txBody>
-      </p:sp>
-      <p:sp>
-        <p:nvSpPr>
-          <p:cNvPr id="4" name="ZoneTexte 3">
-            <a:extLst>
-              <a:ext uri="{FF2B5EF4-FFF2-40B4-BE49-F238E27FC236}">
-                <a16:creationId xmlns:a16="http://schemas.microsoft.com/office/drawing/2014/main" id="{95699583-B45A-254D-AF9B-41F7FCFAACB4}"/>
-              </a:ext>
-            </a:extLst>
-          </p:cNvPr>
-          <p:cNvSpPr txBox="1"/>
-          <p:nvPr/>
-        </p:nvSpPr>
-        <p:spPr>
-          <a:xfrm>
-            <a:off x="445225" y="2128647"/>
-            <a:ext cx="8911993" cy="3693319"/>
-          </a:xfrm>
-          <a:prstGeom prst="rect">
-            <a:avLst/>
-          </a:prstGeom>
-          <a:noFill/>
-        </p:spPr>
-        <p:txBody>
-          <a:bodyPr wrap="square" rtlCol="0">
-            <a:spAutoFit/>
-          </a:bodyPr>
-          <a:lstStyle/>
-          <a:p>
-            <a:r>
-              <a:rPr lang="fr-FR" b="1" dirty="0">
-                <a:solidFill>
-                  <a:schemeClr val="accent1"/>
-                </a:solidFill>
-              </a:rPr>
-              <a:t>Proposition 2 : </a:t>
-            </a:r>
-          </a:p>
-          <a:p>
-            <a:r>
-              <a:rPr lang="fr-FR" dirty="0">
-                <a:solidFill>
-                  <a:schemeClr val="accent1"/>
-                </a:solidFill>
-              </a:rPr>
-              <a:t>Développement ab </a:t>
-            </a:r>
-            <a:r>
-              <a:rPr lang="fr-FR" dirty="0" err="1">
-                <a:solidFill>
-                  <a:schemeClr val="accent1"/>
-                </a:solidFill>
-              </a:rPr>
-              <a:t>initio</a:t>
-            </a:r>
-            <a:r>
-              <a:rPr lang="fr-FR" dirty="0">
-                <a:solidFill>
-                  <a:schemeClr val="accent1"/>
-                </a:solidFill>
-              </a:rPr>
-              <a:t> en s’appuyant sur un ensemble d’outils</a:t>
-            </a:r>
-          </a:p>
-          <a:p>
-            <a:endParaRPr lang="fr-FR" dirty="0">
-              <a:solidFill>
-                <a:schemeClr val="accent1"/>
-              </a:solidFill>
-            </a:endParaRPr>
-          </a:p>
-          <a:p>
-            <a:r>
-              <a:rPr lang="fr-FR" dirty="0">
-                <a:solidFill>
-                  <a:schemeClr val="accent1"/>
-                </a:solidFill>
-              </a:rPr>
-              <a:t>Front End : </a:t>
-            </a:r>
-          </a:p>
-          <a:p>
-            <a:r>
-              <a:rPr lang="fr-FR" dirty="0">
-                <a:solidFill>
-                  <a:schemeClr val="accent1"/>
-                </a:solidFill>
-              </a:rPr>
-              <a:t>Développement d’un site complet avec HTML, CSS, JS</a:t>
-            </a:r>
-          </a:p>
-          <a:p>
-            <a:r>
-              <a:rPr lang="fr-FR" dirty="0">
-                <a:solidFill>
-                  <a:schemeClr val="accent1"/>
-                </a:solidFill>
-              </a:rPr>
-              <a:t>Possibilité d’utiliser </a:t>
-            </a:r>
-            <a:r>
-              <a:rPr lang="fr-FR" dirty="0" err="1">
-                <a:solidFill>
-                  <a:schemeClr val="accent1"/>
-                </a:solidFill>
-              </a:rPr>
-              <a:t>Drupal</a:t>
-            </a:r>
-            <a:r>
-              <a:rPr lang="fr-FR" dirty="0">
-                <a:solidFill>
-                  <a:schemeClr val="accent1"/>
-                </a:solidFill>
-              </a:rPr>
-              <a:t>, </a:t>
-            </a:r>
-            <a:r>
-              <a:rPr lang="fr-FR" dirty="0" err="1">
-                <a:solidFill>
-                  <a:schemeClr val="accent1"/>
-                </a:solidFill>
-              </a:rPr>
-              <a:t>Wordpress</a:t>
-            </a:r>
-            <a:r>
-              <a:rPr lang="fr-FR" dirty="0">
-                <a:solidFill>
-                  <a:schemeClr val="accent1"/>
-                </a:solidFill>
-              </a:rPr>
-              <a:t>, </a:t>
-            </a:r>
-            <a:r>
-              <a:rPr lang="fr-FR" dirty="0" err="1">
-                <a:solidFill>
-                  <a:schemeClr val="accent1"/>
-                </a:solidFill>
-              </a:rPr>
-              <a:t>Prestashop</a:t>
-            </a:r>
-            <a:endParaRPr lang="fr-FR" dirty="0">
-              <a:solidFill>
-                <a:schemeClr val="accent1"/>
-              </a:solidFill>
-            </a:endParaRPr>
-          </a:p>
-          <a:p>
-            <a:endParaRPr lang="fr-FR" dirty="0">
-              <a:solidFill>
-                <a:schemeClr val="accent1"/>
-              </a:solidFill>
-            </a:endParaRPr>
-          </a:p>
-          <a:p>
-            <a:r>
-              <a:rPr lang="fr-FR" dirty="0">
-                <a:solidFill>
-                  <a:schemeClr val="accent1"/>
-                </a:solidFill>
-              </a:rPr>
-              <a:t>Back End : </a:t>
-            </a:r>
-          </a:p>
-          <a:p>
-            <a:r>
-              <a:rPr lang="fr-FR" dirty="0">
-                <a:solidFill>
-                  <a:schemeClr val="accent1"/>
-                </a:solidFill>
-              </a:rPr>
-              <a:t>Python pour l’application de gestion</a:t>
-            </a:r>
-          </a:p>
-          <a:p>
-            <a:r>
-              <a:rPr lang="fr-FR" dirty="0">
-                <a:solidFill>
-                  <a:schemeClr val="accent1"/>
-                </a:solidFill>
-              </a:rPr>
-              <a:t>Framework Django pour l’interface avec l’hébergeur OVH et la base SQL</a:t>
-            </a:r>
-          </a:p>
-          <a:p>
-            <a:endParaRPr lang="fr-FR" dirty="0">
-              <a:solidFill>
-                <a:schemeClr val="accent1"/>
-              </a:solidFill>
-            </a:endParaRPr>
-          </a:p>
-          <a:p>
-            <a:r>
-              <a:rPr lang="fr-FR" dirty="0">
-                <a:solidFill>
-                  <a:schemeClr val="accent1"/>
-                </a:solidFill>
-              </a:rPr>
-              <a:t>Coût OVH: 50€/mois</a:t>
-            </a:r>
-          </a:p>
-          <a:p>
-            <a:endParaRPr lang="fr-FR" dirty="0">
-              <a:solidFill>
-                <a:schemeClr val="accent1"/>
-              </a:solidFill>
-            </a:endParaRPr>
-          </a:p>
-        </p:txBody>
-      </p:sp>
-      <p:grpSp>
-        <p:nvGrpSpPr>
-          <p:cNvPr id="26" name="Groupe 25">
-            <a:extLst>
-              <a:ext uri="{FF2B5EF4-FFF2-40B4-BE49-F238E27FC236}">
-                <a16:creationId xmlns:a16="http://schemas.microsoft.com/office/drawing/2014/main" id="{4E9C24A8-DC0A-CB49-8951-80412E7CC246}"/>
-              </a:ext>
-            </a:extLst>
-          </p:cNvPr>
-          <p:cNvGrpSpPr/>
-          <p:nvPr/>
-        </p:nvGrpSpPr>
-        <p:grpSpPr>
-          <a:xfrm>
-            <a:off x="1542698" y="923770"/>
-            <a:ext cx="7496329" cy="1094434"/>
-            <a:chOff x="1542698" y="923770"/>
-            <a:chExt cx="7496329" cy="1094434"/>
-          </a:xfrm>
-        </p:grpSpPr>
-        <p:pic>
-          <p:nvPicPr>
-            <p:cNvPr id="6" name="Image 5">
-              <a:extLst>
-                <a:ext uri="{FF2B5EF4-FFF2-40B4-BE49-F238E27FC236}">
-                  <a16:creationId xmlns:a16="http://schemas.microsoft.com/office/drawing/2014/main" id="{C216D774-510D-BF49-A14F-139B3E965AC7}"/>
-                </a:ext>
-              </a:extLst>
-            </p:cNvPr>
-            <p:cNvPicPr>
-              <a:picLocks noChangeAspect="1"/>
-            </p:cNvPicPr>
-            <p:nvPr/>
-          </p:nvPicPr>
-          <p:blipFill>
-            <a:blip r:embed="rId2"/>
-            <a:stretch>
-              <a:fillRect/>
-            </a:stretch>
-          </p:blipFill>
-          <p:spPr>
-            <a:xfrm>
-              <a:off x="3270330" y="1075344"/>
-              <a:ext cx="791287" cy="791287"/>
-            </a:xfrm>
-            <a:prstGeom prst="rect">
-              <a:avLst/>
-            </a:prstGeom>
-          </p:spPr>
-        </p:pic>
-        <p:pic>
-          <p:nvPicPr>
-            <p:cNvPr id="8" name="Graphique 7">
-              <a:extLst>
-                <a:ext uri="{FF2B5EF4-FFF2-40B4-BE49-F238E27FC236}">
-                  <a16:creationId xmlns:a16="http://schemas.microsoft.com/office/drawing/2014/main" id="{766ECC32-2245-B94E-ADF8-1AFD7B08BC5D}"/>
-                </a:ext>
-              </a:extLst>
-            </p:cNvPr>
-            <p:cNvPicPr>
-              <a:picLocks noChangeAspect="1"/>
-            </p:cNvPicPr>
-            <p:nvPr/>
-          </p:nvPicPr>
-          <p:blipFill>
-            <a:blip r:embed="rId3">
-              <a:extLst>
-                <a:ext uri="{96DAC541-7B7A-43D3-8B79-37D633B846F1}">
-                  <asvg:svgBlip xmlns:asvg="http://schemas.microsoft.com/office/drawing/2016/SVG/main" r:embed="rId4"/>
-                </a:ext>
-              </a:extLst>
-            </a:blip>
-            <a:stretch>
-              <a:fillRect/>
-            </a:stretch>
-          </p:blipFill>
-          <p:spPr>
-            <a:xfrm>
-              <a:off x="1542698" y="923770"/>
-              <a:ext cx="1416326" cy="1094434"/>
-            </a:xfrm>
-            <a:prstGeom prst="rect">
-              <a:avLst/>
-            </a:prstGeom>
-          </p:spPr>
-        </p:pic>
-        <p:pic>
-          <p:nvPicPr>
-            <p:cNvPr id="11" name="Image 10">
-              <a:extLst>
-                <a:ext uri="{FF2B5EF4-FFF2-40B4-BE49-F238E27FC236}">
-                  <a16:creationId xmlns:a16="http://schemas.microsoft.com/office/drawing/2014/main" id="{E441ABA2-F6BB-3E4C-B9DE-3D86C7AF9C3F}"/>
-                </a:ext>
-              </a:extLst>
-            </p:cNvPr>
-            <p:cNvPicPr>
-              <a:picLocks noChangeAspect="1"/>
-            </p:cNvPicPr>
-            <p:nvPr/>
-          </p:nvPicPr>
-          <p:blipFill>
-            <a:blip r:embed="rId5"/>
-            <a:stretch>
-              <a:fillRect/>
-            </a:stretch>
-          </p:blipFill>
-          <p:spPr>
-            <a:xfrm>
-              <a:off x="5553279" y="1075343"/>
-              <a:ext cx="791288" cy="791288"/>
-            </a:xfrm>
-            <a:prstGeom prst="rect">
-              <a:avLst/>
-            </a:prstGeom>
-          </p:spPr>
-        </p:pic>
-        <p:pic>
-          <p:nvPicPr>
-            <p:cNvPr id="15" name="Image 14">
-              <a:extLst>
-                <a:ext uri="{FF2B5EF4-FFF2-40B4-BE49-F238E27FC236}">
-                  <a16:creationId xmlns:a16="http://schemas.microsoft.com/office/drawing/2014/main" id="{AE265805-E232-F247-9335-C5F03DD319AF}"/>
-                </a:ext>
-              </a:extLst>
-            </p:cNvPr>
-            <p:cNvPicPr>
-              <a:picLocks noChangeAspect="1"/>
-            </p:cNvPicPr>
-            <p:nvPr/>
-          </p:nvPicPr>
-          <p:blipFill>
-            <a:blip r:embed="rId6"/>
-            <a:stretch>
-              <a:fillRect/>
-            </a:stretch>
-          </p:blipFill>
-          <p:spPr>
-            <a:xfrm>
-              <a:off x="4372923" y="1036462"/>
-              <a:ext cx="869050" cy="869050"/>
-            </a:xfrm>
-            <a:prstGeom prst="rect">
-              <a:avLst/>
-            </a:prstGeom>
-          </p:spPr>
-        </p:pic>
-        <p:pic>
-          <p:nvPicPr>
-            <p:cNvPr id="19" name="Image 18">
-              <a:extLst>
-                <a:ext uri="{FF2B5EF4-FFF2-40B4-BE49-F238E27FC236}">
-                  <a16:creationId xmlns:a16="http://schemas.microsoft.com/office/drawing/2014/main" id="{E6AF8FF3-507F-4D45-9BBF-566D8D916BCE}"/>
-                </a:ext>
-              </a:extLst>
-            </p:cNvPr>
-            <p:cNvPicPr>
-              <a:picLocks noChangeAspect="1"/>
-            </p:cNvPicPr>
-            <p:nvPr/>
-          </p:nvPicPr>
-          <p:blipFill>
-            <a:blip r:embed="rId7"/>
-            <a:stretch>
-              <a:fillRect/>
-            </a:stretch>
-          </p:blipFill>
-          <p:spPr>
-            <a:xfrm>
-              <a:off x="6655873" y="1101012"/>
-              <a:ext cx="1069929" cy="739951"/>
-            </a:xfrm>
-            <a:prstGeom prst="rect">
-              <a:avLst/>
-            </a:prstGeom>
-          </p:spPr>
-        </p:pic>
-        <p:pic>
-          <p:nvPicPr>
-            <p:cNvPr id="23" name="Image 22">
-              <a:extLst>
-                <a:ext uri="{FF2B5EF4-FFF2-40B4-BE49-F238E27FC236}">
-                  <a16:creationId xmlns:a16="http://schemas.microsoft.com/office/drawing/2014/main" id="{1CF4BA68-7F26-A449-81E9-661DBF18D71E}"/>
-                </a:ext>
-              </a:extLst>
-            </p:cNvPr>
-            <p:cNvPicPr>
-              <a:picLocks noChangeAspect="1"/>
-            </p:cNvPicPr>
-            <p:nvPr/>
-          </p:nvPicPr>
-          <p:blipFill>
-            <a:blip r:embed="rId8"/>
-            <a:stretch>
-              <a:fillRect/>
-            </a:stretch>
-          </p:blipFill>
-          <p:spPr>
-            <a:xfrm>
-              <a:off x="8037110" y="1209849"/>
-              <a:ext cx="1001917" cy="522276"/>
-            </a:xfrm>
-            <a:prstGeom prst="rect">
-              <a:avLst/>
-            </a:prstGeom>
-          </p:spPr>
-        </p:pic>
-      </p:grpSp>
-    </p:spTree>
-    <p:extLst>
-      <p:ext uri="{BB962C8B-B14F-4D97-AF65-F5344CB8AC3E}">
-        <p14:creationId xmlns:p14="http://schemas.microsoft.com/office/powerpoint/2010/main" val="3358042630"/>
-      </p:ext>
-    </p:extLst>
-  </p:cSld>
-  <p:clrMapOvr>
-    <a:masterClrMapping/>
-  </p:clrMapOvr>
-</p:sld>
-</file>
-
-<file path=ppt/slides/slide11.xml><?xml version="1.0" encoding="utf-8"?>
-<p:sld xmlns:a="http://schemas.openxmlformats.org/drawingml/2006/main" xmlns:r="http://schemas.openxmlformats.org/officeDocument/2006/relationships" xmlns:p="http://schemas.openxmlformats.org/presentationml/2006/main">
-  <p:cSld>
-    <p:spTree>
-      <p:nvGrpSpPr>
-        <p:cNvPr id="1" name=""/>
-        <p:cNvGrpSpPr/>
-        <p:nvPr/>
-      </p:nvGrpSpPr>
-      <p:grpSpPr>
-        <a:xfrm>
-          <a:off x="0" y="0"/>
-          <a:ext cx="0" cy="0"/>
-          <a:chOff x="0" y="0"/>
-          <a:chExt cx="0" cy="0"/>
-        </a:xfrm>
-      </p:grpSpPr>
-      <p:sp>
-        <p:nvSpPr>
-          <p:cNvPr id="2" name="Titre 1">
-            <a:extLst>
-              <a:ext uri="{FF2B5EF4-FFF2-40B4-BE49-F238E27FC236}">
-                <a16:creationId xmlns:a16="http://schemas.microsoft.com/office/drawing/2014/main" id="{B2D19B05-4231-4C43-B278-CF39F13CFD3C}"/>
-              </a:ext>
-            </a:extLst>
-          </p:cNvPr>
-          <p:cNvSpPr>
-            <a:spLocks noGrp="1"/>
-          </p:cNvSpPr>
-          <p:nvPr>
-            <p:ph type="ctrTitle"/>
-          </p:nvPr>
-        </p:nvSpPr>
-        <p:spPr>
-          <a:xfrm>
-            <a:off x="548839" y="631490"/>
-            <a:ext cx="8808322" cy="595426"/>
-          </a:xfrm>
-        </p:spPr>
-        <p:txBody>
-          <a:bodyPr anchor="t">
-            <a:normAutofit/>
-          </a:bodyPr>
-          <a:lstStyle/>
-          <a:p>
-            <a:pPr algn="l"/>
-            <a:r>
-              <a:rPr lang="fr-FR" sz="2800" b="1" dirty="0">
-                <a:solidFill>
-                  <a:schemeClr val="accent1"/>
-                </a:solidFill>
-                <a:latin typeface="Apple Braille" pitchFamily="2" charset="0"/>
-              </a:rPr>
-              <a:t>3. Notre proposition : Comparaison des Solutions</a:t>
-            </a:r>
-            <a:endParaRPr lang="fr-FR" sz="2400" dirty="0"/>
-          </a:p>
-        </p:txBody>
-      </p:sp>
-      <p:sp>
-        <p:nvSpPr>
-          <p:cNvPr id="3" name="Espace réservé du pied de page 2">
-            <a:extLst>
-              <a:ext uri="{FF2B5EF4-FFF2-40B4-BE49-F238E27FC236}">
-                <a16:creationId xmlns:a16="http://schemas.microsoft.com/office/drawing/2014/main" id="{05D91EF7-03BC-704B-A9DD-31465C65BF78}"/>
-              </a:ext>
-            </a:extLst>
-          </p:cNvPr>
-          <p:cNvSpPr>
-            <a:spLocks noGrp="1"/>
-          </p:cNvSpPr>
-          <p:nvPr>
-            <p:ph type="ftr" sz="quarter" idx="11"/>
-          </p:nvPr>
-        </p:nvSpPr>
-        <p:spPr/>
-        <p:txBody>
-          <a:bodyPr/>
-          <a:lstStyle/>
-          <a:p>
-            <a:r>
-              <a:rPr lang="fr-FR" dirty="0"/>
-              <a:t>IT C&amp;D</a:t>
-            </a:r>
-          </a:p>
-        </p:txBody>
-      </p:sp>
-      <p:graphicFrame>
-        <p:nvGraphicFramePr>
-          <p:cNvPr id="5" name="Tableau 4">
-            <a:extLst>
-              <a:ext uri="{FF2B5EF4-FFF2-40B4-BE49-F238E27FC236}">
-                <a16:creationId xmlns:a16="http://schemas.microsoft.com/office/drawing/2014/main" id="{0661E393-E81C-7941-B994-042297F4B271}"/>
-              </a:ext>
-            </a:extLst>
-          </p:cNvPr>
-          <p:cNvGraphicFramePr>
-            <a:graphicFrameLocks noGrp="1"/>
-          </p:cNvGraphicFramePr>
-          <p:nvPr>
-            <p:extLst>
-              <p:ext uri="{D42A27DB-BD31-4B8C-83A1-F6EECF244321}">
-                <p14:modId xmlns:p14="http://schemas.microsoft.com/office/powerpoint/2010/main" val="355079386"/>
-              </p:ext>
-            </p:extLst>
-          </p:nvPr>
-        </p:nvGraphicFramePr>
-        <p:xfrm>
-          <a:off x="548839" y="1040814"/>
-          <a:ext cx="8453116" cy="5156200"/>
-        </p:xfrm>
-        <a:graphic>
-          <a:graphicData uri="http://schemas.openxmlformats.org/drawingml/2006/table">
-            <a:tbl>
-              <a:tblPr firstRow="1" bandRow="1">
-                <a:tableStyleId>{5C22544A-7EE6-4342-B048-85BDC9FD1C3A}</a:tableStyleId>
-              </a:tblPr>
-              <a:tblGrid>
-                <a:gridCol w="1452239">
-                  <a:extLst>
-                    <a:ext uri="{9D8B030D-6E8A-4147-A177-3AD203B41FA5}">
-                      <a16:colId xmlns:a16="http://schemas.microsoft.com/office/drawing/2014/main" val="3916403332"/>
-                    </a:ext>
-                  </a:extLst>
-                </a:gridCol>
-                <a:gridCol w="3551583">
-                  <a:extLst>
-                    <a:ext uri="{9D8B030D-6E8A-4147-A177-3AD203B41FA5}">
-                      <a16:colId xmlns:a16="http://schemas.microsoft.com/office/drawing/2014/main" val="3320272912"/>
-                    </a:ext>
-                  </a:extLst>
-                </a:gridCol>
-                <a:gridCol w="3449294">
-                  <a:extLst>
-                    <a:ext uri="{9D8B030D-6E8A-4147-A177-3AD203B41FA5}">
-                      <a16:colId xmlns:a16="http://schemas.microsoft.com/office/drawing/2014/main" val="3827037339"/>
-                    </a:ext>
-                  </a:extLst>
-                </a:gridCol>
-              </a:tblGrid>
-              <a:tr h="370840">
-                <a:tc>
-                  <a:txBody>
-                    <a:bodyPr/>
-                    <a:lstStyle/>
-                    <a:p>
-                      <a:r>
-                        <a:rPr lang="fr-FR" sz="1400" dirty="0"/>
-                        <a:t>Critère</a:t>
-                      </a:r>
-                    </a:p>
-                  </a:txBody>
-                  <a:tcPr/>
-                </a:tc>
-                <a:tc>
-                  <a:txBody>
-                    <a:bodyPr/>
-                    <a:lstStyle/>
-                    <a:p>
-                      <a:r>
-                        <a:rPr lang="fr-FR" sz="1400" dirty="0"/>
-                        <a:t>Demi-Mesure </a:t>
-                      </a:r>
-                      <a:r>
-                        <a:rPr lang="fr-FR" sz="1400" dirty="0" err="1"/>
-                        <a:t>Odoo</a:t>
-                      </a:r>
-                      <a:endParaRPr lang="fr-FR" sz="1400" dirty="0"/>
-                    </a:p>
-                  </a:txBody>
-                  <a:tcPr/>
-                </a:tc>
-                <a:tc>
-                  <a:txBody>
-                    <a:bodyPr/>
-                    <a:lstStyle/>
-                    <a:p>
-                      <a:r>
-                        <a:rPr lang="fr-FR" sz="1400" dirty="0"/>
-                        <a:t>Sur Mesure ab </a:t>
-                      </a:r>
-                      <a:r>
-                        <a:rPr lang="fr-FR" sz="1400" dirty="0" err="1"/>
-                        <a:t>initio</a:t>
-                      </a:r>
-                      <a:endParaRPr lang="fr-FR" sz="1400" dirty="0"/>
-                    </a:p>
-                  </a:txBody>
-                  <a:tcPr/>
-                </a:tc>
-                <a:extLst>
-                  <a:ext uri="{0D108BD9-81ED-4DB2-BD59-A6C34878D82A}">
-                    <a16:rowId xmlns:a16="http://schemas.microsoft.com/office/drawing/2014/main" val="4187171803"/>
-                  </a:ext>
-                </a:extLst>
-              </a:tr>
-              <a:tr h="370840">
-                <a:tc>
-                  <a:txBody>
-                    <a:bodyPr/>
-                    <a:lstStyle/>
-                    <a:p>
-                      <a:pPr marL="0" marR="0" lvl="0" indent="0" algn="l" defTabSz="914400" rtl="0" eaLnBrk="1" fontAlgn="auto" latinLnBrk="0" hangingPunct="1">
-                        <a:lnSpc>
-                          <a:spcPct val="100000"/>
-                        </a:lnSpc>
-                        <a:spcBef>
-                          <a:spcPts val="0"/>
-                        </a:spcBef>
-                        <a:spcAft>
-                          <a:spcPts val="0"/>
-                        </a:spcAft>
-                        <a:buClrTx/>
-                        <a:buSzTx/>
-                        <a:buFontTx/>
-                        <a:buNone/>
-                        <a:tabLst/>
-                        <a:defRPr/>
-                      </a:pPr>
-                      <a:r>
-                        <a:rPr lang="fr-FR" sz="1400" dirty="0"/>
-                        <a:t>Réponse mandat</a:t>
-                      </a:r>
-                    </a:p>
-                  </a:txBody>
-                  <a:tcPr/>
-                </a:tc>
-                <a:tc>
-                  <a:txBody>
-                    <a:bodyPr/>
-                    <a:lstStyle/>
-                    <a:p>
-                      <a:r>
-                        <a:rPr lang="fr-FR" sz="1400" b="1" dirty="0"/>
-                        <a:t>Bonne : </a:t>
-                      </a:r>
-                      <a:r>
-                        <a:rPr lang="fr-FR" sz="1400" dirty="0"/>
-                        <a:t>peut y répondre par la customisation autorisée par l’open source</a:t>
-                      </a:r>
-                    </a:p>
-                  </a:txBody>
-                  <a:tcPr/>
-                </a:tc>
-                <a:tc>
-                  <a:txBody>
-                    <a:bodyPr/>
-                    <a:lstStyle/>
-                    <a:p>
-                      <a:r>
-                        <a:rPr lang="fr-FR" sz="1400" b="1" dirty="0"/>
-                        <a:t>Excellente : </a:t>
-                      </a:r>
-                      <a:r>
-                        <a:rPr lang="fr-FR" sz="1400" dirty="0"/>
-                        <a:t>répond à la demande du client de faire du sur-mesure</a:t>
-                      </a:r>
-                    </a:p>
-                  </a:txBody>
-                  <a:tcPr/>
-                </a:tc>
-                <a:extLst>
-                  <a:ext uri="{0D108BD9-81ED-4DB2-BD59-A6C34878D82A}">
-                    <a16:rowId xmlns:a16="http://schemas.microsoft.com/office/drawing/2014/main" val="1132881627"/>
-                  </a:ext>
-                </a:extLst>
-              </a:tr>
-              <a:tr h="370840">
-                <a:tc>
-                  <a:txBody>
-                    <a:bodyPr/>
-                    <a:lstStyle/>
-                    <a:p>
-                      <a:r>
-                        <a:rPr lang="fr-FR" sz="1400" dirty="0"/>
-                        <a:t>Croissance OC Pizza</a:t>
-                      </a:r>
-                    </a:p>
-                  </a:txBody>
-                  <a:tcPr/>
-                </a:tc>
-                <a:tc>
-                  <a:txBody>
-                    <a:bodyPr/>
-                    <a:lstStyle/>
-                    <a:p>
-                      <a:r>
-                        <a:rPr lang="fr-FR" sz="1400" b="1" dirty="0"/>
-                        <a:t>Très Bonne : </a:t>
-                      </a:r>
-                      <a:r>
-                        <a:rPr lang="fr-FR" sz="1400" dirty="0" err="1"/>
-                        <a:t>PostgreeSQL</a:t>
-                      </a:r>
-                      <a:r>
-                        <a:rPr lang="fr-FR" sz="1400" dirty="0"/>
-                        <a:t> semble disposer de capacités suffisantes, </a:t>
-                      </a:r>
-                      <a:r>
-                        <a:rPr lang="fr-FR" sz="1400" dirty="0" err="1"/>
-                        <a:t>Odoo</a:t>
-                      </a:r>
-                      <a:r>
-                        <a:rPr lang="fr-FR" sz="1400" dirty="0"/>
-                        <a:t> est adapté à la croissance d’une entreprise</a:t>
-                      </a:r>
-                    </a:p>
-                  </a:txBody>
-                  <a:tcPr/>
-                </a:tc>
-                <a:tc>
-                  <a:txBody>
-                    <a:bodyPr/>
-                    <a:lstStyle/>
-                    <a:p>
-                      <a:r>
-                        <a:rPr lang="fr-FR" sz="1400" b="1" dirty="0"/>
-                        <a:t>Excellente : </a:t>
-                      </a:r>
-                      <a:r>
-                        <a:rPr lang="fr-FR" sz="1400" dirty="0"/>
-                        <a:t>le système de gestion peut être conçu dès le départ pour une croissance ultérieure (DB </a:t>
-                      </a:r>
-                      <a:r>
-                        <a:rPr lang="fr-FR" sz="1400" dirty="0" err="1"/>
-                        <a:t>noSQL</a:t>
-                      </a:r>
-                      <a:r>
-                        <a:rPr lang="fr-FR" sz="1400" dirty="0"/>
-                        <a:t> possibles =&gt; </a:t>
-                      </a:r>
-                      <a:r>
-                        <a:rPr lang="fr-FR" sz="1400" dirty="0" err="1"/>
-                        <a:t>MongoDB</a:t>
-                      </a:r>
-                      <a:r>
-                        <a:rPr lang="fr-FR" sz="1400" dirty="0"/>
-                        <a:t> &amp; </a:t>
-                      </a:r>
-                      <a:r>
-                        <a:rPr lang="fr-FR" sz="1400" dirty="0" err="1"/>
-                        <a:t>pymongo</a:t>
-                      </a:r>
-                      <a:r>
-                        <a:rPr lang="fr-FR" sz="1400" dirty="0"/>
-                        <a:t>)</a:t>
-                      </a:r>
-                    </a:p>
-                  </a:txBody>
-                  <a:tcPr/>
-                </a:tc>
-                <a:extLst>
-                  <a:ext uri="{0D108BD9-81ED-4DB2-BD59-A6C34878D82A}">
-                    <a16:rowId xmlns:a16="http://schemas.microsoft.com/office/drawing/2014/main" val="2019670362"/>
-                  </a:ext>
-                </a:extLst>
-              </a:tr>
-              <a:tr h="370840">
-                <a:tc>
-                  <a:txBody>
-                    <a:bodyPr/>
-                    <a:lstStyle/>
-                    <a:p>
-                      <a:r>
-                        <a:rPr lang="fr-FR" sz="1400" dirty="0"/>
-                        <a:t>Délai</a:t>
-                      </a:r>
-                    </a:p>
-                  </a:txBody>
-                  <a:tcPr/>
-                </a:tc>
-                <a:tc>
-                  <a:txBody>
-                    <a:bodyPr/>
-                    <a:lstStyle/>
-                    <a:p>
-                      <a:r>
-                        <a:rPr lang="fr-FR" sz="1400" b="1" dirty="0"/>
-                        <a:t>Court : </a:t>
-                      </a:r>
-                      <a:r>
-                        <a:rPr lang="fr-FR" sz="1400" b="0" dirty="0"/>
-                        <a:t>simple adaptation en Python de modules existants</a:t>
-                      </a:r>
-                    </a:p>
-                  </a:txBody>
-                  <a:tcPr/>
-                </a:tc>
-                <a:tc>
-                  <a:txBody>
-                    <a:bodyPr/>
-                    <a:lstStyle/>
-                    <a:p>
-                      <a:r>
-                        <a:rPr lang="fr-FR" sz="1400" b="1" dirty="0"/>
-                        <a:t>Long: </a:t>
-                      </a:r>
-                      <a:r>
-                        <a:rPr lang="fr-FR" sz="1400" b="0" dirty="0"/>
-                        <a:t>développement de A à Z à évaluer avec conception, tests, </a:t>
-                      </a:r>
-                      <a:r>
-                        <a:rPr lang="fr-FR" sz="1400" b="0" dirty="0" err="1"/>
-                        <a:t>etc</a:t>
-                      </a:r>
-                      <a:endParaRPr lang="fr-FR" sz="1400" b="0" dirty="0"/>
-                    </a:p>
-                  </a:txBody>
-                  <a:tcPr/>
-                </a:tc>
-                <a:extLst>
-                  <a:ext uri="{0D108BD9-81ED-4DB2-BD59-A6C34878D82A}">
-                    <a16:rowId xmlns:a16="http://schemas.microsoft.com/office/drawing/2014/main" val="1210363784"/>
-                  </a:ext>
-                </a:extLst>
-              </a:tr>
-              <a:tr h="370840">
-                <a:tc>
-                  <a:txBody>
-                    <a:bodyPr/>
-                    <a:lstStyle/>
-                    <a:p>
-                      <a:pPr marL="0" marR="0" lvl="0" indent="0" algn="l" defTabSz="914400" rtl="0" eaLnBrk="1" fontAlgn="auto" latinLnBrk="0" hangingPunct="1">
-                        <a:lnSpc>
-                          <a:spcPct val="100000"/>
-                        </a:lnSpc>
-                        <a:spcBef>
-                          <a:spcPts val="0"/>
-                        </a:spcBef>
-                        <a:spcAft>
-                          <a:spcPts val="0"/>
-                        </a:spcAft>
-                        <a:buClrTx/>
-                        <a:buSzTx/>
-                        <a:buFontTx/>
-                        <a:buNone/>
-                        <a:tabLst/>
-                        <a:defRPr/>
-                      </a:pPr>
-                      <a:r>
-                        <a:rPr lang="fr-FR" sz="1400" dirty="0"/>
-                        <a:t>Difficulté technique</a:t>
-                      </a:r>
-                    </a:p>
-                  </a:txBody>
-                  <a:tcPr/>
-                </a:tc>
-                <a:tc>
-                  <a:txBody>
-                    <a:bodyPr/>
-                    <a:lstStyle/>
-                    <a:p>
-                      <a:r>
-                        <a:rPr lang="fr-FR" sz="1400" b="1" dirty="0"/>
-                        <a:t>Limitée : </a:t>
-                      </a:r>
-                      <a:r>
-                        <a:rPr lang="fr-FR" sz="1400" dirty="0"/>
-                        <a:t>une partie des automatismes est en place, hébergement maîtrisé</a:t>
-                      </a:r>
-                    </a:p>
-                  </a:txBody>
-                  <a:tcPr/>
-                </a:tc>
-                <a:tc>
-                  <a:txBody>
-                    <a:bodyPr/>
-                    <a:lstStyle/>
-                    <a:p>
-                      <a:r>
-                        <a:rPr lang="fr-FR" sz="1400" b="1" dirty="0"/>
-                        <a:t>Forte : </a:t>
-                      </a:r>
-                      <a:r>
-                        <a:rPr lang="fr-FR" sz="1400" dirty="0"/>
-                        <a:t>tout est à construire</a:t>
-                      </a:r>
-                    </a:p>
-                  </a:txBody>
-                  <a:tcPr/>
-                </a:tc>
-                <a:extLst>
-                  <a:ext uri="{0D108BD9-81ED-4DB2-BD59-A6C34878D82A}">
-                    <a16:rowId xmlns:a16="http://schemas.microsoft.com/office/drawing/2014/main" val="478184333"/>
-                  </a:ext>
-                </a:extLst>
-              </a:tr>
-              <a:tr h="370840">
-                <a:tc>
-                  <a:txBody>
-                    <a:bodyPr/>
-                    <a:lstStyle/>
-                    <a:p>
-                      <a:r>
-                        <a:rPr lang="fr-FR" sz="1400" dirty="0"/>
-                        <a:t>Sécurité</a:t>
-                      </a:r>
-                    </a:p>
-                  </a:txBody>
-                  <a:tcPr/>
-                </a:tc>
-                <a:tc>
-                  <a:txBody>
-                    <a:bodyPr/>
-                    <a:lstStyle/>
-                    <a:p>
-                      <a:r>
-                        <a:rPr lang="fr-FR" sz="1400" b="1" dirty="0"/>
-                        <a:t>Forte : </a:t>
-                      </a:r>
-                      <a:r>
-                        <a:rPr lang="fr-FR" sz="1400" b="0" dirty="0"/>
-                        <a:t>car traitée de bout en bout</a:t>
-                      </a:r>
-                    </a:p>
-                  </a:txBody>
-                  <a:tcPr/>
-                </a:tc>
-                <a:tc>
-                  <a:txBody>
-                    <a:bodyPr/>
-                    <a:lstStyle/>
-                    <a:p>
-                      <a:r>
-                        <a:rPr lang="fr-FR" sz="1400" b="1" dirty="0"/>
-                        <a:t>Moyenne: </a:t>
-                      </a:r>
-                      <a:r>
-                        <a:rPr lang="fr-FR" sz="1400" dirty="0"/>
-                        <a:t>à juger en fonction des expertises dispo chez IT C&amp;D</a:t>
-                      </a:r>
-                    </a:p>
-                  </a:txBody>
-                  <a:tcPr/>
-                </a:tc>
-                <a:extLst>
-                  <a:ext uri="{0D108BD9-81ED-4DB2-BD59-A6C34878D82A}">
-                    <a16:rowId xmlns:a16="http://schemas.microsoft.com/office/drawing/2014/main" val="3719089621"/>
-                  </a:ext>
-                </a:extLst>
-              </a:tr>
-              <a:tr h="370840">
-                <a:tc>
-                  <a:txBody>
-                    <a:bodyPr/>
-                    <a:lstStyle/>
-                    <a:p>
-                      <a:r>
-                        <a:rPr lang="fr-FR" sz="1400" dirty="0"/>
-                        <a:t>Fiabilité</a:t>
-                      </a:r>
-                    </a:p>
-                  </a:txBody>
-                  <a:tcPr/>
-                </a:tc>
-                <a:tc>
-                  <a:txBody>
-                    <a:bodyPr/>
-                    <a:lstStyle/>
-                    <a:p>
-                      <a:r>
-                        <a:rPr lang="fr-FR" sz="1400" b="1" dirty="0"/>
-                        <a:t>Forte </a:t>
-                      </a:r>
-                      <a:r>
-                        <a:rPr lang="fr-FR" sz="1400" dirty="0"/>
-                        <a:t>: Solution éprouvée</a:t>
-                      </a:r>
-                    </a:p>
-                  </a:txBody>
-                  <a:tcPr/>
-                </a:tc>
-                <a:tc>
-                  <a:txBody>
-                    <a:bodyPr/>
-                    <a:lstStyle/>
-                    <a:p>
-                      <a:r>
-                        <a:rPr lang="fr-FR" sz="1400" b="1" dirty="0"/>
-                        <a:t>Moyenne: </a:t>
-                      </a:r>
-                      <a:r>
-                        <a:rPr lang="fr-FR" sz="1400" dirty="0"/>
-                        <a:t>pas d’expérience sur un tel produit</a:t>
-                      </a:r>
-                    </a:p>
-                  </a:txBody>
-                  <a:tcPr/>
-                </a:tc>
-                <a:extLst>
-                  <a:ext uri="{0D108BD9-81ED-4DB2-BD59-A6C34878D82A}">
-                    <a16:rowId xmlns:a16="http://schemas.microsoft.com/office/drawing/2014/main" val="1763363078"/>
-                  </a:ext>
-                </a:extLst>
-              </a:tr>
-              <a:tr h="370840">
-                <a:tc>
-                  <a:txBody>
-                    <a:bodyPr/>
-                    <a:lstStyle/>
-                    <a:p>
-                      <a:r>
-                        <a:rPr lang="fr-FR" sz="1400" dirty="0"/>
-                        <a:t>Coût de conception</a:t>
-                      </a:r>
-                    </a:p>
-                  </a:txBody>
-                  <a:tcPr/>
-                </a:tc>
-                <a:tc>
-                  <a:txBody>
-                    <a:bodyPr/>
-                    <a:lstStyle/>
-                    <a:p>
-                      <a:r>
-                        <a:rPr lang="fr-FR" sz="1400" b="1" dirty="0"/>
-                        <a:t>Faible : </a:t>
-                      </a:r>
-                      <a:r>
-                        <a:rPr lang="fr-FR" sz="1400" dirty="0"/>
-                        <a:t>juste une adaptation de modules existants, langage connu de l’équipe</a:t>
-                      </a:r>
-                    </a:p>
-                  </a:txBody>
-                  <a:tcPr/>
-                </a:tc>
-                <a:tc>
-                  <a:txBody>
-                    <a:bodyPr/>
-                    <a:lstStyle/>
-                    <a:p>
-                      <a:r>
-                        <a:rPr lang="fr-FR" sz="1400" b="1" dirty="0"/>
-                        <a:t>Elevé </a:t>
-                      </a:r>
-                      <a:r>
-                        <a:rPr lang="fr-FR" sz="1400" dirty="0"/>
-                        <a:t>: nombre d’heures/h x j. Pas d’économie d’échelle en raison taille OC Pizza</a:t>
-                      </a:r>
-                    </a:p>
-                  </a:txBody>
-                  <a:tcPr/>
-                </a:tc>
-                <a:extLst>
-                  <a:ext uri="{0D108BD9-81ED-4DB2-BD59-A6C34878D82A}">
-                    <a16:rowId xmlns:a16="http://schemas.microsoft.com/office/drawing/2014/main" val="2023212015"/>
-                  </a:ext>
-                </a:extLst>
-              </a:tr>
-              <a:tr h="370840">
-                <a:tc>
-                  <a:txBody>
-                    <a:bodyPr/>
-                    <a:lstStyle/>
-                    <a:p>
-                      <a:r>
-                        <a:rPr lang="fr-FR" sz="1400" dirty="0"/>
-                        <a:t>Coût d’exploitation</a:t>
-                      </a:r>
-                    </a:p>
-                  </a:txBody>
-                  <a:tcPr/>
-                </a:tc>
-                <a:tc>
-                  <a:txBody>
-                    <a:bodyPr/>
-                    <a:lstStyle/>
-                    <a:p>
-                      <a:r>
-                        <a:rPr lang="fr-FR" sz="1400" b="1" dirty="0"/>
-                        <a:t>Moyen : </a:t>
-                      </a:r>
-                      <a:r>
-                        <a:rPr lang="fr-FR" sz="1400" dirty="0"/>
-                        <a:t>Essentiellement les abonnements à la solution</a:t>
-                      </a:r>
-                    </a:p>
-                  </a:txBody>
-                  <a:tcPr/>
-                </a:tc>
-                <a:tc>
-                  <a:txBody>
-                    <a:bodyPr/>
-                    <a:lstStyle/>
-                    <a:p>
-                      <a:r>
-                        <a:rPr lang="fr-FR" sz="1400" b="1" dirty="0"/>
-                        <a:t>Faible : </a:t>
-                      </a:r>
-                      <a:r>
-                        <a:rPr lang="fr-FR" sz="1400" dirty="0"/>
-                        <a:t>uniquement hébergement</a:t>
-                      </a:r>
-                    </a:p>
-                  </a:txBody>
-                  <a:tcPr/>
-                </a:tc>
-                <a:extLst>
-                  <a:ext uri="{0D108BD9-81ED-4DB2-BD59-A6C34878D82A}">
-                    <a16:rowId xmlns:a16="http://schemas.microsoft.com/office/drawing/2014/main" val="277876956"/>
-                  </a:ext>
-                </a:extLst>
-              </a:tr>
-            </a:tbl>
-          </a:graphicData>
-        </a:graphic>
-      </p:graphicFrame>
-    </p:spTree>
-    <p:extLst>
-      <p:ext uri="{BB962C8B-B14F-4D97-AF65-F5344CB8AC3E}">
-        <p14:creationId xmlns:p14="http://schemas.microsoft.com/office/powerpoint/2010/main" val="2244913274"/>
-      </p:ext>
-    </p:extLst>
-  </p:cSld>
-  <p:clrMapOvr>
-    <a:masterClrMapping/>
-  </p:clrMapOvr>
-</p:sld>
-</file>
-
-<file path=ppt/slides/slide12.xml><?xml version="1.0" encoding="utf-8"?>
-<p:sld xmlns:a="http://schemas.openxmlformats.org/drawingml/2006/main" xmlns:r="http://schemas.openxmlformats.org/officeDocument/2006/relationships" xmlns:p="http://schemas.openxmlformats.org/presentationml/2006/main">
-  <p:cSld>
-    <p:spTree>
-      <p:nvGrpSpPr>
-        <p:cNvPr id="1" name=""/>
-        <p:cNvGrpSpPr/>
-        <p:nvPr/>
-      </p:nvGrpSpPr>
-      <p:grpSpPr>
-        <a:xfrm>
-          <a:off x="0" y="0"/>
-          <a:ext cx="0" cy="0"/>
-          <a:chOff x="0" y="0"/>
-          <a:chExt cx="0" cy="0"/>
-        </a:xfrm>
-      </p:grpSpPr>
-      <p:sp>
-        <p:nvSpPr>
-          <p:cNvPr id="2" name="Titre 1">
-            <a:extLst>
-              <a:ext uri="{FF2B5EF4-FFF2-40B4-BE49-F238E27FC236}">
-                <a16:creationId xmlns:a16="http://schemas.microsoft.com/office/drawing/2014/main" id="{B2D19B05-4231-4C43-B278-CF39F13CFD3C}"/>
-              </a:ext>
-            </a:extLst>
-          </p:cNvPr>
-          <p:cNvSpPr>
-            <a:spLocks noGrp="1"/>
-          </p:cNvSpPr>
-          <p:nvPr>
-            <p:ph type="ctrTitle"/>
-          </p:nvPr>
-        </p:nvSpPr>
-        <p:spPr>
-          <a:xfrm>
-            <a:off x="548839" y="631490"/>
-            <a:ext cx="8808322" cy="595426"/>
-          </a:xfrm>
-        </p:spPr>
-        <p:txBody>
-          <a:bodyPr anchor="t">
             <a:normAutofit/>
           </a:bodyPr>
           <a:lstStyle/>
@@ -20246,7 +22212,7 @@
         <p:spPr>
           <a:xfrm>
             <a:off x="497003" y="1320264"/>
-            <a:ext cx="8911993" cy="4893647"/>
+            <a:ext cx="8911993" cy="3785652"/>
           </a:xfrm>
           <a:prstGeom prst="rect">
             <a:avLst/>
@@ -20282,6 +22248,23 @@
                   <a:schemeClr val="accent1"/>
                 </a:solidFill>
               </a:rPr>
+              <a:t>Coûts  et temps de développement hors de proportion avec les prix du marché pour ce type de solution</a:t>
+            </a:r>
+          </a:p>
+          <a:p>
+            <a:endParaRPr lang="fr-FR" sz="2400" dirty="0">
+              <a:solidFill>
+                <a:schemeClr val="accent1"/>
+              </a:solidFill>
+            </a:endParaRPr>
+          </a:p>
+          <a:p>
+            <a:r>
+              <a:rPr lang="fr-FR" sz="2400" dirty="0">
+                <a:solidFill>
+                  <a:schemeClr val="accent1"/>
+                </a:solidFill>
+              </a:rPr>
               <a:t>En cas de développement « </a:t>
             </a:r>
             <a:r>
@@ -20299,40 +22282,6 @@
                 </a:solidFill>
               </a:rPr>
               <a:t> scratch », peu d’opportunités de capitaliser sur le produit avec d’autres clients</a:t>
-            </a:r>
-          </a:p>
-          <a:p>
-            <a:endParaRPr lang="fr-FR" sz="2400" dirty="0">
-              <a:solidFill>
-                <a:schemeClr val="accent1"/>
-              </a:solidFill>
-            </a:endParaRPr>
-          </a:p>
-          <a:p>
-            <a:r>
-              <a:rPr lang="fr-FR" sz="2400" dirty="0">
-                <a:solidFill>
-                  <a:schemeClr val="accent1"/>
-                </a:solidFill>
-              </a:rPr>
-              <a:t>Coûts de développement hors de proportion avec les prix du marché pour ce type de solution</a:t>
-            </a:r>
-          </a:p>
-          <a:p>
-            <a:endParaRPr lang="fr-FR" sz="2400" dirty="0">
-              <a:solidFill>
-                <a:schemeClr val="accent1"/>
-              </a:solidFill>
-            </a:endParaRPr>
-          </a:p>
-          <a:p>
-            <a:r>
-              <a:rPr lang="fr-FR" sz="2400" dirty="0">
-                <a:solidFill>
-                  <a:schemeClr val="accent1"/>
-                </a:solidFill>
-              </a:rPr>
-              <a:t>Pas de garantie de proposer un produit de meilleur qualité que ceux existant</a:t>
             </a:r>
           </a:p>
           <a:p>
@@ -20393,8 +22342,107 @@
 </p:sld>
 </file>
 
-<file path=ppt/slides/slide2.xml><?xml version="1.0" encoding="utf-8"?>
+<file path=ppt/slides/slide11.xml><?xml version="1.0" encoding="utf-8"?>
 <p:sld xmlns:a="http://schemas.openxmlformats.org/drawingml/2006/main" xmlns:r="http://schemas.openxmlformats.org/officeDocument/2006/relationships" xmlns:p="http://schemas.openxmlformats.org/presentationml/2006/main">
+  <p:cSld>
+    <p:spTree>
+      <p:nvGrpSpPr>
+        <p:cNvPr id="1" name=""/>
+        <p:cNvGrpSpPr/>
+        <p:nvPr/>
+      </p:nvGrpSpPr>
+      <p:grpSpPr>
+        <a:xfrm>
+          <a:off x="0" y="0"/>
+          <a:ext cx="0" cy="0"/>
+          <a:chOff x="0" y="0"/>
+          <a:chExt cx="0" cy="0"/>
+        </a:xfrm>
+      </p:grpSpPr>
+      <p:sp>
+        <p:nvSpPr>
+          <p:cNvPr id="2" name="Titre 1">
+            <a:extLst>
+              <a:ext uri="{FF2B5EF4-FFF2-40B4-BE49-F238E27FC236}">
+                <a16:creationId xmlns:a16="http://schemas.microsoft.com/office/drawing/2014/main" id="{B2D19B05-4231-4C43-B278-CF39F13CFD3C}"/>
+              </a:ext>
+            </a:extLst>
+          </p:cNvPr>
+          <p:cNvSpPr>
+            <a:spLocks noGrp="1"/>
+          </p:cNvSpPr>
+          <p:nvPr>
+            <p:ph type="ctrTitle"/>
+          </p:nvPr>
+        </p:nvSpPr>
+        <p:spPr>
+          <a:xfrm>
+            <a:off x="774617" y="2945712"/>
+            <a:ext cx="8808322" cy="595426"/>
+          </a:xfrm>
+        </p:spPr>
+        <p:txBody>
+          <a:bodyPr anchor="t">
+            <a:normAutofit/>
+          </a:bodyPr>
+          <a:lstStyle/>
+          <a:p>
+            <a:r>
+              <a:rPr lang="fr-FR" sz="2800" b="1" dirty="0">
+                <a:solidFill>
+                  <a:schemeClr val="accent1"/>
+                </a:solidFill>
+                <a:latin typeface="Apple Braille" pitchFamily="2" charset="0"/>
+              </a:rPr>
+              <a:t>DIAPOSITIVES EN RESERVE</a:t>
+            </a:r>
+            <a:endParaRPr lang="fr-FR" sz="2400" dirty="0"/>
+          </a:p>
+        </p:txBody>
+      </p:sp>
+      <p:sp>
+        <p:nvSpPr>
+          <p:cNvPr id="3" name="Espace réservé du pied de page 2">
+            <a:extLst>
+              <a:ext uri="{FF2B5EF4-FFF2-40B4-BE49-F238E27FC236}">
+                <a16:creationId xmlns:a16="http://schemas.microsoft.com/office/drawing/2014/main" id="{05D91EF7-03BC-704B-A9DD-31465C65BF78}"/>
+              </a:ext>
+            </a:extLst>
+          </p:cNvPr>
+          <p:cNvSpPr>
+            <a:spLocks noGrp="1"/>
+          </p:cNvSpPr>
+          <p:nvPr>
+            <p:ph type="ftr" sz="quarter" idx="11"/>
+          </p:nvPr>
+        </p:nvSpPr>
+        <p:spPr/>
+        <p:txBody>
+          <a:bodyPr/>
+          <a:lstStyle/>
+          <a:p>
+            <a:r>
+              <a:rPr lang="fr-FR" dirty="0"/>
+              <a:t>IT C&amp;D</a:t>
+            </a:r>
+          </a:p>
+        </p:txBody>
+      </p:sp>
+    </p:spTree>
+    <p:extLst>
+      <p:ext uri="{BB962C8B-B14F-4D97-AF65-F5344CB8AC3E}">
+        <p14:creationId xmlns:p14="http://schemas.microsoft.com/office/powerpoint/2010/main" val="3999605517"/>
+      </p:ext>
+    </p:extLst>
+  </p:cSld>
+  <p:clrMapOvr>
+    <a:masterClrMapping/>
+  </p:clrMapOvr>
+</p:sld>
+</file>
+
+<file path=ppt/slides/slide12.xml><?xml version="1.0" encoding="utf-8"?>
+<p:sld xmlns:a="http://schemas.openxmlformats.org/drawingml/2006/main" xmlns:r="http://schemas.openxmlformats.org/officeDocument/2006/relationships" xmlns:p="http://schemas.openxmlformats.org/presentationml/2006/main" show="0">
   <p:cSld>
     <p:spTree>
       <p:nvGrpSpPr>
@@ -20446,494 +22494,7 @@
                 </a:solidFill>
                 <a:latin typeface="Apple Braille" pitchFamily="2" charset="0"/>
               </a:rPr>
-              <a:t>Plan</a:t>
-            </a:r>
-            <a:endParaRPr lang="fr-FR" sz="2400" dirty="0"/>
-          </a:p>
-        </p:txBody>
-      </p:sp>
-      <p:sp>
-        <p:nvSpPr>
-          <p:cNvPr id="3" name="Espace réservé du pied de page 2">
-            <a:extLst>
-              <a:ext uri="{FF2B5EF4-FFF2-40B4-BE49-F238E27FC236}">
-                <a16:creationId xmlns:a16="http://schemas.microsoft.com/office/drawing/2014/main" id="{05D91EF7-03BC-704B-A9DD-31465C65BF78}"/>
-              </a:ext>
-            </a:extLst>
-          </p:cNvPr>
-          <p:cNvSpPr>
-            <a:spLocks noGrp="1"/>
-          </p:cNvSpPr>
-          <p:nvPr>
-            <p:ph type="ftr" sz="quarter" idx="11"/>
-          </p:nvPr>
-        </p:nvSpPr>
-        <p:spPr/>
-        <p:txBody>
-          <a:bodyPr/>
-          <a:lstStyle/>
-          <a:p>
-            <a:r>
-              <a:rPr lang="fr-FR" dirty="0"/>
-              <a:t>IT C&amp;D</a:t>
-            </a:r>
-          </a:p>
-        </p:txBody>
-      </p:sp>
-      <p:sp>
-        <p:nvSpPr>
-          <p:cNvPr id="4" name="ZoneTexte 3">
-            <a:extLst>
-              <a:ext uri="{FF2B5EF4-FFF2-40B4-BE49-F238E27FC236}">
-                <a16:creationId xmlns:a16="http://schemas.microsoft.com/office/drawing/2014/main" id="{E3B4F61E-C420-BF49-A015-3AE7ACC57B87}"/>
-              </a:ext>
-            </a:extLst>
-          </p:cNvPr>
-          <p:cNvSpPr txBox="1"/>
-          <p:nvPr/>
-        </p:nvSpPr>
-        <p:spPr>
-          <a:xfrm>
-            <a:off x="787077" y="1342663"/>
-            <a:ext cx="6412375" cy="2677656"/>
-          </a:xfrm>
-          <a:prstGeom prst="rect">
-            <a:avLst/>
-          </a:prstGeom>
-          <a:noFill/>
-        </p:spPr>
-        <p:txBody>
-          <a:bodyPr wrap="square" rtlCol="0">
-            <a:spAutoFit/>
-          </a:bodyPr>
-          <a:lstStyle/>
-          <a:p>
-            <a:pPr marL="342900" indent="-342900">
-              <a:buAutoNum type="arabicPeriod"/>
-            </a:pPr>
-            <a:r>
-              <a:rPr lang="fr-FR" sz="2800" dirty="0">
-                <a:solidFill>
-                  <a:schemeClr val="accent1"/>
-                </a:solidFill>
-              </a:rPr>
-              <a:t>Contexte</a:t>
-            </a:r>
-          </a:p>
-          <a:p>
-            <a:pPr marL="342900" indent="-342900">
-              <a:buAutoNum type="arabicPeriod"/>
-            </a:pPr>
-            <a:r>
-              <a:rPr lang="fr-FR" sz="2800" dirty="0">
-                <a:solidFill>
-                  <a:schemeClr val="accent1"/>
-                </a:solidFill>
-              </a:rPr>
-              <a:t>Acteurs d’OC Pizza</a:t>
-            </a:r>
-          </a:p>
-          <a:p>
-            <a:pPr marL="342900" indent="-342900">
-              <a:buAutoNum type="arabicPeriod"/>
-            </a:pPr>
-            <a:r>
-              <a:rPr lang="fr-FR" sz="2800" dirty="0">
-                <a:solidFill>
-                  <a:schemeClr val="accent1"/>
-                </a:solidFill>
-              </a:rPr>
-              <a:t>Notre proposition</a:t>
-            </a:r>
-          </a:p>
-          <a:p>
-            <a:pPr marL="971550" lvl="1" indent="-514350">
-              <a:buFont typeface="+mj-lt"/>
-              <a:buAutoNum type="alphaLcPeriod"/>
-            </a:pPr>
-            <a:r>
-              <a:rPr lang="fr-FR" sz="2800" dirty="0">
-                <a:solidFill>
-                  <a:schemeClr val="accent1"/>
-                </a:solidFill>
-              </a:rPr>
-              <a:t>Solution Fonctionnelle</a:t>
-            </a:r>
-          </a:p>
-          <a:p>
-            <a:pPr marL="971550" lvl="1" indent="-514350">
-              <a:buFont typeface="+mj-lt"/>
-              <a:buAutoNum type="alphaLcPeriod"/>
-            </a:pPr>
-            <a:r>
-              <a:rPr lang="fr-FR" sz="2800" dirty="0">
-                <a:solidFill>
-                  <a:schemeClr val="accent1"/>
-                </a:solidFill>
-              </a:rPr>
-              <a:t>Solution Technique</a:t>
-            </a:r>
-          </a:p>
-          <a:p>
-            <a:pPr marL="342900" indent="-342900">
-              <a:buAutoNum type="arabicPeriod"/>
-            </a:pPr>
-            <a:endParaRPr lang="fr-FR" sz="2800" dirty="0">
-              <a:solidFill>
-                <a:schemeClr val="accent1"/>
-              </a:solidFill>
-            </a:endParaRPr>
-          </a:p>
-        </p:txBody>
-      </p:sp>
-    </p:spTree>
-    <p:extLst>
-      <p:ext uri="{BB962C8B-B14F-4D97-AF65-F5344CB8AC3E}">
-        <p14:creationId xmlns:p14="http://schemas.microsoft.com/office/powerpoint/2010/main" val="3437229215"/>
-      </p:ext>
-    </p:extLst>
-  </p:cSld>
-  <p:clrMapOvr>
-    <a:masterClrMapping/>
-  </p:clrMapOvr>
-</p:sld>
-</file>
-
-<file path=ppt/slides/slide3.xml><?xml version="1.0" encoding="utf-8"?>
-<p:sld xmlns:a="http://schemas.openxmlformats.org/drawingml/2006/main" xmlns:r="http://schemas.openxmlformats.org/officeDocument/2006/relationships" xmlns:p="http://schemas.openxmlformats.org/presentationml/2006/main">
-  <p:cSld>
-    <p:spTree>
-      <p:nvGrpSpPr>
-        <p:cNvPr id="1" name=""/>
-        <p:cNvGrpSpPr/>
-        <p:nvPr/>
-      </p:nvGrpSpPr>
-      <p:grpSpPr>
-        <a:xfrm>
-          <a:off x="0" y="0"/>
-          <a:ext cx="0" cy="0"/>
-          <a:chOff x="0" y="0"/>
-          <a:chExt cx="0" cy="0"/>
-        </a:xfrm>
-      </p:grpSpPr>
-      <p:sp>
-        <p:nvSpPr>
-          <p:cNvPr id="2" name="Titre 1">
-            <a:extLst>
-              <a:ext uri="{FF2B5EF4-FFF2-40B4-BE49-F238E27FC236}">
-                <a16:creationId xmlns:a16="http://schemas.microsoft.com/office/drawing/2014/main" id="{B2D19B05-4231-4C43-B278-CF39F13CFD3C}"/>
-              </a:ext>
-            </a:extLst>
-          </p:cNvPr>
-          <p:cNvSpPr>
-            <a:spLocks noGrp="1"/>
-          </p:cNvSpPr>
-          <p:nvPr>
-            <p:ph type="ctrTitle"/>
-          </p:nvPr>
-        </p:nvSpPr>
-        <p:spPr>
-          <a:xfrm>
-            <a:off x="548839" y="631490"/>
-            <a:ext cx="8808322" cy="595426"/>
-          </a:xfrm>
-        </p:spPr>
-        <p:txBody>
-          <a:bodyPr anchor="t">
-            <a:normAutofit/>
-          </a:bodyPr>
-          <a:lstStyle/>
-          <a:p>
-            <a:pPr algn="l"/>
-            <a:r>
-              <a:rPr lang="fr-FR" sz="2800" b="1" dirty="0">
-                <a:solidFill>
-                  <a:schemeClr val="accent1"/>
-                </a:solidFill>
-                <a:latin typeface="Apple Braille" pitchFamily="2" charset="0"/>
-              </a:rPr>
-              <a:t>1. Contexte</a:t>
-            </a:r>
-            <a:endParaRPr lang="fr-FR" sz="2400" dirty="0"/>
-          </a:p>
-        </p:txBody>
-      </p:sp>
-      <p:sp>
-        <p:nvSpPr>
-          <p:cNvPr id="3" name="Espace réservé du pied de page 2">
-            <a:extLst>
-              <a:ext uri="{FF2B5EF4-FFF2-40B4-BE49-F238E27FC236}">
-                <a16:creationId xmlns:a16="http://schemas.microsoft.com/office/drawing/2014/main" id="{05D91EF7-03BC-704B-A9DD-31465C65BF78}"/>
-              </a:ext>
-            </a:extLst>
-          </p:cNvPr>
-          <p:cNvSpPr>
-            <a:spLocks noGrp="1"/>
-          </p:cNvSpPr>
-          <p:nvPr>
-            <p:ph type="ftr" sz="quarter" idx="11"/>
-          </p:nvPr>
-        </p:nvSpPr>
-        <p:spPr/>
-        <p:txBody>
-          <a:bodyPr/>
-          <a:lstStyle/>
-          <a:p>
-            <a:r>
-              <a:rPr lang="fr-FR" dirty="0"/>
-              <a:t>IT C&amp;D</a:t>
-            </a:r>
-          </a:p>
-        </p:txBody>
-      </p:sp>
-      <p:sp>
-        <p:nvSpPr>
-          <p:cNvPr id="4" name="ZoneTexte 3">
-            <a:extLst>
-              <a:ext uri="{FF2B5EF4-FFF2-40B4-BE49-F238E27FC236}">
-                <a16:creationId xmlns:a16="http://schemas.microsoft.com/office/drawing/2014/main" id="{E3B4F61E-C420-BF49-A015-3AE7ACC57B87}"/>
-              </a:ext>
-            </a:extLst>
-          </p:cNvPr>
-          <p:cNvSpPr txBox="1"/>
-          <p:nvPr/>
-        </p:nvSpPr>
-        <p:spPr>
-          <a:xfrm>
-            <a:off x="787077" y="1342663"/>
-            <a:ext cx="8380072" cy="4708981"/>
-          </a:xfrm>
-          <a:prstGeom prst="rect">
-            <a:avLst/>
-          </a:prstGeom>
-          <a:noFill/>
-        </p:spPr>
-        <p:txBody>
-          <a:bodyPr wrap="square" rtlCol="0">
-            <a:spAutoFit/>
-          </a:bodyPr>
-          <a:lstStyle/>
-          <a:p>
-            <a:pPr marL="342900" indent="-342900">
-              <a:buFont typeface="Arial" panose="020B0604020202020204" pitchFamily="34" charset="0"/>
-              <a:buChar char="•"/>
-            </a:pPr>
-            <a:r>
-              <a:rPr lang="fr-FR" sz="2000" dirty="0">
-                <a:solidFill>
-                  <a:schemeClr val="accent1"/>
-                </a:solidFill>
-              </a:rPr>
-              <a:t>OC Pizza est un groupe dédié à la vente et de livraison de pizzas à domicile </a:t>
-            </a:r>
-          </a:p>
-          <a:p>
-            <a:pPr marL="342900" indent="-342900">
-              <a:buFont typeface="Arial" panose="020B0604020202020204" pitchFamily="34" charset="0"/>
-              <a:buChar char="•"/>
-            </a:pPr>
-            <a:r>
-              <a:rPr lang="fr-FR" sz="2000" dirty="0">
-                <a:solidFill>
-                  <a:schemeClr val="accent1"/>
-                </a:solidFill>
-              </a:rPr>
-              <a:t>OC Pizza a l’ambition de passer de 5 à 8 points de vente en 6 mois (+3)</a:t>
-            </a:r>
-          </a:p>
-          <a:p>
-            <a:endParaRPr lang="fr-FR" sz="2000" dirty="0">
-              <a:solidFill>
-                <a:schemeClr val="accent1"/>
-              </a:solidFill>
-            </a:endParaRPr>
-          </a:p>
-          <a:p>
-            <a:r>
-              <a:rPr lang="fr-FR" sz="2000" dirty="0">
-                <a:solidFill>
-                  <a:schemeClr val="accent1"/>
-                </a:solidFill>
-              </a:rPr>
-              <a:t>Mais le système informatique n’est aujourd’hui pas adapté à un groupe aux objectifs ambitieux. En effet:</a:t>
-            </a:r>
-          </a:p>
-          <a:p>
-            <a:pPr marL="342900" indent="-342900">
-              <a:buFont typeface="Arial" panose="020B0604020202020204" pitchFamily="34" charset="0"/>
-              <a:buChar char="•"/>
-            </a:pPr>
-            <a:r>
-              <a:rPr lang="fr-FR" sz="2000" dirty="0">
-                <a:solidFill>
-                  <a:schemeClr val="accent1"/>
-                </a:solidFill>
-              </a:rPr>
-              <a:t>Pas de gestion centralisée des </a:t>
-            </a:r>
-            <a:r>
-              <a:rPr lang="fr-FR" sz="2000" dirty="0" err="1">
-                <a:solidFill>
-                  <a:schemeClr val="accent1"/>
-                </a:solidFill>
-              </a:rPr>
-              <a:t>PdV</a:t>
-            </a:r>
-            <a:r>
-              <a:rPr lang="fr-FR" sz="2000" dirty="0">
-                <a:solidFill>
-                  <a:schemeClr val="accent1"/>
-                </a:solidFill>
-              </a:rPr>
-              <a:t>, </a:t>
-            </a:r>
-          </a:p>
-          <a:p>
-            <a:pPr marL="342900" indent="-342900">
-              <a:buFont typeface="Arial" panose="020B0604020202020204" pitchFamily="34" charset="0"/>
-              <a:buChar char="•"/>
-            </a:pPr>
-            <a:r>
-              <a:rPr lang="fr-FR" sz="2000" dirty="0">
-                <a:solidFill>
-                  <a:schemeClr val="accent1"/>
-                </a:solidFill>
-              </a:rPr>
-              <a:t>Système de suivi des livraisons défaillant,</a:t>
-            </a:r>
-          </a:p>
-          <a:p>
-            <a:endParaRPr lang="fr-FR" sz="2000" dirty="0">
-              <a:solidFill>
-                <a:schemeClr val="accent1"/>
-              </a:solidFill>
-            </a:endParaRPr>
-          </a:p>
-          <a:p>
-            <a:r>
-              <a:rPr lang="fr-FR" sz="2000" b="1" dirty="0">
-                <a:solidFill>
-                  <a:schemeClr val="accent1"/>
-                </a:solidFill>
-              </a:rPr>
-              <a:t>Conclusion d’OC Pizza : </a:t>
-            </a:r>
-          </a:p>
-          <a:p>
-            <a:r>
-              <a:rPr lang="fr-FR" sz="2000" dirty="0">
-                <a:solidFill>
-                  <a:schemeClr val="accent1"/>
-                </a:solidFill>
-              </a:rPr>
-              <a:t>Besoin d’un système informatique performant et fait sur mesure pour accompagner l’ouverture des nouveaux points de vente</a:t>
-            </a:r>
-          </a:p>
-          <a:p>
-            <a:pPr marL="342900" indent="-342900">
-              <a:buFont typeface="Arial" panose="020B0604020202020204" pitchFamily="34" charset="0"/>
-              <a:buChar char="•"/>
-            </a:pPr>
-            <a:endParaRPr lang="fr-FR" sz="2000" dirty="0">
-              <a:solidFill>
-                <a:schemeClr val="accent1"/>
-              </a:solidFill>
-            </a:endParaRPr>
-          </a:p>
-          <a:p>
-            <a:endParaRPr lang="fr-FR" sz="2000" dirty="0">
-              <a:solidFill>
-                <a:schemeClr val="accent1"/>
-              </a:solidFill>
-            </a:endParaRPr>
-          </a:p>
-          <a:p>
-            <a:endParaRPr lang="fr-FR" sz="2000" dirty="0">
-              <a:solidFill>
-                <a:schemeClr val="accent1"/>
-              </a:solidFill>
-            </a:endParaRPr>
-          </a:p>
-          <a:p>
-            <a:pPr marL="342900" indent="-342900">
-              <a:buFont typeface="Arial" panose="020B0604020202020204" pitchFamily="34" charset="0"/>
-              <a:buChar char="•"/>
-            </a:pPr>
-            <a:endParaRPr lang="fr-FR" sz="2000" dirty="0">
-              <a:solidFill>
-                <a:schemeClr val="accent1"/>
-              </a:solidFill>
-            </a:endParaRPr>
-          </a:p>
-        </p:txBody>
-      </p:sp>
-    </p:spTree>
-    <p:extLst>
-      <p:ext uri="{BB962C8B-B14F-4D97-AF65-F5344CB8AC3E}">
-        <p14:creationId xmlns:p14="http://schemas.microsoft.com/office/powerpoint/2010/main" val="629877094"/>
-      </p:ext>
-    </p:extLst>
-  </p:cSld>
-  <p:clrMapOvr>
-    <a:masterClrMapping/>
-  </p:clrMapOvr>
-</p:sld>
-</file>
-
-<file path=ppt/slides/slide4.xml><?xml version="1.0" encoding="utf-8"?>
-<p:sld xmlns:a="http://schemas.openxmlformats.org/drawingml/2006/main" xmlns:r="http://schemas.openxmlformats.org/officeDocument/2006/relationships" xmlns:p="http://schemas.openxmlformats.org/presentationml/2006/main">
-  <p:cSld>
-    <p:spTree>
-      <p:nvGrpSpPr>
-        <p:cNvPr id="1" name=""/>
-        <p:cNvGrpSpPr/>
-        <p:nvPr/>
-      </p:nvGrpSpPr>
-      <p:grpSpPr>
-        <a:xfrm>
-          <a:off x="0" y="0"/>
-          <a:ext cx="0" cy="0"/>
-          <a:chOff x="0" y="0"/>
-          <a:chExt cx="0" cy="0"/>
-        </a:xfrm>
-      </p:grpSpPr>
-      <p:sp>
-        <p:nvSpPr>
-          <p:cNvPr id="2" name="Titre 1">
-            <a:extLst>
-              <a:ext uri="{FF2B5EF4-FFF2-40B4-BE49-F238E27FC236}">
-                <a16:creationId xmlns:a16="http://schemas.microsoft.com/office/drawing/2014/main" id="{B2D19B05-4231-4C43-B278-CF39F13CFD3C}"/>
-              </a:ext>
-            </a:extLst>
-          </p:cNvPr>
-          <p:cNvSpPr>
-            <a:spLocks noGrp="1"/>
-          </p:cNvSpPr>
-          <p:nvPr>
-            <p:ph type="ctrTitle"/>
-          </p:nvPr>
-        </p:nvSpPr>
-        <p:spPr>
-          <a:xfrm>
-            <a:off x="548839" y="631490"/>
-            <a:ext cx="8808322" cy="595426"/>
-          </a:xfrm>
-        </p:spPr>
-        <p:txBody>
-          <a:bodyPr anchor="t">
-            <a:normAutofit/>
-          </a:bodyPr>
-          <a:lstStyle/>
-          <a:p>
-            <a:pPr algn="l"/>
-            <a:r>
-              <a:rPr lang="fr-FR" sz="2800" b="1" dirty="0">
-                <a:solidFill>
-                  <a:schemeClr val="accent1"/>
-                </a:solidFill>
-                <a:latin typeface="Apple Braille" pitchFamily="2" charset="0"/>
-              </a:rPr>
-              <a:t>1. Acteurs d’OC Pizza</a:t>
+              <a:t>2. Acteurs d’OC Pizza</a:t>
             </a:r>
             <a:endParaRPr lang="fr-FR" sz="2400" dirty="0"/>
           </a:p>
@@ -21601,130 +23162,8 @@
 </p:sld>
 </file>
 
-<file path=ppt/slides/slide5.xml><?xml version="1.0" encoding="utf-8"?>
-<p:sld xmlns:a="http://schemas.openxmlformats.org/drawingml/2006/main" xmlns:r="http://schemas.openxmlformats.org/officeDocument/2006/relationships" xmlns:p="http://schemas.openxmlformats.org/presentationml/2006/main">
-  <p:cSld>
-    <p:spTree>
-      <p:nvGrpSpPr>
-        <p:cNvPr id="1" name=""/>
-        <p:cNvGrpSpPr/>
-        <p:nvPr/>
-      </p:nvGrpSpPr>
-      <p:grpSpPr>
-        <a:xfrm>
-          <a:off x="0" y="0"/>
-          <a:ext cx="0" cy="0"/>
-          <a:chOff x="0" y="0"/>
-          <a:chExt cx="0" cy="0"/>
-        </a:xfrm>
-      </p:grpSpPr>
-      <p:sp>
-        <p:nvSpPr>
-          <p:cNvPr id="2" name="Titre 1">
-            <a:extLst>
-              <a:ext uri="{FF2B5EF4-FFF2-40B4-BE49-F238E27FC236}">
-                <a16:creationId xmlns:a16="http://schemas.microsoft.com/office/drawing/2014/main" id="{B2D19B05-4231-4C43-B278-CF39F13CFD3C}"/>
-              </a:ext>
-            </a:extLst>
-          </p:cNvPr>
-          <p:cNvSpPr>
-            <a:spLocks noGrp="1"/>
-          </p:cNvSpPr>
-          <p:nvPr>
-            <p:ph type="ctrTitle"/>
-          </p:nvPr>
-        </p:nvSpPr>
-        <p:spPr>
-          <a:xfrm>
-            <a:off x="548838" y="631490"/>
-            <a:ext cx="9139171" cy="595426"/>
-          </a:xfrm>
-        </p:spPr>
-        <p:txBody>
-          <a:bodyPr anchor="t">
-            <a:normAutofit/>
-          </a:bodyPr>
-          <a:lstStyle/>
-          <a:p>
-            <a:pPr algn="l"/>
-            <a:r>
-              <a:rPr lang="fr-FR" sz="2800" b="1" dirty="0">
-                <a:solidFill>
-                  <a:schemeClr val="accent1"/>
-                </a:solidFill>
-                <a:latin typeface="Apple Braille" pitchFamily="2" charset="0"/>
-              </a:rPr>
-              <a:t>4. Notre Proposition : 5 Catégories de fonctionnalités</a:t>
-            </a:r>
-            <a:endParaRPr lang="fr-FR" sz="2400" dirty="0"/>
-          </a:p>
-        </p:txBody>
-      </p:sp>
-      <p:sp>
-        <p:nvSpPr>
-          <p:cNvPr id="3" name="Espace réservé du pied de page 2">
-            <a:extLst>
-              <a:ext uri="{FF2B5EF4-FFF2-40B4-BE49-F238E27FC236}">
-                <a16:creationId xmlns:a16="http://schemas.microsoft.com/office/drawing/2014/main" id="{05D91EF7-03BC-704B-A9DD-31465C65BF78}"/>
-              </a:ext>
-            </a:extLst>
-          </p:cNvPr>
-          <p:cNvSpPr>
-            <a:spLocks noGrp="1"/>
-          </p:cNvSpPr>
-          <p:nvPr>
-            <p:ph type="ftr" sz="quarter" idx="11"/>
-          </p:nvPr>
-        </p:nvSpPr>
-        <p:spPr/>
-        <p:txBody>
-          <a:bodyPr/>
-          <a:lstStyle/>
-          <a:p>
-            <a:r>
-              <a:rPr lang="fr-FR" dirty="0"/>
-              <a:t>IT C&amp;D</a:t>
-            </a:r>
-          </a:p>
-        </p:txBody>
-      </p:sp>
-      <p:graphicFrame>
-        <p:nvGraphicFramePr>
-          <p:cNvPr id="5" name="Diagramme 4">
-            <a:extLst>
-              <a:ext uri="{FF2B5EF4-FFF2-40B4-BE49-F238E27FC236}">
-                <a16:creationId xmlns:a16="http://schemas.microsoft.com/office/drawing/2014/main" id="{BDED6270-585D-AB4B-B724-8811D349EADE}"/>
-              </a:ext>
-            </a:extLst>
-          </p:cNvPr>
-          <p:cNvGraphicFramePr/>
-          <p:nvPr/>
-        </p:nvGraphicFramePr>
-        <p:xfrm>
-          <a:off x="1651000" y="1356838"/>
-          <a:ext cx="6604000" cy="4998844"/>
-        </p:xfrm>
-        <a:graphic>
-          <a:graphicData uri="http://schemas.openxmlformats.org/drawingml/2006/diagram">
-            <dgm:relIds xmlns:dgm="http://schemas.openxmlformats.org/drawingml/2006/diagram" xmlns:r="http://schemas.openxmlformats.org/officeDocument/2006/relationships" r:dm="rId2" r:lo="rId3" r:qs="rId4" r:cs="rId5"/>
-          </a:graphicData>
-        </a:graphic>
-      </p:graphicFrame>
-    </p:spTree>
-    <p:extLst>
-      <p:ext uri="{BB962C8B-B14F-4D97-AF65-F5344CB8AC3E}">
-        <p14:creationId xmlns:p14="http://schemas.microsoft.com/office/powerpoint/2010/main" val="143313683"/>
-      </p:ext>
-    </p:extLst>
-  </p:cSld>
-  <p:clrMapOvr>
-    <a:masterClrMapping/>
-  </p:clrMapOvr>
-</p:sld>
-</file>
-
-<file path=ppt/slides/slide6.xml><?xml version="1.0" encoding="utf-8"?>
-<p:sld xmlns:a="http://schemas.openxmlformats.org/drawingml/2006/main" xmlns:r="http://schemas.openxmlformats.org/officeDocument/2006/relationships" xmlns:p="http://schemas.openxmlformats.org/presentationml/2006/main">
+<file path=ppt/slides/slide13.xml><?xml version="1.0" encoding="utf-8"?>
+<p:sld xmlns:a="http://schemas.openxmlformats.org/drawingml/2006/main" xmlns:r="http://schemas.openxmlformats.org/officeDocument/2006/relationships" xmlns:p="http://schemas.openxmlformats.org/presentationml/2006/main" show="0">
   <p:cSld>
     <p:spTree>
       <p:nvGrpSpPr>
@@ -21776,7 +23215,7 @@
                 </a:solidFill>
                 <a:latin typeface="Apple Braille" pitchFamily="2" charset="0"/>
               </a:rPr>
-              <a:t>4. Notre proposition : Cycle de commande optimal</a:t>
+              <a:t>3. Notre proposition : Cycle de commande optimal</a:t>
             </a:r>
             <a:endParaRPr lang="fr-FR" sz="2400" dirty="0"/>
           </a:p>
@@ -21916,8 +23355,8 @@
 </p:sld>
 </file>
 
-<file path=ppt/slides/slide7.xml><?xml version="1.0" encoding="utf-8"?>
-<p:sld xmlns:a="http://schemas.openxmlformats.org/drawingml/2006/main" xmlns:r="http://schemas.openxmlformats.org/officeDocument/2006/relationships" xmlns:p="http://schemas.openxmlformats.org/presentationml/2006/main">
+<file path=ppt/slides/slide14.xml><?xml version="1.0" encoding="utf-8"?>
+<p:sld xmlns:a="http://schemas.openxmlformats.org/drawingml/2006/main" xmlns:r="http://schemas.openxmlformats.org/officeDocument/2006/relationships" xmlns:p="http://schemas.openxmlformats.org/presentationml/2006/main" show="0">
   <p:cSld>
     <p:spTree>
       <p:nvGrpSpPr>
@@ -21969,7 +23408,7 @@
                 </a:solidFill>
                 <a:latin typeface="Apple Braille" pitchFamily="2" charset="0"/>
               </a:rPr>
-              <a:t>4. Notre proposition : Cycle de commande optimal</a:t>
+              <a:t>3. Notre proposition : Cycle de commande optimal</a:t>
             </a:r>
             <a:endParaRPr lang="fr-FR" sz="2400" dirty="0"/>
           </a:p>
@@ -22044,7 +23483,7 @@
 </p:sld>
 </file>
 
-<file path=ppt/slides/slide8.xml><?xml version="1.0" encoding="utf-8"?>
+<file path=ppt/slides/slide2.xml><?xml version="1.0" encoding="utf-8"?>
 <p:sld xmlns:a="http://schemas.openxmlformats.org/drawingml/2006/main" xmlns:r="http://schemas.openxmlformats.org/officeDocument/2006/relationships" xmlns:p="http://schemas.openxmlformats.org/presentationml/2006/main">
   <p:cSld>
     <p:spTree>
@@ -22097,7 +23536,812 @@
                 </a:solidFill>
                 <a:latin typeface="Apple Braille" pitchFamily="2" charset="0"/>
               </a:rPr>
-              <a:t>3. Notre proposition : Une solution mode </a:t>
+              <a:t>Plan</a:t>
+            </a:r>
+            <a:endParaRPr lang="fr-FR" sz="2400" dirty="0"/>
+          </a:p>
+        </p:txBody>
+      </p:sp>
+      <p:sp>
+        <p:nvSpPr>
+          <p:cNvPr id="3" name="Espace réservé du pied de page 2">
+            <a:extLst>
+              <a:ext uri="{FF2B5EF4-FFF2-40B4-BE49-F238E27FC236}">
+                <a16:creationId xmlns:a16="http://schemas.microsoft.com/office/drawing/2014/main" id="{05D91EF7-03BC-704B-A9DD-31465C65BF78}"/>
+              </a:ext>
+            </a:extLst>
+          </p:cNvPr>
+          <p:cNvSpPr>
+            <a:spLocks noGrp="1"/>
+          </p:cNvSpPr>
+          <p:nvPr>
+            <p:ph type="ftr" sz="quarter" idx="11"/>
+          </p:nvPr>
+        </p:nvSpPr>
+        <p:spPr/>
+        <p:txBody>
+          <a:bodyPr/>
+          <a:lstStyle/>
+          <a:p>
+            <a:r>
+              <a:rPr lang="fr-FR" dirty="0"/>
+              <a:t>IT C&amp;D</a:t>
+            </a:r>
+          </a:p>
+        </p:txBody>
+      </p:sp>
+      <p:sp>
+        <p:nvSpPr>
+          <p:cNvPr id="4" name="ZoneTexte 3">
+            <a:extLst>
+              <a:ext uri="{FF2B5EF4-FFF2-40B4-BE49-F238E27FC236}">
+                <a16:creationId xmlns:a16="http://schemas.microsoft.com/office/drawing/2014/main" id="{E3B4F61E-C420-BF49-A015-3AE7ACC57B87}"/>
+              </a:ext>
+            </a:extLst>
+          </p:cNvPr>
+          <p:cNvSpPr txBox="1"/>
+          <p:nvPr/>
+        </p:nvSpPr>
+        <p:spPr>
+          <a:xfrm>
+            <a:off x="787077" y="1342663"/>
+            <a:ext cx="6412375" cy="2246769"/>
+          </a:xfrm>
+          <a:prstGeom prst="rect">
+            <a:avLst/>
+          </a:prstGeom>
+          <a:noFill/>
+        </p:spPr>
+        <p:txBody>
+          <a:bodyPr wrap="square" rtlCol="0">
+            <a:spAutoFit/>
+          </a:bodyPr>
+          <a:lstStyle/>
+          <a:p>
+            <a:pPr marL="342900" indent="-342900">
+              <a:buAutoNum type="arabicPeriod"/>
+            </a:pPr>
+            <a:r>
+              <a:rPr lang="fr-FR" sz="2800" dirty="0">
+                <a:solidFill>
+                  <a:schemeClr val="accent1"/>
+                </a:solidFill>
+              </a:rPr>
+              <a:t>Contexte</a:t>
+            </a:r>
+          </a:p>
+          <a:p>
+            <a:pPr marL="342900" indent="-342900">
+              <a:buAutoNum type="arabicPeriod"/>
+            </a:pPr>
+            <a:r>
+              <a:rPr lang="fr-FR" sz="2800" dirty="0">
+                <a:solidFill>
+                  <a:schemeClr val="accent1"/>
+                </a:solidFill>
+              </a:rPr>
+              <a:t>Notre proposition</a:t>
+            </a:r>
+          </a:p>
+          <a:p>
+            <a:pPr marL="971550" lvl="1" indent="-514350">
+              <a:buFont typeface="+mj-lt"/>
+              <a:buAutoNum type="alphaLcPeriod"/>
+            </a:pPr>
+            <a:r>
+              <a:rPr lang="fr-FR" sz="2800" dirty="0">
+                <a:solidFill>
+                  <a:schemeClr val="accent1"/>
+                </a:solidFill>
+              </a:rPr>
+              <a:t>Solution Fonctionnelle</a:t>
+            </a:r>
+          </a:p>
+          <a:p>
+            <a:pPr marL="971550" lvl="1" indent="-514350">
+              <a:buFont typeface="+mj-lt"/>
+              <a:buAutoNum type="alphaLcPeriod"/>
+            </a:pPr>
+            <a:r>
+              <a:rPr lang="fr-FR" sz="2800" dirty="0">
+                <a:solidFill>
+                  <a:schemeClr val="accent1"/>
+                </a:solidFill>
+              </a:rPr>
+              <a:t>Solution Technique</a:t>
+            </a:r>
+          </a:p>
+          <a:p>
+            <a:pPr marL="342900" indent="-342900">
+              <a:buAutoNum type="arabicPeriod"/>
+            </a:pPr>
+            <a:endParaRPr lang="fr-FR" sz="2800" dirty="0">
+              <a:solidFill>
+                <a:schemeClr val="accent1"/>
+              </a:solidFill>
+            </a:endParaRPr>
+          </a:p>
+        </p:txBody>
+      </p:sp>
+    </p:spTree>
+    <p:extLst>
+      <p:ext uri="{BB962C8B-B14F-4D97-AF65-F5344CB8AC3E}">
+        <p14:creationId xmlns:p14="http://schemas.microsoft.com/office/powerpoint/2010/main" val="3437229215"/>
+      </p:ext>
+    </p:extLst>
+  </p:cSld>
+  <p:clrMapOvr>
+    <a:masterClrMapping/>
+  </p:clrMapOvr>
+</p:sld>
+</file>
+
+<file path=ppt/slides/slide3.xml><?xml version="1.0" encoding="utf-8"?>
+<p:sld xmlns:a="http://schemas.openxmlformats.org/drawingml/2006/main" xmlns:r="http://schemas.openxmlformats.org/officeDocument/2006/relationships" xmlns:p="http://schemas.openxmlformats.org/presentationml/2006/main">
+  <p:cSld>
+    <p:spTree>
+      <p:nvGrpSpPr>
+        <p:cNvPr id="1" name=""/>
+        <p:cNvGrpSpPr/>
+        <p:nvPr/>
+      </p:nvGrpSpPr>
+      <p:grpSpPr>
+        <a:xfrm>
+          <a:off x="0" y="0"/>
+          <a:ext cx="0" cy="0"/>
+          <a:chOff x="0" y="0"/>
+          <a:chExt cx="0" cy="0"/>
+        </a:xfrm>
+      </p:grpSpPr>
+      <p:sp>
+        <p:nvSpPr>
+          <p:cNvPr id="2" name="Titre 1">
+            <a:extLst>
+              <a:ext uri="{FF2B5EF4-FFF2-40B4-BE49-F238E27FC236}">
+                <a16:creationId xmlns:a16="http://schemas.microsoft.com/office/drawing/2014/main" id="{B2D19B05-4231-4C43-B278-CF39F13CFD3C}"/>
+              </a:ext>
+            </a:extLst>
+          </p:cNvPr>
+          <p:cNvSpPr>
+            <a:spLocks noGrp="1"/>
+          </p:cNvSpPr>
+          <p:nvPr>
+            <p:ph type="ctrTitle"/>
+          </p:nvPr>
+        </p:nvSpPr>
+        <p:spPr>
+          <a:xfrm>
+            <a:off x="548839" y="631490"/>
+            <a:ext cx="8808322" cy="595426"/>
+          </a:xfrm>
+        </p:spPr>
+        <p:txBody>
+          <a:bodyPr anchor="t">
+            <a:normAutofit/>
+          </a:bodyPr>
+          <a:lstStyle/>
+          <a:p>
+            <a:pPr algn="l"/>
+            <a:r>
+              <a:rPr lang="fr-FR" sz="2800" b="1" dirty="0">
+                <a:solidFill>
+                  <a:schemeClr val="accent1"/>
+                </a:solidFill>
+                <a:latin typeface="Apple Braille" pitchFamily="2" charset="0"/>
+              </a:rPr>
+              <a:t>1. Contexte</a:t>
+            </a:r>
+            <a:endParaRPr lang="fr-FR" sz="2400" dirty="0"/>
+          </a:p>
+        </p:txBody>
+      </p:sp>
+      <p:sp>
+        <p:nvSpPr>
+          <p:cNvPr id="3" name="Espace réservé du pied de page 2">
+            <a:extLst>
+              <a:ext uri="{FF2B5EF4-FFF2-40B4-BE49-F238E27FC236}">
+                <a16:creationId xmlns:a16="http://schemas.microsoft.com/office/drawing/2014/main" id="{05D91EF7-03BC-704B-A9DD-31465C65BF78}"/>
+              </a:ext>
+            </a:extLst>
+          </p:cNvPr>
+          <p:cNvSpPr>
+            <a:spLocks noGrp="1"/>
+          </p:cNvSpPr>
+          <p:nvPr>
+            <p:ph type="ftr" sz="quarter" idx="11"/>
+          </p:nvPr>
+        </p:nvSpPr>
+        <p:spPr/>
+        <p:txBody>
+          <a:bodyPr/>
+          <a:lstStyle/>
+          <a:p>
+            <a:r>
+              <a:rPr lang="fr-FR" dirty="0"/>
+              <a:t>IT C&amp;D</a:t>
+            </a:r>
+          </a:p>
+        </p:txBody>
+      </p:sp>
+      <p:sp>
+        <p:nvSpPr>
+          <p:cNvPr id="4" name="ZoneTexte 3">
+            <a:extLst>
+              <a:ext uri="{FF2B5EF4-FFF2-40B4-BE49-F238E27FC236}">
+                <a16:creationId xmlns:a16="http://schemas.microsoft.com/office/drawing/2014/main" id="{E3B4F61E-C420-BF49-A015-3AE7ACC57B87}"/>
+              </a:ext>
+            </a:extLst>
+          </p:cNvPr>
+          <p:cNvSpPr txBox="1"/>
+          <p:nvPr/>
+        </p:nvSpPr>
+        <p:spPr>
+          <a:xfrm>
+            <a:off x="787077" y="1342663"/>
+            <a:ext cx="8380072" cy="4708981"/>
+          </a:xfrm>
+          <a:prstGeom prst="rect">
+            <a:avLst/>
+          </a:prstGeom>
+          <a:noFill/>
+        </p:spPr>
+        <p:txBody>
+          <a:bodyPr wrap="square" rtlCol="0">
+            <a:spAutoFit/>
+          </a:bodyPr>
+          <a:lstStyle/>
+          <a:p>
+            <a:pPr marL="342900" indent="-342900">
+              <a:buFont typeface="Arial" panose="020B0604020202020204" pitchFamily="34" charset="0"/>
+              <a:buChar char="•"/>
+            </a:pPr>
+            <a:r>
+              <a:rPr lang="fr-FR" sz="2000" dirty="0">
+                <a:solidFill>
+                  <a:schemeClr val="accent1"/>
+                </a:solidFill>
+              </a:rPr>
+              <a:t>OC Pizza est un groupe dédié à la vente et de livraison de pizzas à domicile </a:t>
+            </a:r>
+          </a:p>
+          <a:p>
+            <a:pPr marL="342900" indent="-342900">
+              <a:buFont typeface="Arial" panose="020B0604020202020204" pitchFamily="34" charset="0"/>
+              <a:buChar char="•"/>
+            </a:pPr>
+            <a:r>
+              <a:rPr lang="fr-FR" sz="2000" dirty="0">
+                <a:solidFill>
+                  <a:schemeClr val="accent1"/>
+                </a:solidFill>
+              </a:rPr>
+              <a:t>OC Pizza a l’ambition de passer de 5 à 8 points de vente en 6 mois (+3)</a:t>
+            </a:r>
+          </a:p>
+          <a:p>
+            <a:endParaRPr lang="fr-FR" sz="2000" dirty="0">
+              <a:solidFill>
+                <a:schemeClr val="accent1"/>
+              </a:solidFill>
+            </a:endParaRPr>
+          </a:p>
+          <a:p>
+            <a:r>
+              <a:rPr lang="fr-FR" sz="2000" dirty="0">
+                <a:solidFill>
+                  <a:schemeClr val="accent1"/>
+                </a:solidFill>
+              </a:rPr>
+              <a:t>Mais le système informatique n’est aujourd’hui pas adapté à un groupe aux objectifs ambitieux. En effet:</a:t>
+            </a:r>
+          </a:p>
+          <a:p>
+            <a:pPr marL="342900" indent="-342900">
+              <a:buFont typeface="Arial" panose="020B0604020202020204" pitchFamily="34" charset="0"/>
+              <a:buChar char="•"/>
+            </a:pPr>
+            <a:r>
+              <a:rPr lang="fr-FR" sz="2000" dirty="0">
+                <a:solidFill>
+                  <a:schemeClr val="accent1"/>
+                </a:solidFill>
+              </a:rPr>
+              <a:t>Pas de gestion centralisée des </a:t>
+            </a:r>
+            <a:r>
+              <a:rPr lang="fr-FR" sz="2000" dirty="0" err="1">
+                <a:solidFill>
+                  <a:schemeClr val="accent1"/>
+                </a:solidFill>
+              </a:rPr>
+              <a:t>PdV</a:t>
+            </a:r>
+            <a:r>
+              <a:rPr lang="fr-FR" sz="2000" dirty="0">
+                <a:solidFill>
+                  <a:schemeClr val="accent1"/>
+                </a:solidFill>
+              </a:rPr>
+              <a:t>, </a:t>
+            </a:r>
+          </a:p>
+          <a:p>
+            <a:pPr marL="342900" indent="-342900">
+              <a:buFont typeface="Arial" panose="020B0604020202020204" pitchFamily="34" charset="0"/>
+              <a:buChar char="•"/>
+            </a:pPr>
+            <a:r>
+              <a:rPr lang="fr-FR" sz="2000" dirty="0">
+                <a:solidFill>
+                  <a:schemeClr val="accent1"/>
+                </a:solidFill>
+              </a:rPr>
+              <a:t>Système de suivi des livraisons défaillant,</a:t>
+            </a:r>
+          </a:p>
+          <a:p>
+            <a:endParaRPr lang="fr-FR" sz="2000" dirty="0">
+              <a:solidFill>
+                <a:schemeClr val="accent1"/>
+              </a:solidFill>
+            </a:endParaRPr>
+          </a:p>
+          <a:p>
+            <a:r>
+              <a:rPr lang="fr-FR" sz="2000" b="1" dirty="0">
+                <a:solidFill>
+                  <a:schemeClr val="accent1"/>
+                </a:solidFill>
+              </a:rPr>
+              <a:t>Conclusion d’OC Pizza : </a:t>
+            </a:r>
+          </a:p>
+          <a:p>
+            <a:r>
+              <a:rPr lang="fr-FR" sz="2000" dirty="0">
+                <a:solidFill>
+                  <a:schemeClr val="accent1"/>
+                </a:solidFill>
+              </a:rPr>
+              <a:t>Besoin d’un système informatique performant et fait sur mesure pour accompagner l’ouverture des nouveaux points de vente</a:t>
+            </a:r>
+          </a:p>
+          <a:p>
+            <a:pPr marL="342900" indent="-342900">
+              <a:buFont typeface="Arial" panose="020B0604020202020204" pitchFamily="34" charset="0"/>
+              <a:buChar char="•"/>
+            </a:pPr>
+            <a:endParaRPr lang="fr-FR" sz="2000" dirty="0">
+              <a:solidFill>
+                <a:schemeClr val="accent1"/>
+              </a:solidFill>
+            </a:endParaRPr>
+          </a:p>
+          <a:p>
+            <a:endParaRPr lang="fr-FR" sz="2000" dirty="0">
+              <a:solidFill>
+                <a:schemeClr val="accent1"/>
+              </a:solidFill>
+            </a:endParaRPr>
+          </a:p>
+          <a:p>
+            <a:endParaRPr lang="fr-FR" sz="2000" dirty="0">
+              <a:solidFill>
+                <a:schemeClr val="accent1"/>
+              </a:solidFill>
+            </a:endParaRPr>
+          </a:p>
+          <a:p>
+            <a:pPr marL="342900" indent="-342900">
+              <a:buFont typeface="Arial" panose="020B0604020202020204" pitchFamily="34" charset="0"/>
+              <a:buChar char="•"/>
+            </a:pPr>
+            <a:endParaRPr lang="fr-FR" sz="2000" dirty="0">
+              <a:solidFill>
+                <a:schemeClr val="accent1"/>
+              </a:solidFill>
+            </a:endParaRPr>
+          </a:p>
+        </p:txBody>
+      </p:sp>
+    </p:spTree>
+    <p:extLst>
+      <p:ext uri="{BB962C8B-B14F-4D97-AF65-F5344CB8AC3E}">
+        <p14:creationId xmlns:p14="http://schemas.microsoft.com/office/powerpoint/2010/main" val="629877094"/>
+      </p:ext>
+    </p:extLst>
+  </p:cSld>
+  <p:clrMapOvr>
+    <a:masterClrMapping/>
+  </p:clrMapOvr>
+</p:sld>
+</file>
+
+<file path=ppt/slides/slide4.xml><?xml version="1.0" encoding="utf-8"?>
+<p:sld xmlns:a="http://schemas.openxmlformats.org/drawingml/2006/main" xmlns:r="http://schemas.openxmlformats.org/officeDocument/2006/relationships" xmlns:p="http://schemas.openxmlformats.org/presentationml/2006/main">
+  <p:cSld>
+    <p:spTree>
+      <p:nvGrpSpPr>
+        <p:cNvPr id="1" name=""/>
+        <p:cNvGrpSpPr/>
+        <p:nvPr/>
+      </p:nvGrpSpPr>
+      <p:grpSpPr>
+        <a:xfrm>
+          <a:off x="0" y="0"/>
+          <a:ext cx="0" cy="0"/>
+          <a:chOff x="0" y="0"/>
+          <a:chExt cx="0" cy="0"/>
+        </a:xfrm>
+      </p:grpSpPr>
+      <p:sp>
+        <p:nvSpPr>
+          <p:cNvPr id="2" name="Titre 1">
+            <a:extLst>
+              <a:ext uri="{FF2B5EF4-FFF2-40B4-BE49-F238E27FC236}">
+                <a16:creationId xmlns:a16="http://schemas.microsoft.com/office/drawing/2014/main" id="{B2D19B05-4231-4C43-B278-CF39F13CFD3C}"/>
+              </a:ext>
+            </a:extLst>
+          </p:cNvPr>
+          <p:cNvSpPr>
+            <a:spLocks noGrp="1"/>
+          </p:cNvSpPr>
+          <p:nvPr>
+            <p:ph type="ctrTitle"/>
+          </p:nvPr>
+        </p:nvSpPr>
+        <p:spPr>
+          <a:xfrm>
+            <a:off x="548838" y="631490"/>
+            <a:ext cx="9139171" cy="595426"/>
+          </a:xfrm>
+        </p:spPr>
+        <p:txBody>
+          <a:bodyPr anchor="t">
+            <a:normAutofit/>
+          </a:bodyPr>
+          <a:lstStyle/>
+          <a:p>
+            <a:pPr algn="l"/>
+            <a:r>
+              <a:rPr lang="fr-FR" sz="2800" b="1" dirty="0">
+                <a:solidFill>
+                  <a:schemeClr val="accent1"/>
+                </a:solidFill>
+                <a:latin typeface="Apple Braille" pitchFamily="2" charset="0"/>
+              </a:rPr>
+              <a:t>2. Notre Proposition : 5 Catégories de fonctionnalités</a:t>
+            </a:r>
+            <a:endParaRPr lang="fr-FR" sz="2400" dirty="0"/>
+          </a:p>
+        </p:txBody>
+      </p:sp>
+      <p:sp>
+        <p:nvSpPr>
+          <p:cNvPr id="3" name="Espace réservé du pied de page 2">
+            <a:extLst>
+              <a:ext uri="{FF2B5EF4-FFF2-40B4-BE49-F238E27FC236}">
+                <a16:creationId xmlns:a16="http://schemas.microsoft.com/office/drawing/2014/main" id="{05D91EF7-03BC-704B-A9DD-31465C65BF78}"/>
+              </a:ext>
+            </a:extLst>
+          </p:cNvPr>
+          <p:cNvSpPr>
+            <a:spLocks noGrp="1"/>
+          </p:cNvSpPr>
+          <p:nvPr>
+            <p:ph type="ftr" sz="quarter" idx="11"/>
+          </p:nvPr>
+        </p:nvSpPr>
+        <p:spPr/>
+        <p:txBody>
+          <a:bodyPr/>
+          <a:lstStyle/>
+          <a:p>
+            <a:r>
+              <a:rPr lang="fr-FR" dirty="0"/>
+              <a:t>IT C&amp;D</a:t>
+            </a:r>
+          </a:p>
+        </p:txBody>
+      </p:sp>
+      <p:graphicFrame>
+        <p:nvGraphicFramePr>
+          <p:cNvPr id="5" name="Diagramme 4">
+            <a:extLst>
+              <a:ext uri="{FF2B5EF4-FFF2-40B4-BE49-F238E27FC236}">
+                <a16:creationId xmlns:a16="http://schemas.microsoft.com/office/drawing/2014/main" id="{BDED6270-585D-AB4B-B724-8811D349EADE}"/>
+              </a:ext>
+            </a:extLst>
+          </p:cNvPr>
+          <p:cNvGraphicFramePr/>
+          <p:nvPr/>
+        </p:nvGraphicFramePr>
+        <p:xfrm>
+          <a:off x="1651000" y="1356838"/>
+          <a:ext cx="6604000" cy="4998844"/>
+        </p:xfrm>
+        <a:graphic>
+          <a:graphicData uri="http://schemas.openxmlformats.org/drawingml/2006/diagram">
+            <dgm:relIds xmlns:dgm="http://schemas.openxmlformats.org/drawingml/2006/diagram" xmlns:r="http://schemas.openxmlformats.org/officeDocument/2006/relationships" r:dm="rId2" r:lo="rId3" r:qs="rId4" r:cs="rId5"/>
+          </a:graphicData>
+        </a:graphic>
+      </p:graphicFrame>
+    </p:spTree>
+    <p:extLst>
+      <p:ext uri="{BB962C8B-B14F-4D97-AF65-F5344CB8AC3E}">
+        <p14:creationId xmlns:p14="http://schemas.microsoft.com/office/powerpoint/2010/main" val="143313683"/>
+      </p:ext>
+    </p:extLst>
+  </p:cSld>
+  <p:clrMapOvr>
+    <a:masterClrMapping/>
+  </p:clrMapOvr>
+</p:sld>
+</file>
+
+<file path=ppt/slides/slide5.xml><?xml version="1.0" encoding="utf-8"?>
+<p:sld xmlns:a="http://schemas.openxmlformats.org/drawingml/2006/main" xmlns:r="http://schemas.openxmlformats.org/officeDocument/2006/relationships" xmlns:p="http://schemas.openxmlformats.org/presentationml/2006/main">
+  <p:cSld>
+    <p:spTree>
+      <p:nvGrpSpPr>
+        <p:cNvPr id="1" name=""/>
+        <p:cNvGrpSpPr/>
+        <p:nvPr/>
+      </p:nvGrpSpPr>
+      <p:grpSpPr>
+        <a:xfrm>
+          <a:off x="0" y="0"/>
+          <a:ext cx="0" cy="0"/>
+          <a:chOff x="0" y="0"/>
+          <a:chExt cx="0" cy="0"/>
+        </a:xfrm>
+      </p:grpSpPr>
+      <p:sp>
+        <p:nvSpPr>
+          <p:cNvPr id="2" name="Titre 1">
+            <a:extLst>
+              <a:ext uri="{FF2B5EF4-FFF2-40B4-BE49-F238E27FC236}">
+                <a16:creationId xmlns:a16="http://schemas.microsoft.com/office/drawing/2014/main" id="{B2D19B05-4231-4C43-B278-CF39F13CFD3C}"/>
+              </a:ext>
+            </a:extLst>
+          </p:cNvPr>
+          <p:cNvSpPr>
+            <a:spLocks noGrp="1"/>
+          </p:cNvSpPr>
+          <p:nvPr>
+            <p:ph type="ctrTitle"/>
+          </p:nvPr>
+        </p:nvSpPr>
+        <p:spPr>
+          <a:xfrm>
+            <a:off x="548839" y="631490"/>
+            <a:ext cx="8808322" cy="595426"/>
+          </a:xfrm>
+        </p:spPr>
+        <p:txBody>
+          <a:bodyPr anchor="t">
+            <a:normAutofit/>
+          </a:bodyPr>
+          <a:lstStyle/>
+          <a:p>
+            <a:pPr algn="l"/>
+            <a:r>
+              <a:rPr lang="fr-FR" sz="2800" b="1" dirty="0">
+                <a:solidFill>
+                  <a:schemeClr val="accent1"/>
+                </a:solidFill>
+                <a:latin typeface="Apple Braille" pitchFamily="2" charset="0"/>
+              </a:rPr>
+              <a:t>3. Notre proposition :</a:t>
+            </a:r>
+            <a:endParaRPr lang="fr-FR" sz="2400" dirty="0"/>
+          </a:p>
+        </p:txBody>
+      </p:sp>
+      <p:sp>
+        <p:nvSpPr>
+          <p:cNvPr id="3" name="Espace réservé du pied de page 2">
+            <a:extLst>
+              <a:ext uri="{FF2B5EF4-FFF2-40B4-BE49-F238E27FC236}">
+                <a16:creationId xmlns:a16="http://schemas.microsoft.com/office/drawing/2014/main" id="{05D91EF7-03BC-704B-A9DD-31465C65BF78}"/>
+              </a:ext>
+            </a:extLst>
+          </p:cNvPr>
+          <p:cNvSpPr>
+            <a:spLocks noGrp="1"/>
+          </p:cNvSpPr>
+          <p:nvPr>
+            <p:ph type="ftr" sz="quarter" idx="11"/>
+          </p:nvPr>
+        </p:nvSpPr>
+        <p:spPr/>
+        <p:txBody>
+          <a:bodyPr/>
+          <a:lstStyle/>
+          <a:p>
+            <a:r>
+              <a:rPr lang="fr-FR" dirty="0"/>
+              <a:t>IT C&amp;D</a:t>
+            </a:r>
+          </a:p>
+        </p:txBody>
+      </p:sp>
+      <p:grpSp>
+        <p:nvGrpSpPr>
+          <p:cNvPr id="11" name="Groupe 10">
+            <a:extLst>
+              <a:ext uri="{FF2B5EF4-FFF2-40B4-BE49-F238E27FC236}">
+                <a16:creationId xmlns:a16="http://schemas.microsoft.com/office/drawing/2014/main" id="{1CA93678-4C08-7B48-98D2-B07B97D424A2}"/>
+              </a:ext>
+            </a:extLst>
+          </p:cNvPr>
+          <p:cNvGrpSpPr/>
+          <p:nvPr/>
+        </p:nvGrpSpPr>
+        <p:grpSpPr>
+          <a:xfrm>
+            <a:off x="1000897" y="1227666"/>
+            <a:ext cx="8571471" cy="5093917"/>
+            <a:chOff x="1000897" y="1227666"/>
+            <a:chExt cx="8571471" cy="5093917"/>
+          </a:xfrm>
+        </p:grpSpPr>
+        <p:graphicFrame>
+          <p:nvGraphicFramePr>
+            <p:cNvPr id="6" name="Diagramme 5">
+              <a:extLst>
+                <a:ext uri="{FF2B5EF4-FFF2-40B4-BE49-F238E27FC236}">
+                  <a16:creationId xmlns:a16="http://schemas.microsoft.com/office/drawing/2014/main" id="{C194DBE3-9FDD-2D4B-B57C-0A13B00167ED}"/>
+                </a:ext>
+              </a:extLst>
+            </p:cNvPr>
+            <p:cNvGraphicFramePr/>
+            <p:nvPr>
+              <p:extLst>
+                <p:ext uri="{D42A27DB-BD31-4B8C-83A1-F6EECF244321}">
+                  <p14:modId xmlns:p14="http://schemas.microsoft.com/office/powerpoint/2010/main" val="3937156730"/>
+                </p:ext>
+              </p:extLst>
+            </p:nvPr>
+          </p:nvGraphicFramePr>
+          <p:xfrm>
+            <a:off x="1000897" y="1227666"/>
+            <a:ext cx="8356263" cy="4402667"/>
+          </p:xfrm>
+          <a:graphic>
+            <a:graphicData uri="http://schemas.openxmlformats.org/drawingml/2006/diagram">
+              <dgm:relIds xmlns:dgm="http://schemas.openxmlformats.org/drawingml/2006/diagram" xmlns:r="http://schemas.openxmlformats.org/officeDocument/2006/relationships" r:dm="rId2" r:lo="rId3" r:qs="rId4" r:cs="rId5"/>
+            </a:graphicData>
+          </a:graphic>
+        </p:graphicFrame>
+        <p:pic>
+          <p:nvPicPr>
+            <p:cNvPr id="8" name="Image 7">
+              <a:extLst>
+                <a:ext uri="{FF2B5EF4-FFF2-40B4-BE49-F238E27FC236}">
+                  <a16:creationId xmlns:a16="http://schemas.microsoft.com/office/drawing/2014/main" id="{6DA12BBB-35B5-724A-A1CE-E3BC7AD5B208}"/>
+                </a:ext>
+              </a:extLst>
+            </p:cNvPr>
+            <p:cNvPicPr>
+              <a:picLocks noChangeAspect="1"/>
+            </p:cNvPicPr>
+            <p:nvPr/>
+          </p:nvPicPr>
+          <p:blipFill>
+            <a:blip r:embed="rId7"/>
+            <a:stretch>
+              <a:fillRect/>
+            </a:stretch>
+          </p:blipFill>
+          <p:spPr>
+            <a:xfrm>
+              <a:off x="4569941" y="5145632"/>
+              <a:ext cx="1763927" cy="1175951"/>
+            </a:xfrm>
+            <a:prstGeom prst="rect">
+              <a:avLst/>
+            </a:prstGeom>
+          </p:spPr>
+        </p:pic>
+        <p:pic>
+          <p:nvPicPr>
+            <p:cNvPr id="10" name="Image 9">
+              <a:extLst>
+                <a:ext uri="{FF2B5EF4-FFF2-40B4-BE49-F238E27FC236}">
+                  <a16:creationId xmlns:a16="http://schemas.microsoft.com/office/drawing/2014/main" id="{AF2EC0C3-BFD5-2B45-BC97-81AA5F729D29}"/>
+                </a:ext>
+              </a:extLst>
+            </p:cNvPr>
+            <p:cNvPicPr>
+              <a:picLocks noChangeAspect="1"/>
+            </p:cNvPicPr>
+            <p:nvPr/>
+          </p:nvPicPr>
+          <p:blipFill>
+            <a:blip r:embed="rId8"/>
+            <a:stretch>
+              <a:fillRect/>
+            </a:stretch>
+          </p:blipFill>
+          <p:spPr>
+            <a:xfrm>
+              <a:off x="7670254" y="5156254"/>
+              <a:ext cx="1902114" cy="1070256"/>
+            </a:xfrm>
+            <a:prstGeom prst="rect">
+              <a:avLst/>
+            </a:prstGeom>
+          </p:spPr>
+        </p:pic>
+      </p:grpSp>
+    </p:spTree>
+    <p:extLst>
+      <p:ext uri="{BB962C8B-B14F-4D97-AF65-F5344CB8AC3E}">
+        <p14:creationId xmlns:p14="http://schemas.microsoft.com/office/powerpoint/2010/main" val="3233942679"/>
+      </p:ext>
+    </p:extLst>
+  </p:cSld>
+  <p:clrMapOvr>
+    <a:masterClrMapping/>
+  </p:clrMapOvr>
+</p:sld>
+</file>
+
+<file path=ppt/slides/slide6.xml><?xml version="1.0" encoding="utf-8"?>
+<p:sld xmlns:a="http://schemas.openxmlformats.org/drawingml/2006/main" xmlns:r="http://schemas.openxmlformats.org/officeDocument/2006/relationships" xmlns:p="http://schemas.openxmlformats.org/presentationml/2006/main">
+  <p:cSld>
+    <p:spTree>
+      <p:nvGrpSpPr>
+        <p:cNvPr id="1" name=""/>
+        <p:cNvGrpSpPr/>
+        <p:nvPr/>
+      </p:nvGrpSpPr>
+      <p:grpSpPr>
+        <a:xfrm>
+          <a:off x="0" y="0"/>
+          <a:ext cx="0" cy="0"/>
+          <a:chOff x="0" y="0"/>
+          <a:chExt cx="0" cy="0"/>
+        </a:xfrm>
+      </p:grpSpPr>
+      <p:sp>
+        <p:nvSpPr>
+          <p:cNvPr id="2" name="Titre 1">
+            <a:extLst>
+              <a:ext uri="{FF2B5EF4-FFF2-40B4-BE49-F238E27FC236}">
+                <a16:creationId xmlns:a16="http://schemas.microsoft.com/office/drawing/2014/main" id="{B2D19B05-4231-4C43-B278-CF39F13CFD3C}"/>
+              </a:ext>
+            </a:extLst>
+          </p:cNvPr>
+          <p:cNvSpPr>
+            <a:spLocks noGrp="1"/>
+          </p:cNvSpPr>
+          <p:nvPr>
+            <p:ph type="ctrTitle"/>
+          </p:nvPr>
+        </p:nvSpPr>
+        <p:spPr>
+          <a:xfrm>
+            <a:off x="548839" y="631490"/>
+            <a:ext cx="8808322" cy="595426"/>
+          </a:xfrm>
+        </p:spPr>
+        <p:txBody>
+          <a:bodyPr anchor="t">
+            <a:normAutofit/>
+          </a:bodyPr>
+          <a:lstStyle/>
+          <a:p>
+            <a:pPr algn="l"/>
+            <a:r>
+              <a:rPr lang="fr-FR" sz="2800" b="1" dirty="0">
+                <a:solidFill>
+                  <a:schemeClr val="accent1"/>
+                </a:solidFill>
+                <a:latin typeface="Apple Braille" pitchFamily="2" charset="0"/>
+              </a:rPr>
+              <a:t>3. Notre proposition : Simplicité du mode </a:t>
             </a:r>
             <a:r>
               <a:rPr lang="fr-FR" sz="2800" b="1" dirty="0" err="1">
@@ -22166,8 +24410,8 @@
         </p:blipFill>
         <p:spPr>
           <a:xfrm>
-            <a:off x="3867251" y="1226916"/>
-            <a:ext cx="5756910" cy="4783455"/>
+            <a:off x="4278489" y="1226917"/>
+            <a:ext cx="5345672" cy="4440106"/>
           </a:xfrm>
           <a:prstGeom prst="rect">
             <a:avLst/>
@@ -22189,7 +24433,7 @@
         <p:spPr>
           <a:xfrm>
             <a:off x="445168" y="1323474"/>
-            <a:ext cx="3422083" cy="4524315"/>
+            <a:ext cx="3754299" cy="3693319"/>
           </a:xfrm>
           <a:prstGeom prst="rect">
             <a:avLst/>
@@ -22208,11 +24452,41 @@
                   <a:schemeClr val="accent1"/>
                 </a:solidFill>
               </a:rPr>
-              <a:t>Commune aux deux propositions techniques.</a:t>
+              <a:t>Hébergement type Cloud :</a:t>
             </a:r>
           </a:p>
           <a:p>
-            <a:endParaRPr lang="fr-FR" b="1" dirty="0">
+            <a:r>
+              <a:rPr lang="fr-FR" dirty="0">
+                <a:solidFill>
+                  <a:schemeClr val="accent1"/>
+                </a:solidFill>
+              </a:rPr>
+              <a:t> + économique que le VPS ou serveur privé</a:t>
+            </a:r>
+          </a:p>
+          <a:p>
+            <a:r>
+              <a:rPr lang="fr-FR" dirty="0">
+                <a:solidFill>
+                  <a:schemeClr val="accent1"/>
+                </a:solidFill>
+              </a:rPr>
+              <a:t>+ efficace que le serveur mutualisé</a:t>
+            </a:r>
+          </a:p>
+          <a:p>
+            <a:r>
+              <a:rPr lang="fr-FR" dirty="0">
+                <a:solidFill>
+                  <a:schemeClr val="accent1"/>
+                </a:solidFill>
+              </a:rPr>
+              <a:t>- coûteux que le serveur dédié</a:t>
+            </a:r>
+          </a:p>
+          <a:p>
+            <a:endParaRPr lang="fr-FR" dirty="0">
               <a:solidFill>
                 <a:schemeClr val="accent1"/>
               </a:solidFill>
@@ -22225,25 +24499,8 @@
                   <a:schemeClr val="accent1"/>
                 </a:solidFill>
               </a:rPr>
-              <a:t>Simplicité pour OC Pizza:</a:t>
+              <a:t>Pourquoi le mode Saas ?</a:t>
             </a:r>
-          </a:p>
-          <a:p>
-            <a:r>
-              <a:rPr lang="fr-FR" dirty="0">
-                <a:solidFill>
-                  <a:schemeClr val="accent1"/>
-                </a:solidFill>
-              </a:rPr>
-              <a:t>Hébergement type Cloud public (pas de VPS, ni cloud privé)</a:t>
-            </a:r>
-          </a:p>
-          <a:p>
-            <a:endParaRPr lang="fr-FR" dirty="0">
-              <a:solidFill>
-                <a:schemeClr val="accent1"/>
-              </a:solidFill>
-            </a:endParaRPr>
           </a:p>
           <a:p>
             <a:r>
@@ -22256,28 +24513,14 @@
             </a:r>
           </a:p>
           <a:p>
-            <a:endParaRPr lang="fr-FR" dirty="0">
-              <a:solidFill>
-                <a:schemeClr val="accent1"/>
-              </a:solidFill>
-            </a:endParaRPr>
-          </a:p>
-          <a:p>
             <a:r>
               <a:rPr lang="fr-FR" dirty="0">
                 <a:solidFill>
                   <a:schemeClr val="accent1"/>
                 </a:solidFill>
               </a:rPr>
-              <a:t>Redondance Data Center</a:t>
+              <a:t>Forte résilience et disponibilité</a:t>
             </a:r>
-          </a:p>
-          <a:p>
-            <a:endParaRPr lang="fr-FR" dirty="0">
-              <a:solidFill>
-                <a:schemeClr val="accent1"/>
-              </a:solidFill>
-            </a:endParaRPr>
           </a:p>
           <a:p>
             <a:r>
@@ -22290,13 +24533,6 @@
             </a:r>
           </a:p>
           <a:p>
-            <a:endParaRPr lang="fr-FR" dirty="0">
-              <a:solidFill>
-                <a:schemeClr val="accent1"/>
-              </a:solidFill>
-            </a:endParaRPr>
-          </a:p>
-          <a:p>
             <a:r>
               <a:rPr lang="fr-FR" dirty="0">
                 <a:solidFill>
@@ -22305,13 +24541,6 @@
               </a:rPr>
               <a:t>Accompagne croissance OC Pizza</a:t>
             </a:r>
-          </a:p>
-          <a:p>
-            <a:endParaRPr lang="fr-FR" dirty="0">
-              <a:solidFill>
-                <a:schemeClr val="accent1"/>
-              </a:solidFill>
-            </a:endParaRPr>
           </a:p>
           <a:p>
             <a:r>
@@ -22323,12 +24552,19 @@
               <a:t>Pas d’investissement en matériel</a:t>
             </a:r>
           </a:p>
+          <a:p>
+            <a:endParaRPr lang="fr-FR" dirty="0">
+              <a:solidFill>
+                <a:schemeClr val="accent1"/>
+              </a:solidFill>
+            </a:endParaRPr>
+          </a:p>
         </p:txBody>
       </p:sp>
     </p:spTree>
     <p:extLst>
       <p:ext uri="{BB962C8B-B14F-4D97-AF65-F5344CB8AC3E}">
-        <p14:creationId xmlns:p14="http://schemas.microsoft.com/office/powerpoint/2010/main" val="3233942679"/>
+        <p14:creationId xmlns:p14="http://schemas.microsoft.com/office/powerpoint/2010/main" val="1064710970"/>
       </p:ext>
     </p:extLst>
   </p:cSld>
@@ -22338,7 +24574,7 @@
 </p:sld>
 </file>
 
-<file path=ppt/slides/slide9.xml><?xml version="1.0" encoding="utf-8"?>
+<file path=ppt/slides/slide7.xml><?xml version="1.0" encoding="utf-8"?>
 <p:sld xmlns:a="http://schemas.openxmlformats.org/drawingml/2006/main" xmlns:r="http://schemas.openxmlformats.org/officeDocument/2006/relationships" xmlns:p="http://schemas.openxmlformats.org/presentationml/2006/main">
   <p:cSld>
     <p:spTree>
@@ -22557,7 +24793,7 @@
                   <a:schemeClr val="accent1"/>
                 </a:solidFill>
               </a:rPr>
-              <a:t>DB : 			PostgreSQL en s’appuyant sur psycopg2 pour la connexion avec l’application. </a:t>
+              <a:t>DB : 			PostgreSQL en s’appuyant sur pycopg2 pour la connexion avec l’application. </a:t>
             </a:r>
           </a:p>
           <a:p>
@@ -22639,7 +24875,7 @@
                   <a:schemeClr val="accent1"/>
                 </a:solidFill>
               </a:rPr>
-              <a:t> &lt; 200€/mois par point de vente, incluant l’hébergement (dépend des options prises)</a:t>
+              <a:t> &lt; 200€/mois par point de vente, incluant l’hébergement (dépend des options prises) + Coûts d’adaptation/développement  + Coûts de maintenance (à évaluer)</a:t>
             </a:r>
           </a:p>
           <a:p>
@@ -22685,6 +24921,1294 @@
     <p:extLst>
       <p:ext uri="{BB962C8B-B14F-4D97-AF65-F5344CB8AC3E}">
         <p14:creationId xmlns:p14="http://schemas.microsoft.com/office/powerpoint/2010/main" val="2479870680"/>
+      </p:ext>
+    </p:extLst>
+  </p:cSld>
+  <p:clrMapOvr>
+    <a:masterClrMapping/>
+  </p:clrMapOvr>
+</p:sld>
+</file>
+
+<file path=ppt/slides/slide8.xml><?xml version="1.0" encoding="utf-8"?>
+<p:sld xmlns:a="http://schemas.openxmlformats.org/drawingml/2006/main" xmlns:r="http://schemas.openxmlformats.org/officeDocument/2006/relationships" xmlns:p="http://schemas.openxmlformats.org/presentationml/2006/main">
+  <p:cSld>
+    <p:spTree>
+      <p:nvGrpSpPr>
+        <p:cNvPr id="1" name=""/>
+        <p:cNvGrpSpPr/>
+        <p:nvPr/>
+      </p:nvGrpSpPr>
+      <p:grpSpPr>
+        <a:xfrm>
+          <a:off x="0" y="0"/>
+          <a:ext cx="0" cy="0"/>
+          <a:chOff x="0" y="0"/>
+          <a:chExt cx="0" cy="0"/>
+        </a:xfrm>
+      </p:grpSpPr>
+      <p:sp>
+        <p:nvSpPr>
+          <p:cNvPr id="2" name="Titre 1">
+            <a:extLst>
+              <a:ext uri="{FF2B5EF4-FFF2-40B4-BE49-F238E27FC236}">
+                <a16:creationId xmlns:a16="http://schemas.microsoft.com/office/drawing/2014/main" id="{B2D19B05-4231-4C43-B278-CF39F13CFD3C}"/>
+              </a:ext>
+            </a:extLst>
+          </p:cNvPr>
+          <p:cNvSpPr>
+            <a:spLocks noGrp="1"/>
+          </p:cNvSpPr>
+          <p:nvPr>
+            <p:ph type="ctrTitle"/>
+          </p:nvPr>
+        </p:nvSpPr>
+        <p:spPr>
+          <a:xfrm>
+            <a:off x="548839" y="631490"/>
+            <a:ext cx="8808322" cy="595426"/>
+          </a:xfrm>
+        </p:spPr>
+        <p:txBody>
+          <a:bodyPr anchor="t">
+            <a:normAutofit fontScale="90000"/>
+          </a:bodyPr>
+          <a:lstStyle/>
+          <a:p>
+            <a:pPr algn="l"/>
+            <a:r>
+              <a:rPr lang="fr-FR" sz="2800" b="1" dirty="0">
+                <a:solidFill>
+                  <a:schemeClr val="accent1"/>
+                </a:solidFill>
+                <a:latin typeface="Apple Braille" pitchFamily="2" charset="0"/>
+              </a:rPr>
+              <a:t>3. Notre proposition : Choix technique - Sur Mesure</a:t>
+            </a:r>
+            <a:endParaRPr lang="fr-FR" sz="2400" dirty="0"/>
+          </a:p>
+        </p:txBody>
+      </p:sp>
+      <p:sp>
+        <p:nvSpPr>
+          <p:cNvPr id="3" name="Espace réservé du pied de page 2">
+            <a:extLst>
+              <a:ext uri="{FF2B5EF4-FFF2-40B4-BE49-F238E27FC236}">
+                <a16:creationId xmlns:a16="http://schemas.microsoft.com/office/drawing/2014/main" id="{05D91EF7-03BC-704B-A9DD-31465C65BF78}"/>
+              </a:ext>
+            </a:extLst>
+          </p:cNvPr>
+          <p:cNvSpPr>
+            <a:spLocks noGrp="1"/>
+          </p:cNvSpPr>
+          <p:nvPr>
+            <p:ph type="ftr" sz="quarter" idx="11"/>
+          </p:nvPr>
+        </p:nvSpPr>
+        <p:spPr/>
+        <p:txBody>
+          <a:bodyPr/>
+          <a:lstStyle/>
+          <a:p>
+            <a:r>
+              <a:rPr lang="fr-FR" dirty="0"/>
+              <a:t>IT C&amp;D</a:t>
+            </a:r>
+          </a:p>
+        </p:txBody>
+      </p:sp>
+      <p:sp>
+        <p:nvSpPr>
+          <p:cNvPr id="4" name="ZoneTexte 3">
+            <a:extLst>
+              <a:ext uri="{FF2B5EF4-FFF2-40B4-BE49-F238E27FC236}">
+                <a16:creationId xmlns:a16="http://schemas.microsoft.com/office/drawing/2014/main" id="{95699583-B45A-254D-AF9B-41F7FCFAACB4}"/>
+              </a:ext>
+            </a:extLst>
+          </p:cNvPr>
+          <p:cNvSpPr txBox="1"/>
+          <p:nvPr/>
+        </p:nvSpPr>
+        <p:spPr>
+          <a:xfrm>
+            <a:off x="445225" y="2128647"/>
+            <a:ext cx="8911993" cy="3693319"/>
+          </a:xfrm>
+          <a:prstGeom prst="rect">
+            <a:avLst/>
+          </a:prstGeom>
+          <a:noFill/>
+        </p:spPr>
+        <p:txBody>
+          <a:bodyPr wrap="square" rtlCol="0">
+            <a:spAutoFit/>
+          </a:bodyPr>
+          <a:lstStyle/>
+          <a:p>
+            <a:r>
+              <a:rPr lang="fr-FR" b="1" dirty="0">
+                <a:solidFill>
+                  <a:schemeClr val="accent1"/>
+                </a:solidFill>
+              </a:rPr>
+              <a:t>Proposition 2 : </a:t>
+            </a:r>
+          </a:p>
+          <a:p>
+            <a:r>
+              <a:rPr lang="fr-FR" dirty="0">
+                <a:solidFill>
+                  <a:schemeClr val="accent1"/>
+                </a:solidFill>
+              </a:rPr>
+              <a:t>Développement ab </a:t>
+            </a:r>
+            <a:r>
+              <a:rPr lang="fr-FR" dirty="0" err="1">
+                <a:solidFill>
+                  <a:schemeClr val="accent1"/>
+                </a:solidFill>
+              </a:rPr>
+              <a:t>initio</a:t>
+            </a:r>
+            <a:r>
+              <a:rPr lang="fr-FR" dirty="0">
+                <a:solidFill>
+                  <a:schemeClr val="accent1"/>
+                </a:solidFill>
+              </a:rPr>
+              <a:t> en s’appuyant sur un ensemble d’outils</a:t>
+            </a:r>
+          </a:p>
+          <a:p>
+            <a:endParaRPr lang="fr-FR" dirty="0">
+              <a:solidFill>
+                <a:schemeClr val="accent1"/>
+              </a:solidFill>
+            </a:endParaRPr>
+          </a:p>
+          <a:p>
+            <a:r>
+              <a:rPr lang="fr-FR" dirty="0">
+                <a:solidFill>
+                  <a:schemeClr val="accent1"/>
+                </a:solidFill>
+              </a:rPr>
+              <a:t>Front End : </a:t>
+            </a:r>
+          </a:p>
+          <a:p>
+            <a:r>
+              <a:rPr lang="fr-FR" dirty="0">
+                <a:solidFill>
+                  <a:schemeClr val="accent1"/>
+                </a:solidFill>
+              </a:rPr>
+              <a:t>Développement d’un site complet avec HTML, CSS, JS</a:t>
+            </a:r>
+          </a:p>
+          <a:p>
+            <a:endParaRPr lang="fr-FR" dirty="0">
+              <a:solidFill>
+                <a:schemeClr val="accent1"/>
+              </a:solidFill>
+            </a:endParaRPr>
+          </a:p>
+          <a:p>
+            <a:r>
+              <a:rPr lang="fr-FR" dirty="0">
+                <a:solidFill>
+                  <a:schemeClr val="accent1"/>
+                </a:solidFill>
+              </a:rPr>
+              <a:t>Back End : </a:t>
+            </a:r>
+          </a:p>
+          <a:p>
+            <a:r>
+              <a:rPr lang="fr-FR" dirty="0">
+                <a:solidFill>
+                  <a:schemeClr val="accent1"/>
+                </a:solidFill>
+              </a:rPr>
+              <a:t>Python pour l’application de gestion</a:t>
+            </a:r>
+          </a:p>
+          <a:p>
+            <a:r>
+              <a:rPr lang="fr-FR" dirty="0">
+                <a:solidFill>
+                  <a:schemeClr val="accent1"/>
+                </a:solidFill>
+              </a:rPr>
+              <a:t>Framework Django pour l’interface avec l’hébergeur OVH et la base SQL</a:t>
+            </a:r>
+          </a:p>
+          <a:p>
+            <a:endParaRPr lang="fr-FR" dirty="0">
+              <a:solidFill>
+                <a:schemeClr val="accent1"/>
+              </a:solidFill>
+            </a:endParaRPr>
+          </a:p>
+          <a:p>
+            <a:r>
+              <a:rPr lang="fr-FR" dirty="0">
+                <a:solidFill>
+                  <a:schemeClr val="accent1"/>
+                </a:solidFill>
+              </a:rPr>
+              <a:t>Coûts de développement :  plusieurs mois à plusieurs développeurs (plusieurs 10zaines K€)</a:t>
+            </a:r>
+          </a:p>
+          <a:p>
+            <a:r>
+              <a:rPr lang="fr-FR" dirty="0">
+                <a:solidFill>
+                  <a:schemeClr val="accent1"/>
+                </a:solidFill>
+              </a:rPr>
+              <a:t>Coût d’exploitation : 50€/mois en hébergement + Coûts de maintenance (à chiffrer)</a:t>
+            </a:r>
+          </a:p>
+          <a:p>
+            <a:endParaRPr lang="fr-FR" dirty="0">
+              <a:solidFill>
+                <a:schemeClr val="accent1"/>
+              </a:solidFill>
+            </a:endParaRPr>
+          </a:p>
+        </p:txBody>
+      </p:sp>
+      <p:grpSp>
+        <p:nvGrpSpPr>
+          <p:cNvPr id="26" name="Groupe 25">
+            <a:extLst>
+              <a:ext uri="{FF2B5EF4-FFF2-40B4-BE49-F238E27FC236}">
+                <a16:creationId xmlns:a16="http://schemas.microsoft.com/office/drawing/2014/main" id="{4E9C24A8-DC0A-CB49-8951-80412E7CC246}"/>
+              </a:ext>
+            </a:extLst>
+          </p:cNvPr>
+          <p:cNvGrpSpPr/>
+          <p:nvPr/>
+        </p:nvGrpSpPr>
+        <p:grpSpPr>
+          <a:xfrm>
+            <a:off x="1542698" y="923770"/>
+            <a:ext cx="7496329" cy="1094434"/>
+            <a:chOff x="1542698" y="923770"/>
+            <a:chExt cx="7496329" cy="1094434"/>
+          </a:xfrm>
+        </p:grpSpPr>
+        <p:pic>
+          <p:nvPicPr>
+            <p:cNvPr id="6" name="Image 5">
+              <a:extLst>
+                <a:ext uri="{FF2B5EF4-FFF2-40B4-BE49-F238E27FC236}">
+                  <a16:creationId xmlns:a16="http://schemas.microsoft.com/office/drawing/2014/main" id="{C216D774-510D-BF49-A14F-139B3E965AC7}"/>
+                </a:ext>
+              </a:extLst>
+            </p:cNvPr>
+            <p:cNvPicPr>
+              <a:picLocks noChangeAspect="1"/>
+            </p:cNvPicPr>
+            <p:nvPr/>
+          </p:nvPicPr>
+          <p:blipFill>
+            <a:blip r:embed="rId2"/>
+            <a:stretch>
+              <a:fillRect/>
+            </a:stretch>
+          </p:blipFill>
+          <p:spPr>
+            <a:xfrm>
+              <a:off x="3270330" y="1075344"/>
+              <a:ext cx="791287" cy="791287"/>
+            </a:xfrm>
+            <a:prstGeom prst="rect">
+              <a:avLst/>
+            </a:prstGeom>
+          </p:spPr>
+        </p:pic>
+        <p:pic>
+          <p:nvPicPr>
+            <p:cNvPr id="8" name="Graphique 7">
+              <a:extLst>
+                <a:ext uri="{FF2B5EF4-FFF2-40B4-BE49-F238E27FC236}">
+                  <a16:creationId xmlns:a16="http://schemas.microsoft.com/office/drawing/2014/main" id="{766ECC32-2245-B94E-ADF8-1AFD7B08BC5D}"/>
+                </a:ext>
+              </a:extLst>
+            </p:cNvPr>
+            <p:cNvPicPr>
+              <a:picLocks noChangeAspect="1"/>
+            </p:cNvPicPr>
+            <p:nvPr/>
+          </p:nvPicPr>
+          <p:blipFill>
+            <a:blip r:embed="rId3">
+              <a:extLst>
+                <a:ext uri="{96DAC541-7B7A-43D3-8B79-37D633B846F1}">
+                  <asvg:svgBlip xmlns:asvg="http://schemas.microsoft.com/office/drawing/2016/SVG/main" r:embed="rId4"/>
+                </a:ext>
+              </a:extLst>
+            </a:blip>
+            <a:stretch>
+              <a:fillRect/>
+            </a:stretch>
+          </p:blipFill>
+          <p:spPr>
+            <a:xfrm>
+              <a:off x="1542698" y="923770"/>
+              <a:ext cx="1416326" cy="1094434"/>
+            </a:xfrm>
+            <a:prstGeom prst="rect">
+              <a:avLst/>
+            </a:prstGeom>
+          </p:spPr>
+        </p:pic>
+        <p:pic>
+          <p:nvPicPr>
+            <p:cNvPr id="11" name="Image 10">
+              <a:extLst>
+                <a:ext uri="{FF2B5EF4-FFF2-40B4-BE49-F238E27FC236}">
+                  <a16:creationId xmlns:a16="http://schemas.microsoft.com/office/drawing/2014/main" id="{E441ABA2-F6BB-3E4C-B9DE-3D86C7AF9C3F}"/>
+                </a:ext>
+              </a:extLst>
+            </p:cNvPr>
+            <p:cNvPicPr>
+              <a:picLocks noChangeAspect="1"/>
+            </p:cNvPicPr>
+            <p:nvPr/>
+          </p:nvPicPr>
+          <p:blipFill>
+            <a:blip r:embed="rId5"/>
+            <a:stretch>
+              <a:fillRect/>
+            </a:stretch>
+          </p:blipFill>
+          <p:spPr>
+            <a:xfrm>
+              <a:off x="5553279" y="1075343"/>
+              <a:ext cx="791288" cy="791288"/>
+            </a:xfrm>
+            <a:prstGeom prst="rect">
+              <a:avLst/>
+            </a:prstGeom>
+          </p:spPr>
+        </p:pic>
+        <p:pic>
+          <p:nvPicPr>
+            <p:cNvPr id="15" name="Image 14">
+              <a:extLst>
+                <a:ext uri="{FF2B5EF4-FFF2-40B4-BE49-F238E27FC236}">
+                  <a16:creationId xmlns:a16="http://schemas.microsoft.com/office/drawing/2014/main" id="{AE265805-E232-F247-9335-C5F03DD319AF}"/>
+                </a:ext>
+              </a:extLst>
+            </p:cNvPr>
+            <p:cNvPicPr>
+              <a:picLocks noChangeAspect="1"/>
+            </p:cNvPicPr>
+            <p:nvPr/>
+          </p:nvPicPr>
+          <p:blipFill>
+            <a:blip r:embed="rId6"/>
+            <a:stretch>
+              <a:fillRect/>
+            </a:stretch>
+          </p:blipFill>
+          <p:spPr>
+            <a:xfrm>
+              <a:off x="4372923" y="1036462"/>
+              <a:ext cx="869050" cy="869050"/>
+            </a:xfrm>
+            <a:prstGeom prst="rect">
+              <a:avLst/>
+            </a:prstGeom>
+          </p:spPr>
+        </p:pic>
+        <p:pic>
+          <p:nvPicPr>
+            <p:cNvPr id="19" name="Image 18">
+              <a:extLst>
+                <a:ext uri="{FF2B5EF4-FFF2-40B4-BE49-F238E27FC236}">
+                  <a16:creationId xmlns:a16="http://schemas.microsoft.com/office/drawing/2014/main" id="{E6AF8FF3-507F-4D45-9BBF-566D8D916BCE}"/>
+                </a:ext>
+              </a:extLst>
+            </p:cNvPr>
+            <p:cNvPicPr>
+              <a:picLocks noChangeAspect="1"/>
+            </p:cNvPicPr>
+            <p:nvPr/>
+          </p:nvPicPr>
+          <p:blipFill>
+            <a:blip r:embed="rId7"/>
+            <a:stretch>
+              <a:fillRect/>
+            </a:stretch>
+          </p:blipFill>
+          <p:spPr>
+            <a:xfrm>
+              <a:off x="6655873" y="1101012"/>
+              <a:ext cx="1069929" cy="739951"/>
+            </a:xfrm>
+            <a:prstGeom prst="rect">
+              <a:avLst/>
+            </a:prstGeom>
+          </p:spPr>
+        </p:pic>
+        <p:pic>
+          <p:nvPicPr>
+            <p:cNvPr id="23" name="Image 22">
+              <a:extLst>
+                <a:ext uri="{FF2B5EF4-FFF2-40B4-BE49-F238E27FC236}">
+                  <a16:creationId xmlns:a16="http://schemas.microsoft.com/office/drawing/2014/main" id="{1CF4BA68-7F26-A449-81E9-661DBF18D71E}"/>
+                </a:ext>
+              </a:extLst>
+            </p:cNvPr>
+            <p:cNvPicPr>
+              <a:picLocks noChangeAspect="1"/>
+            </p:cNvPicPr>
+            <p:nvPr/>
+          </p:nvPicPr>
+          <p:blipFill>
+            <a:blip r:embed="rId8"/>
+            <a:stretch>
+              <a:fillRect/>
+            </a:stretch>
+          </p:blipFill>
+          <p:spPr>
+            <a:xfrm>
+              <a:off x="8037110" y="1209849"/>
+              <a:ext cx="1001917" cy="522276"/>
+            </a:xfrm>
+            <a:prstGeom prst="rect">
+              <a:avLst/>
+            </a:prstGeom>
+          </p:spPr>
+        </p:pic>
+      </p:grpSp>
+    </p:spTree>
+    <p:extLst>
+      <p:ext uri="{BB962C8B-B14F-4D97-AF65-F5344CB8AC3E}">
+        <p14:creationId xmlns:p14="http://schemas.microsoft.com/office/powerpoint/2010/main" val="3358042630"/>
+      </p:ext>
+    </p:extLst>
+  </p:cSld>
+  <p:clrMapOvr>
+    <a:masterClrMapping/>
+  </p:clrMapOvr>
+</p:sld>
+</file>
+
+<file path=ppt/slides/slide9.xml><?xml version="1.0" encoding="utf-8"?>
+<p:sld xmlns:a="http://schemas.openxmlformats.org/drawingml/2006/main" xmlns:r="http://schemas.openxmlformats.org/officeDocument/2006/relationships" xmlns:p="http://schemas.openxmlformats.org/presentationml/2006/main">
+  <p:cSld>
+    <p:spTree>
+      <p:nvGrpSpPr>
+        <p:cNvPr id="1" name=""/>
+        <p:cNvGrpSpPr/>
+        <p:nvPr/>
+      </p:nvGrpSpPr>
+      <p:grpSpPr>
+        <a:xfrm>
+          <a:off x="0" y="0"/>
+          <a:ext cx="0" cy="0"/>
+          <a:chOff x="0" y="0"/>
+          <a:chExt cx="0" cy="0"/>
+        </a:xfrm>
+      </p:grpSpPr>
+      <p:sp>
+        <p:nvSpPr>
+          <p:cNvPr id="2" name="Titre 1">
+            <a:extLst>
+              <a:ext uri="{FF2B5EF4-FFF2-40B4-BE49-F238E27FC236}">
+                <a16:creationId xmlns:a16="http://schemas.microsoft.com/office/drawing/2014/main" id="{B2D19B05-4231-4C43-B278-CF39F13CFD3C}"/>
+              </a:ext>
+            </a:extLst>
+          </p:cNvPr>
+          <p:cNvSpPr>
+            <a:spLocks noGrp="1"/>
+          </p:cNvSpPr>
+          <p:nvPr>
+            <p:ph type="ctrTitle"/>
+          </p:nvPr>
+        </p:nvSpPr>
+        <p:spPr>
+          <a:xfrm>
+            <a:off x="548839" y="631490"/>
+            <a:ext cx="8808322" cy="595426"/>
+          </a:xfrm>
+        </p:spPr>
+        <p:txBody>
+          <a:bodyPr anchor="t">
+            <a:normAutofit/>
+          </a:bodyPr>
+          <a:lstStyle/>
+          <a:p>
+            <a:pPr algn="l"/>
+            <a:r>
+              <a:rPr lang="fr-FR" sz="2800" b="1" dirty="0">
+                <a:solidFill>
+                  <a:schemeClr val="accent1"/>
+                </a:solidFill>
+                <a:latin typeface="Apple Braille" pitchFamily="2" charset="0"/>
+              </a:rPr>
+              <a:t>3. Notre proposition : Comparaison des Solutions</a:t>
+            </a:r>
+            <a:endParaRPr lang="fr-FR" sz="2400" dirty="0"/>
+          </a:p>
+        </p:txBody>
+      </p:sp>
+      <p:sp>
+        <p:nvSpPr>
+          <p:cNvPr id="3" name="Espace réservé du pied de page 2">
+            <a:extLst>
+              <a:ext uri="{FF2B5EF4-FFF2-40B4-BE49-F238E27FC236}">
+                <a16:creationId xmlns:a16="http://schemas.microsoft.com/office/drawing/2014/main" id="{05D91EF7-03BC-704B-A9DD-31465C65BF78}"/>
+              </a:ext>
+            </a:extLst>
+          </p:cNvPr>
+          <p:cNvSpPr>
+            <a:spLocks noGrp="1"/>
+          </p:cNvSpPr>
+          <p:nvPr>
+            <p:ph type="ftr" sz="quarter" idx="11"/>
+          </p:nvPr>
+        </p:nvSpPr>
+        <p:spPr/>
+        <p:txBody>
+          <a:bodyPr/>
+          <a:lstStyle/>
+          <a:p>
+            <a:r>
+              <a:rPr lang="fr-FR" dirty="0"/>
+              <a:t>IT C&amp;D</a:t>
+            </a:r>
+          </a:p>
+        </p:txBody>
+      </p:sp>
+      <p:graphicFrame>
+        <p:nvGraphicFramePr>
+          <p:cNvPr id="5" name="Tableau 4">
+            <a:extLst>
+              <a:ext uri="{FF2B5EF4-FFF2-40B4-BE49-F238E27FC236}">
+                <a16:creationId xmlns:a16="http://schemas.microsoft.com/office/drawing/2014/main" id="{0661E393-E81C-7941-B994-042297F4B271}"/>
+              </a:ext>
+            </a:extLst>
+          </p:cNvPr>
+          <p:cNvGraphicFramePr>
+            <a:graphicFrameLocks noGrp="1"/>
+          </p:cNvGraphicFramePr>
+          <p:nvPr>
+            <p:extLst>
+              <p:ext uri="{D42A27DB-BD31-4B8C-83A1-F6EECF244321}">
+                <p14:modId xmlns:p14="http://schemas.microsoft.com/office/powerpoint/2010/main" val="3113284535"/>
+              </p:ext>
+            </p:extLst>
+          </p:nvPr>
+        </p:nvGraphicFramePr>
+        <p:xfrm>
+          <a:off x="548839" y="1040814"/>
+          <a:ext cx="8453116" cy="5156200"/>
+        </p:xfrm>
+        <a:graphic>
+          <a:graphicData uri="http://schemas.openxmlformats.org/drawingml/2006/table">
+            <a:tbl>
+              <a:tblPr firstRow="1" bandRow="1">
+                <a:tableStyleId>{5C22544A-7EE6-4342-B048-85BDC9FD1C3A}</a:tableStyleId>
+              </a:tblPr>
+              <a:tblGrid>
+                <a:gridCol w="1452239">
+                  <a:extLst>
+                    <a:ext uri="{9D8B030D-6E8A-4147-A177-3AD203B41FA5}">
+                      <a16:colId xmlns:a16="http://schemas.microsoft.com/office/drawing/2014/main" val="3916403332"/>
+                    </a:ext>
+                  </a:extLst>
+                </a:gridCol>
+                <a:gridCol w="3551583">
+                  <a:extLst>
+                    <a:ext uri="{9D8B030D-6E8A-4147-A177-3AD203B41FA5}">
+                      <a16:colId xmlns:a16="http://schemas.microsoft.com/office/drawing/2014/main" val="3320272912"/>
+                    </a:ext>
+                  </a:extLst>
+                </a:gridCol>
+                <a:gridCol w="3449294">
+                  <a:extLst>
+                    <a:ext uri="{9D8B030D-6E8A-4147-A177-3AD203B41FA5}">
+                      <a16:colId xmlns:a16="http://schemas.microsoft.com/office/drawing/2014/main" val="3827037339"/>
+                    </a:ext>
+                  </a:extLst>
+                </a:gridCol>
+              </a:tblGrid>
+              <a:tr h="370840">
+                <a:tc>
+                  <a:txBody>
+                    <a:bodyPr/>
+                    <a:lstStyle/>
+                    <a:p>
+                      <a:r>
+                        <a:rPr lang="fr-FR" sz="1400" dirty="0"/>
+                        <a:t>Critère</a:t>
+                      </a:r>
+                    </a:p>
+                  </a:txBody>
+                  <a:tcPr/>
+                </a:tc>
+                <a:tc>
+                  <a:txBody>
+                    <a:bodyPr/>
+                    <a:lstStyle/>
+                    <a:p>
+                      <a:r>
+                        <a:rPr lang="fr-FR" sz="1400" dirty="0"/>
+                        <a:t>Demi-Mesure </a:t>
+                      </a:r>
+                      <a:r>
+                        <a:rPr lang="fr-FR" sz="1400" dirty="0" err="1"/>
+                        <a:t>Odoo</a:t>
+                      </a:r>
+                      <a:endParaRPr lang="fr-FR" sz="1400" dirty="0"/>
+                    </a:p>
+                  </a:txBody>
+                  <a:tcPr/>
+                </a:tc>
+                <a:tc>
+                  <a:txBody>
+                    <a:bodyPr/>
+                    <a:lstStyle/>
+                    <a:p>
+                      <a:r>
+                        <a:rPr lang="fr-FR" sz="1400" dirty="0"/>
+                        <a:t>Sur Mesure ab </a:t>
+                      </a:r>
+                      <a:r>
+                        <a:rPr lang="fr-FR" sz="1400" dirty="0" err="1"/>
+                        <a:t>initio</a:t>
+                      </a:r>
+                      <a:endParaRPr lang="fr-FR" sz="1400" dirty="0"/>
+                    </a:p>
+                  </a:txBody>
+                  <a:tcPr/>
+                </a:tc>
+                <a:extLst>
+                  <a:ext uri="{0D108BD9-81ED-4DB2-BD59-A6C34878D82A}">
+                    <a16:rowId xmlns:a16="http://schemas.microsoft.com/office/drawing/2014/main" val="4187171803"/>
+                  </a:ext>
+                </a:extLst>
+              </a:tr>
+              <a:tr h="370840">
+                <a:tc>
+                  <a:txBody>
+                    <a:bodyPr/>
+                    <a:lstStyle/>
+                    <a:p>
+                      <a:pPr marL="0" marR="0" lvl="0" indent="0" algn="l" defTabSz="914400" rtl="0" eaLnBrk="1" fontAlgn="auto" latinLnBrk="0" hangingPunct="1">
+                        <a:lnSpc>
+                          <a:spcPct val="100000"/>
+                        </a:lnSpc>
+                        <a:spcBef>
+                          <a:spcPts val="0"/>
+                        </a:spcBef>
+                        <a:spcAft>
+                          <a:spcPts val="0"/>
+                        </a:spcAft>
+                        <a:buClrTx/>
+                        <a:buSzTx/>
+                        <a:buFontTx/>
+                        <a:buNone/>
+                        <a:tabLst/>
+                        <a:defRPr/>
+                      </a:pPr>
+                      <a:r>
+                        <a:rPr lang="fr-FR" sz="1400" dirty="0"/>
+                        <a:t>Réponse mandat</a:t>
+                      </a:r>
+                    </a:p>
+                  </a:txBody>
+                  <a:tcPr/>
+                </a:tc>
+                <a:tc>
+                  <a:txBody>
+                    <a:bodyPr/>
+                    <a:lstStyle/>
+                    <a:p>
+                      <a:r>
+                        <a:rPr lang="fr-FR" sz="1400" b="1" dirty="0"/>
+                        <a:t>Bonne : </a:t>
+                      </a:r>
+                      <a:r>
+                        <a:rPr lang="fr-FR" sz="1400" b="0" dirty="0"/>
+                        <a:t>diverge mais </a:t>
+                      </a:r>
+                      <a:r>
+                        <a:rPr lang="fr-FR" sz="1400" dirty="0"/>
+                        <a:t>réponse par une customisation autorisée par l’open source</a:t>
+                      </a:r>
+                    </a:p>
+                  </a:txBody>
+                  <a:tcPr>
+                    <a:solidFill>
+                      <a:srgbClr val="FFC000"/>
+                    </a:solidFill>
+                  </a:tcPr>
+                </a:tc>
+                <a:tc>
+                  <a:txBody>
+                    <a:bodyPr/>
+                    <a:lstStyle/>
+                    <a:p>
+                      <a:r>
+                        <a:rPr lang="fr-FR" sz="1400" b="1" dirty="0"/>
+                        <a:t>Excellente : </a:t>
+                      </a:r>
+                      <a:r>
+                        <a:rPr lang="fr-FR" sz="1400" dirty="0"/>
+                        <a:t>répond à la demande du client de faire du sur-mesure</a:t>
+                      </a:r>
+                    </a:p>
+                  </a:txBody>
+                  <a:tcPr>
+                    <a:solidFill>
+                      <a:schemeClr val="accent6">
+                        <a:lumMod val="60000"/>
+                        <a:lumOff val="40000"/>
+                      </a:schemeClr>
+                    </a:solidFill>
+                  </a:tcPr>
+                </a:tc>
+                <a:extLst>
+                  <a:ext uri="{0D108BD9-81ED-4DB2-BD59-A6C34878D82A}">
+                    <a16:rowId xmlns:a16="http://schemas.microsoft.com/office/drawing/2014/main" val="1132881627"/>
+                  </a:ext>
+                </a:extLst>
+              </a:tr>
+              <a:tr h="370840">
+                <a:tc>
+                  <a:txBody>
+                    <a:bodyPr/>
+                    <a:lstStyle/>
+                    <a:p>
+                      <a:r>
+                        <a:rPr lang="fr-FR" sz="1400" dirty="0"/>
+                        <a:t>Croissance OC Pizza</a:t>
+                      </a:r>
+                    </a:p>
+                  </a:txBody>
+                  <a:tcPr/>
+                </a:tc>
+                <a:tc>
+                  <a:txBody>
+                    <a:bodyPr/>
+                    <a:lstStyle/>
+                    <a:p>
+                      <a:r>
+                        <a:rPr lang="fr-FR" sz="1400" b="1" dirty="0"/>
+                        <a:t>Très Bonne : </a:t>
+                      </a:r>
+                      <a:r>
+                        <a:rPr lang="fr-FR" sz="1400" dirty="0" err="1"/>
+                        <a:t>PostgreeSQL</a:t>
+                      </a:r>
+                      <a:r>
+                        <a:rPr lang="fr-FR" sz="1400" dirty="0"/>
+                        <a:t> semble disposer de capacités suffisantes, </a:t>
+                      </a:r>
+                      <a:r>
+                        <a:rPr lang="fr-FR" sz="1400" dirty="0" err="1"/>
+                        <a:t>Odoo</a:t>
+                      </a:r>
+                      <a:r>
+                        <a:rPr lang="fr-FR" sz="1400" dirty="0"/>
+                        <a:t> est adapté à la croissance d’une entreprise</a:t>
+                      </a:r>
+                    </a:p>
+                  </a:txBody>
+                  <a:tcPr>
+                    <a:solidFill>
+                      <a:schemeClr val="accent6">
+                        <a:lumMod val="60000"/>
+                        <a:lumOff val="40000"/>
+                      </a:schemeClr>
+                    </a:solidFill>
+                  </a:tcPr>
+                </a:tc>
+                <a:tc>
+                  <a:txBody>
+                    <a:bodyPr/>
+                    <a:lstStyle/>
+                    <a:p>
+                      <a:r>
+                        <a:rPr lang="fr-FR" sz="1400" b="1" dirty="0"/>
+                        <a:t>Excellente : </a:t>
+                      </a:r>
+                      <a:r>
+                        <a:rPr lang="fr-FR" sz="1400" dirty="0"/>
+                        <a:t>le système de gestion peut être conçu dès le départ pour une croissance ultérieure (DB </a:t>
+                      </a:r>
+                      <a:r>
+                        <a:rPr lang="fr-FR" sz="1400" dirty="0" err="1"/>
+                        <a:t>noSQL</a:t>
+                      </a:r>
+                      <a:r>
+                        <a:rPr lang="fr-FR" sz="1400" dirty="0"/>
+                        <a:t> possibles =&gt; </a:t>
+                      </a:r>
+                      <a:r>
+                        <a:rPr lang="fr-FR" sz="1400" dirty="0" err="1"/>
+                        <a:t>MongoDB</a:t>
+                      </a:r>
+                      <a:r>
+                        <a:rPr lang="fr-FR" sz="1400" dirty="0"/>
+                        <a:t> &amp; </a:t>
+                      </a:r>
+                      <a:r>
+                        <a:rPr lang="fr-FR" sz="1400" dirty="0" err="1"/>
+                        <a:t>pymongo</a:t>
+                      </a:r>
+                      <a:r>
+                        <a:rPr lang="fr-FR" sz="1400" dirty="0"/>
+                        <a:t>)</a:t>
+                      </a:r>
+                    </a:p>
+                  </a:txBody>
+                  <a:tcPr>
+                    <a:solidFill>
+                      <a:schemeClr val="accent6">
+                        <a:lumMod val="60000"/>
+                        <a:lumOff val="40000"/>
+                      </a:schemeClr>
+                    </a:solidFill>
+                  </a:tcPr>
+                </a:tc>
+                <a:extLst>
+                  <a:ext uri="{0D108BD9-81ED-4DB2-BD59-A6C34878D82A}">
+                    <a16:rowId xmlns:a16="http://schemas.microsoft.com/office/drawing/2014/main" val="2019670362"/>
+                  </a:ext>
+                </a:extLst>
+              </a:tr>
+              <a:tr h="370840">
+                <a:tc>
+                  <a:txBody>
+                    <a:bodyPr/>
+                    <a:lstStyle/>
+                    <a:p>
+                      <a:r>
+                        <a:rPr lang="fr-FR" sz="1400" dirty="0"/>
+                        <a:t>Coût d’exploitation</a:t>
+                      </a:r>
+                    </a:p>
+                  </a:txBody>
+                  <a:tcPr/>
+                </a:tc>
+                <a:tc>
+                  <a:txBody>
+                    <a:bodyPr/>
+                    <a:lstStyle/>
+                    <a:p>
+                      <a:r>
+                        <a:rPr lang="fr-FR" sz="1400" b="1" dirty="0"/>
+                        <a:t>Faible : </a:t>
+                      </a:r>
+                      <a:r>
+                        <a:rPr lang="fr-FR" sz="1400" dirty="0"/>
+                        <a:t>Essentiellement les abonnements à la solution</a:t>
+                      </a:r>
+                    </a:p>
+                  </a:txBody>
+                  <a:tcPr>
+                    <a:solidFill>
+                      <a:schemeClr val="accent6">
+                        <a:lumMod val="60000"/>
+                        <a:lumOff val="40000"/>
+                      </a:schemeClr>
+                    </a:solidFill>
+                  </a:tcPr>
+                </a:tc>
+                <a:tc>
+                  <a:txBody>
+                    <a:bodyPr/>
+                    <a:lstStyle/>
+                    <a:p>
+                      <a:r>
+                        <a:rPr lang="fr-FR" sz="1400" b="1" dirty="0"/>
+                        <a:t>Faible : </a:t>
+                      </a:r>
+                      <a:r>
+                        <a:rPr lang="fr-FR" sz="1400" dirty="0"/>
+                        <a:t>uniquement hébergement</a:t>
+                      </a:r>
+                    </a:p>
+                  </a:txBody>
+                  <a:tcPr>
+                    <a:solidFill>
+                      <a:schemeClr val="accent6">
+                        <a:lumMod val="60000"/>
+                        <a:lumOff val="40000"/>
+                      </a:schemeClr>
+                    </a:solidFill>
+                  </a:tcPr>
+                </a:tc>
+                <a:extLst>
+                  <a:ext uri="{0D108BD9-81ED-4DB2-BD59-A6C34878D82A}">
+                    <a16:rowId xmlns:a16="http://schemas.microsoft.com/office/drawing/2014/main" val="744804136"/>
+                  </a:ext>
+                </a:extLst>
+              </a:tr>
+              <a:tr h="370840">
+                <a:tc>
+                  <a:txBody>
+                    <a:bodyPr/>
+                    <a:lstStyle/>
+                    <a:p>
+                      <a:r>
+                        <a:rPr lang="fr-FR" sz="1400" dirty="0"/>
+                        <a:t>Délai</a:t>
+                      </a:r>
+                    </a:p>
+                  </a:txBody>
+                  <a:tcPr/>
+                </a:tc>
+                <a:tc>
+                  <a:txBody>
+                    <a:bodyPr/>
+                    <a:lstStyle/>
+                    <a:p>
+                      <a:r>
+                        <a:rPr lang="fr-FR" sz="1400" b="1" dirty="0"/>
+                        <a:t>Court : </a:t>
+                      </a:r>
+                      <a:r>
+                        <a:rPr lang="fr-FR" sz="1400" b="0" dirty="0"/>
+                        <a:t>simple adaptation en Python de modules existants</a:t>
+                      </a:r>
+                    </a:p>
+                  </a:txBody>
+                  <a:tcPr>
+                    <a:solidFill>
+                      <a:schemeClr val="accent6">
+                        <a:lumMod val="60000"/>
+                        <a:lumOff val="40000"/>
+                      </a:schemeClr>
+                    </a:solidFill>
+                  </a:tcPr>
+                </a:tc>
+                <a:tc>
+                  <a:txBody>
+                    <a:bodyPr/>
+                    <a:lstStyle/>
+                    <a:p>
+                      <a:r>
+                        <a:rPr lang="fr-FR" sz="1400" b="1" dirty="0"/>
+                        <a:t>Long: </a:t>
+                      </a:r>
+                      <a:r>
+                        <a:rPr lang="fr-FR" sz="1400" b="0" dirty="0"/>
+                        <a:t>développement de A à Z à évaluer avec conception, tests, </a:t>
+                      </a:r>
+                      <a:r>
+                        <a:rPr lang="fr-FR" sz="1400" b="0" dirty="0" err="1"/>
+                        <a:t>etc</a:t>
+                      </a:r>
+                      <a:endParaRPr lang="fr-FR" sz="1400" b="0" dirty="0"/>
+                    </a:p>
+                  </a:txBody>
+                  <a:tcPr>
+                    <a:solidFill>
+                      <a:srgbClr val="FFC000"/>
+                    </a:solidFill>
+                  </a:tcPr>
+                </a:tc>
+                <a:extLst>
+                  <a:ext uri="{0D108BD9-81ED-4DB2-BD59-A6C34878D82A}">
+                    <a16:rowId xmlns:a16="http://schemas.microsoft.com/office/drawing/2014/main" val="1210363784"/>
+                  </a:ext>
+                </a:extLst>
+              </a:tr>
+              <a:tr h="370840">
+                <a:tc>
+                  <a:txBody>
+                    <a:bodyPr/>
+                    <a:lstStyle/>
+                    <a:p>
+                      <a:pPr marL="0" marR="0" lvl="0" indent="0" algn="l" defTabSz="914400" rtl="0" eaLnBrk="1" fontAlgn="auto" latinLnBrk="0" hangingPunct="1">
+                        <a:lnSpc>
+                          <a:spcPct val="100000"/>
+                        </a:lnSpc>
+                        <a:spcBef>
+                          <a:spcPts val="0"/>
+                        </a:spcBef>
+                        <a:spcAft>
+                          <a:spcPts val="0"/>
+                        </a:spcAft>
+                        <a:buClrTx/>
+                        <a:buSzTx/>
+                        <a:buFontTx/>
+                        <a:buNone/>
+                        <a:tabLst/>
+                        <a:defRPr/>
+                      </a:pPr>
+                      <a:r>
+                        <a:rPr lang="fr-FR" sz="1400" dirty="0"/>
+                        <a:t>Difficulté technique</a:t>
+                      </a:r>
+                    </a:p>
+                  </a:txBody>
+                  <a:tcPr/>
+                </a:tc>
+                <a:tc>
+                  <a:txBody>
+                    <a:bodyPr/>
+                    <a:lstStyle/>
+                    <a:p>
+                      <a:r>
+                        <a:rPr lang="fr-FR" sz="1400" b="1" dirty="0"/>
+                        <a:t>Limitée : </a:t>
+                      </a:r>
+                      <a:r>
+                        <a:rPr lang="fr-FR" sz="1400" dirty="0"/>
+                        <a:t>une partie des automatismes est en place, hébergement maîtrisé</a:t>
+                      </a:r>
+                    </a:p>
+                  </a:txBody>
+                  <a:tcPr>
+                    <a:solidFill>
+                      <a:schemeClr val="accent6">
+                        <a:lumMod val="60000"/>
+                        <a:lumOff val="40000"/>
+                      </a:schemeClr>
+                    </a:solidFill>
+                  </a:tcPr>
+                </a:tc>
+                <a:tc>
+                  <a:txBody>
+                    <a:bodyPr/>
+                    <a:lstStyle/>
+                    <a:p>
+                      <a:r>
+                        <a:rPr lang="fr-FR" sz="1400" b="1" dirty="0"/>
+                        <a:t>Forte : </a:t>
+                      </a:r>
+                      <a:r>
+                        <a:rPr lang="fr-FR" sz="1400" dirty="0"/>
+                        <a:t>tout est à construire</a:t>
+                      </a:r>
+                    </a:p>
+                  </a:txBody>
+                  <a:tcPr>
+                    <a:solidFill>
+                      <a:srgbClr val="FFC000"/>
+                    </a:solidFill>
+                  </a:tcPr>
+                </a:tc>
+                <a:extLst>
+                  <a:ext uri="{0D108BD9-81ED-4DB2-BD59-A6C34878D82A}">
+                    <a16:rowId xmlns:a16="http://schemas.microsoft.com/office/drawing/2014/main" val="478184333"/>
+                  </a:ext>
+                </a:extLst>
+              </a:tr>
+              <a:tr h="370840">
+                <a:tc>
+                  <a:txBody>
+                    <a:bodyPr/>
+                    <a:lstStyle/>
+                    <a:p>
+                      <a:r>
+                        <a:rPr lang="fr-FR" sz="1400" dirty="0"/>
+                        <a:t>Sécurité</a:t>
+                      </a:r>
+                    </a:p>
+                  </a:txBody>
+                  <a:tcPr/>
+                </a:tc>
+                <a:tc>
+                  <a:txBody>
+                    <a:bodyPr/>
+                    <a:lstStyle/>
+                    <a:p>
+                      <a:r>
+                        <a:rPr lang="fr-FR" sz="1400" b="1" dirty="0"/>
+                        <a:t>Forte : </a:t>
+                      </a:r>
+                      <a:r>
+                        <a:rPr lang="fr-FR" sz="1400" b="0" dirty="0"/>
+                        <a:t>car traitée de bout en bout</a:t>
+                      </a:r>
+                    </a:p>
+                  </a:txBody>
+                  <a:tcPr>
+                    <a:solidFill>
+                      <a:schemeClr val="accent6">
+                        <a:lumMod val="60000"/>
+                        <a:lumOff val="40000"/>
+                      </a:schemeClr>
+                    </a:solidFill>
+                  </a:tcPr>
+                </a:tc>
+                <a:tc>
+                  <a:txBody>
+                    <a:bodyPr/>
+                    <a:lstStyle/>
+                    <a:p>
+                      <a:r>
+                        <a:rPr lang="fr-FR" sz="1400" b="1" dirty="0"/>
+                        <a:t>Moyenne: </a:t>
+                      </a:r>
+                      <a:r>
+                        <a:rPr lang="fr-FR" sz="1400" dirty="0"/>
+                        <a:t>à juger en fonction des expertises dispo chez IT C&amp;D</a:t>
+                      </a:r>
+                    </a:p>
+                  </a:txBody>
+                  <a:tcPr>
+                    <a:solidFill>
+                      <a:srgbClr val="FFC000"/>
+                    </a:solidFill>
+                  </a:tcPr>
+                </a:tc>
+                <a:extLst>
+                  <a:ext uri="{0D108BD9-81ED-4DB2-BD59-A6C34878D82A}">
+                    <a16:rowId xmlns:a16="http://schemas.microsoft.com/office/drawing/2014/main" val="3719089621"/>
+                  </a:ext>
+                </a:extLst>
+              </a:tr>
+              <a:tr h="370840">
+                <a:tc>
+                  <a:txBody>
+                    <a:bodyPr/>
+                    <a:lstStyle/>
+                    <a:p>
+                      <a:r>
+                        <a:rPr lang="fr-FR" sz="1400" dirty="0"/>
+                        <a:t>Fiabilité</a:t>
+                      </a:r>
+                    </a:p>
+                  </a:txBody>
+                  <a:tcPr/>
+                </a:tc>
+                <a:tc>
+                  <a:txBody>
+                    <a:bodyPr/>
+                    <a:lstStyle/>
+                    <a:p>
+                      <a:r>
+                        <a:rPr lang="fr-FR" sz="1400" b="1" dirty="0"/>
+                        <a:t>Forte </a:t>
+                      </a:r>
+                      <a:r>
+                        <a:rPr lang="fr-FR" sz="1400" dirty="0"/>
+                        <a:t>: Solution éprouvée</a:t>
+                      </a:r>
+                    </a:p>
+                  </a:txBody>
+                  <a:tcPr>
+                    <a:solidFill>
+                      <a:schemeClr val="accent6">
+                        <a:lumMod val="60000"/>
+                        <a:lumOff val="40000"/>
+                      </a:schemeClr>
+                    </a:solidFill>
+                  </a:tcPr>
+                </a:tc>
+                <a:tc>
+                  <a:txBody>
+                    <a:bodyPr/>
+                    <a:lstStyle/>
+                    <a:p>
+                      <a:r>
+                        <a:rPr lang="fr-FR" sz="1400" b="1" dirty="0"/>
+                        <a:t>Moyenne: </a:t>
+                      </a:r>
+                      <a:r>
+                        <a:rPr lang="fr-FR" sz="1400" dirty="0"/>
+                        <a:t>pas d’expérience sur un tel produit</a:t>
+                      </a:r>
+                    </a:p>
+                  </a:txBody>
+                  <a:tcPr>
+                    <a:solidFill>
+                      <a:srgbClr val="FFC000"/>
+                    </a:solidFill>
+                  </a:tcPr>
+                </a:tc>
+                <a:extLst>
+                  <a:ext uri="{0D108BD9-81ED-4DB2-BD59-A6C34878D82A}">
+                    <a16:rowId xmlns:a16="http://schemas.microsoft.com/office/drawing/2014/main" val="1763363078"/>
+                  </a:ext>
+                </a:extLst>
+              </a:tr>
+              <a:tr h="370840">
+                <a:tc>
+                  <a:txBody>
+                    <a:bodyPr/>
+                    <a:lstStyle/>
+                    <a:p>
+                      <a:r>
+                        <a:rPr lang="fr-FR" sz="1400" dirty="0"/>
+                        <a:t>Coût de conception</a:t>
+                      </a:r>
+                    </a:p>
+                  </a:txBody>
+                  <a:tcPr/>
+                </a:tc>
+                <a:tc>
+                  <a:txBody>
+                    <a:bodyPr/>
+                    <a:lstStyle/>
+                    <a:p>
+                      <a:r>
+                        <a:rPr lang="fr-FR" sz="1400" b="1" dirty="0"/>
+                        <a:t>Faible : </a:t>
+                      </a:r>
+                      <a:r>
+                        <a:rPr lang="fr-FR" sz="1400" dirty="0"/>
+                        <a:t>juste une adaptation de modules existants, langage connu de l’équipe</a:t>
+                      </a:r>
+                    </a:p>
+                  </a:txBody>
+                  <a:tcPr>
+                    <a:solidFill>
+                      <a:schemeClr val="accent6">
+                        <a:lumMod val="60000"/>
+                        <a:lumOff val="40000"/>
+                      </a:schemeClr>
+                    </a:solidFill>
+                  </a:tcPr>
+                </a:tc>
+                <a:tc>
+                  <a:txBody>
+                    <a:bodyPr/>
+                    <a:lstStyle/>
+                    <a:p>
+                      <a:r>
+                        <a:rPr lang="fr-FR" sz="1400" b="1" dirty="0"/>
+                        <a:t>Elevé </a:t>
+                      </a:r>
+                      <a:r>
+                        <a:rPr lang="fr-FR" sz="1400" dirty="0"/>
+                        <a:t>: nombre d’heures/h x j. Pas d’économie d’échelle en raison taille OC Pizza</a:t>
+                      </a:r>
+                    </a:p>
+                  </a:txBody>
+                  <a:tcPr>
+                    <a:solidFill>
+                      <a:srgbClr val="FFC000"/>
+                    </a:solidFill>
+                  </a:tcPr>
+                </a:tc>
+                <a:extLst>
+                  <a:ext uri="{0D108BD9-81ED-4DB2-BD59-A6C34878D82A}">
+                    <a16:rowId xmlns:a16="http://schemas.microsoft.com/office/drawing/2014/main" val="2023212015"/>
+                  </a:ext>
+                </a:extLst>
+              </a:tr>
+            </a:tbl>
+          </a:graphicData>
+        </a:graphic>
+      </p:graphicFrame>
+    </p:spTree>
+    <p:extLst>
+      <p:ext uri="{BB962C8B-B14F-4D97-AF65-F5344CB8AC3E}">
+        <p14:creationId xmlns:p14="http://schemas.microsoft.com/office/powerpoint/2010/main" val="2244913274"/>
       </p:ext>
     </p:extLst>
   </p:cSld>
